--- a/DEVELLOPEUR WEB ET WEB MOBILE.pptx
+++ b/DEVELLOPEUR WEB ET WEB MOBILE.pptx
@@ -14,13 +14,27 @@
     <p:sldId id="263" r:id="rId8"/>
     <p:sldId id="264" r:id="rId9"/>
     <p:sldId id="265" r:id="rId10"/>
-    <p:sldId id="271" r:id="rId11"/>
-    <p:sldId id="266" r:id="rId12"/>
-    <p:sldId id="267" r:id="rId13"/>
-    <p:sldId id="268" r:id="rId14"/>
-    <p:sldId id="269" r:id="rId15"/>
-    <p:sldId id="272" r:id="rId16"/>
+    <p:sldId id="272" r:id="rId11"/>
+    <p:sldId id="271" r:id="rId12"/>
+    <p:sldId id="266" r:id="rId13"/>
+    <p:sldId id="267" r:id="rId14"/>
+    <p:sldId id="268" r:id="rId15"/>
+    <p:sldId id="269" r:id="rId16"/>
     <p:sldId id="273" r:id="rId17"/>
+    <p:sldId id="275" r:id="rId18"/>
+    <p:sldId id="278" r:id="rId19"/>
+    <p:sldId id="276" r:id="rId20"/>
+    <p:sldId id="277" r:id="rId21"/>
+    <p:sldId id="279" r:id="rId22"/>
+    <p:sldId id="280" r:id="rId23"/>
+    <p:sldId id="281" r:id="rId24"/>
+    <p:sldId id="282" r:id="rId25"/>
+    <p:sldId id="283" r:id="rId26"/>
+    <p:sldId id="284" r:id="rId27"/>
+    <p:sldId id="285" r:id="rId28"/>
+    <p:sldId id="286" r:id="rId29"/>
+    <p:sldId id="287" r:id="rId30"/>
+    <p:sldId id="274" r:id="rId31"/>
   </p:sldIdLst>
   <p:sldSz cx="12192000" cy="6858000"/>
   <p:notesSz cx="6858000" cy="9144000"/>
@@ -119,11 +133,924 @@
       </a:defRPr>
     </a:lvl9pPr>
   </p:defaultTextStyle>
+  <p:extLst>
+    <p:ext uri="{EFAFB233-063F-42B5-8137-9DF3F51BA10A}">
+      <p15:sldGuideLst xmlns:p15="http://schemas.microsoft.com/office/powerpoint/2012/main"/>
+    </p:ext>
+  </p:extLst>
 </p:presentation>
 </file>
 
 <file path=ppt/changesInfos/changesInfo1.xml><?xml version="1.0" encoding="utf-8"?>
 <pc:chgInfo xmlns:a="http://schemas.openxmlformats.org/drawingml/2006/main" xmlns:r="http://schemas.openxmlformats.org/officeDocument/2006/relationships" xmlns:ac="http://schemas.microsoft.com/office/drawing/2013/main/command" xmlns:pc="http://schemas.microsoft.com/office/powerpoint/2013/main/command">
+  <pc:docChgLst>
+    <pc:chgData name="Olivier gal_" userId="361f297fe0f81245" providerId="LiveId" clId="{54627B0C-209C-4759-B719-76D835317FBB}"/>
+    <pc:docChg chg="custSel modSld">
+      <pc:chgData name="Olivier gal_" userId="361f297fe0f81245" providerId="LiveId" clId="{54627B0C-209C-4759-B719-76D835317FBB}" dt="2019-10-16T01:53:28.703" v="87" actId="20577"/>
+      <pc:docMkLst>
+        <pc:docMk/>
+      </pc:docMkLst>
+      <pc:sldChg chg="modSp">
+        <pc:chgData name="Olivier gal_" userId="361f297fe0f81245" providerId="LiveId" clId="{54627B0C-209C-4759-B719-76D835317FBB}" dt="2019-10-16T01:53:28.703" v="87" actId="20577"/>
+        <pc:sldMkLst>
+          <pc:docMk/>
+          <pc:sldMk cId="124816334" sldId="274"/>
+        </pc:sldMkLst>
+        <pc:spChg chg="mod">
+          <ac:chgData name="Olivier gal_" userId="361f297fe0f81245" providerId="LiveId" clId="{54627B0C-209C-4759-B719-76D835317FBB}" dt="2019-10-16T01:53:28.703" v="87" actId="20577"/>
+          <ac:spMkLst>
+            <pc:docMk/>
+            <pc:sldMk cId="124816334" sldId="274"/>
+            <ac:spMk id="3" creationId="{C3719DAD-D4AC-48A7-A17D-DCEEE12BF5BC}"/>
+          </ac:spMkLst>
+        </pc:spChg>
+      </pc:sldChg>
+    </pc:docChg>
+  </pc:docChgLst>
+  <pc:docChgLst>
+    <pc:chgData name="Olivier gal_" userId="361f297fe0f81245" providerId="LiveId" clId="{3E9ACDFF-ED40-459C-A6C9-76F21CA37580}"/>
+    <pc:docChg chg="undo redo custSel addSld modSld sldOrd">
+      <pc:chgData name="Olivier gal_" userId="361f297fe0f81245" providerId="LiveId" clId="{3E9ACDFF-ED40-459C-A6C9-76F21CA37580}" dt="2019-10-15T18:54:45.740" v="2408" actId="20577"/>
+      <pc:docMkLst>
+        <pc:docMk/>
+      </pc:docMkLst>
+      <pc:sldChg chg="modSp">
+        <pc:chgData name="Olivier gal_" userId="361f297fe0f81245" providerId="LiveId" clId="{3E9ACDFF-ED40-459C-A6C9-76F21CA37580}" dt="2019-10-15T13:51:59.854" v="0" actId="20577"/>
+        <pc:sldMkLst>
+          <pc:docMk/>
+          <pc:sldMk cId="3630154676" sldId="258"/>
+        </pc:sldMkLst>
+        <pc:spChg chg="mod">
+          <ac:chgData name="Olivier gal_" userId="361f297fe0f81245" providerId="LiveId" clId="{3E9ACDFF-ED40-459C-A6C9-76F21CA37580}" dt="2019-10-15T13:51:59.854" v="0" actId="20577"/>
+          <ac:spMkLst>
+            <pc:docMk/>
+            <pc:sldMk cId="3630154676" sldId="258"/>
+            <ac:spMk id="2" creationId="{B34C167B-5485-47F3-8D2D-9A9460664103}"/>
+          </ac:spMkLst>
+        </pc:spChg>
+      </pc:sldChg>
+      <pc:sldChg chg="modSp">
+        <pc:chgData name="Olivier gal_" userId="361f297fe0f81245" providerId="LiveId" clId="{3E9ACDFF-ED40-459C-A6C9-76F21CA37580}" dt="2019-10-15T14:15:10.506" v="404" actId="20577"/>
+        <pc:sldMkLst>
+          <pc:docMk/>
+          <pc:sldMk cId="1147603187" sldId="260"/>
+        </pc:sldMkLst>
+        <pc:spChg chg="mod">
+          <ac:chgData name="Olivier gal_" userId="361f297fe0f81245" providerId="LiveId" clId="{3E9ACDFF-ED40-459C-A6C9-76F21CA37580}" dt="2019-10-15T14:15:10.506" v="404" actId="20577"/>
+          <ac:spMkLst>
+            <pc:docMk/>
+            <pc:sldMk cId="1147603187" sldId="260"/>
+            <ac:spMk id="2" creationId="{337D7C18-0F80-43D6-9664-91BBF827A206}"/>
+          </ac:spMkLst>
+        </pc:spChg>
+      </pc:sldChg>
+      <pc:sldChg chg="modSp">
+        <pc:chgData name="Olivier gal_" userId="361f297fe0f81245" providerId="LiveId" clId="{3E9ACDFF-ED40-459C-A6C9-76F21CA37580}" dt="2019-10-15T14:57:55.914" v="857" actId="20577"/>
+        <pc:sldMkLst>
+          <pc:docMk/>
+          <pc:sldMk cId="4110459172" sldId="266"/>
+        </pc:sldMkLst>
+        <pc:spChg chg="mod">
+          <ac:chgData name="Olivier gal_" userId="361f297fe0f81245" providerId="LiveId" clId="{3E9ACDFF-ED40-459C-A6C9-76F21CA37580}" dt="2019-10-15T14:57:55.914" v="857" actId="20577"/>
+          <ac:spMkLst>
+            <pc:docMk/>
+            <pc:sldMk cId="4110459172" sldId="266"/>
+            <ac:spMk id="3" creationId="{F6FB41C1-E9E3-46ED-A114-CDBDD0AB0E66}"/>
+          </ac:spMkLst>
+        </pc:spChg>
+      </pc:sldChg>
+      <pc:sldChg chg="modSp">
+        <pc:chgData name="Olivier gal_" userId="361f297fe0f81245" providerId="LiveId" clId="{3E9ACDFF-ED40-459C-A6C9-76F21CA37580}" dt="2019-10-15T15:00:04.402" v="875" actId="1076"/>
+        <pc:sldMkLst>
+          <pc:docMk/>
+          <pc:sldMk cId="1299091615" sldId="267"/>
+        </pc:sldMkLst>
+        <pc:picChg chg="mod">
+          <ac:chgData name="Olivier gal_" userId="361f297fe0f81245" providerId="LiveId" clId="{3E9ACDFF-ED40-459C-A6C9-76F21CA37580}" dt="2019-10-15T15:00:04.402" v="875" actId="1076"/>
+          <ac:picMkLst>
+            <pc:docMk/>
+            <pc:sldMk cId="1299091615" sldId="267"/>
+            <ac:picMk id="5" creationId="{1D3DAD51-C31D-489F-8072-D3026B9F29C7}"/>
+          </ac:picMkLst>
+        </pc:picChg>
+      </pc:sldChg>
+      <pc:sldChg chg="modSp">
+        <pc:chgData name="Olivier gal_" userId="361f297fe0f81245" providerId="LiveId" clId="{3E9ACDFF-ED40-459C-A6C9-76F21CA37580}" dt="2019-10-15T14:59:38.831" v="872" actId="1076"/>
+        <pc:sldMkLst>
+          <pc:docMk/>
+          <pc:sldMk cId="3676666206" sldId="268"/>
+        </pc:sldMkLst>
+        <pc:picChg chg="mod">
+          <ac:chgData name="Olivier gal_" userId="361f297fe0f81245" providerId="LiveId" clId="{3E9ACDFF-ED40-459C-A6C9-76F21CA37580}" dt="2019-10-15T14:59:38.831" v="872" actId="1076"/>
+          <ac:picMkLst>
+            <pc:docMk/>
+            <pc:sldMk cId="3676666206" sldId="268"/>
+            <ac:picMk id="5" creationId="{3777C151-2263-4EF5-A34F-C8D98B73C623}"/>
+          </ac:picMkLst>
+        </pc:picChg>
+      </pc:sldChg>
+      <pc:sldChg chg="addSp delSp modSp">
+        <pc:chgData name="Olivier gal_" userId="361f297fe0f81245" providerId="LiveId" clId="{3E9ACDFF-ED40-459C-A6C9-76F21CA37580}" dt="2019-10-15T14:59:50.733" v="873" actId="14100"/>
+        <pc:sldMkLst>
+          <pc:docMk/>
+          <pc:sldMk cId="890588601" sldId="269"/>
+        </pc:sldMkLst>
+        <pc:spChg chg="add del mod">
+          <ac:chgData name="Olivier gal_" userId="361f297fe0f81245" providerId="LiveId" clId="{3E9ACDFF-ED40-459C-A6C9-76F21CA37580}" dt="2019-10-15T14:59:20.325" v="869" actId="931"/>
+          <ac:spMkLst>
+            <pc:docMk/>
+            <pc:sldMk cId="890588601" sldId="269"/>
+            <ac:spMk id="5" creationId="{10F8E8AB-E532-4F0B-B2C7-42B576807CD7}"/>
+          </ac:spMkLst>
+        </pc:spChg>
+        <pc:picChg chg="del">
+          <ac:chgData name="Olivier gal_" userId="361f297fe0f81245" providerId="LiveId" clId="{3E9ACDFF-ED40-459C-A6C9-76F21CA37580}" dt="2019-10-15T14:58:53.226" v="868" actId="478"/>
+          <ac:picMkLst>
+            <pc:docMk/>
+            <pc:sldMk cId="890588601" sldId="269"/>
+            <ac:picMk id="4" creationId="{CC0BF217-CF3A-4B36-AACF-6F30FEDD050C}"/>
+          </ac:picMkLst>
+        </pc:picChg>
+        <pc:picChg chg="add mod">
+          <ac:chgData name="Olivier gal_" userId="361f297fe0f81245" providerId="LiveId" clId="{3E9ACDFF-ED40-459C-A6C9-76F21CA37580}" dt="2019-10-15T14:59:50.733" v="873" actId="14100"/>
+          <ac:picMkLst>
+            <pc:docMk/>
+            <pc:sldMk cId="890588601" sldId="269"/>
+            <ac:picMk id="8" creationId="{36B8AB67-C7E0-4242-9A4C-7B4C59D94807}"/>
+          </ac:picMkLst>
+        </pc:picChg>
+      </pc:sldChg>
+      <pc:sldChg chg="modSp">
+        <pc:chgData name="Olivier gal_" userId="361f297fe0f81245" providerId="LiveId" clId="{3E9ACDFF-ED40-459C-A6C9-76F21CA37580}" dt="2019-10-15T14:58:16.269" v="867" actId="20577"/>
+        <pc:sldMkLst>
+          <pc:docMk/>
+          <pc:sldMk cId="1302232896" sldId="273"/>
+        </pc:sldMkLst>
+        <pc:spChg chg="mod">
+          <ac:chgData name="Olivier gal_" userId="361f297fe0f81245" providerId="LiveId" clId="{3E9ACDFF-ED40-459C-A6C9-76F21CA37580}" dt="2019-10-15T14:58:16.269" v="867" actId="20577"/>
+          <ac:spMkLst>
+            <pc:docMk/>
+            <pc:sldMk cId="1302232896" sldId="273"/>
+            <ac:spMk id="3" creationId="{99534657-8C98-49FA-8179-AB65452F94B7}"/>
+          </ac:spMkLst>
+        </pc:spChg>
+      </pc:sldChg>
+      <pc:sldChg chg="addSp modSp add ord">
+        <pc:chgData name="Olivier gal_" userId="361f297fe0f81245" providerId="LiveId" clId="{3E9ACDFF-ED40-459C-A6C9-76F21CA37580}" dt="2019-10-15T15:01:20.359" v="877"/>
+        <pc:sldMkLst>
+          <pc:docMk/>
+          <pc:sldMk cId="124816334" sldId="274"/>
+        </pc:sldMkLst>
+        <pc:spChg chg="mod">
+          <ac:chgData name="Olivier gal_" userId="361f297fe0f81245" providerId="LiveId" clId="{3E9ACDFF-ED40-459C-A6C9-76F21CA37580}" dt="2019-10-15T13:52:28.362" v="18" actId="20577"/>
+          <ac:spMkLst>
+            <pc:docMk/>
+            <pc:sldMk cId="124816334" sldId="274"/>
+            <ac:spMk id="2" creationId="{37C83DC5-5724-47EB-A252-A0B3CAF63E3E}"/>
+          </ac:spMkLst>
+        </pc:spChg>
+        <pc:spChg chg="mod">
+          <ac:chgData name="Olivier gal_" userId="361f297fe0f81245" providerId="LiveId" clId="{3E9ACDFF-ED40-459C-A6C9-76F21CA37580}" dt="2019-10-15T14:54:21.327" v="765" actId="6549"/>
+          <ac:spMkLst>
+            <pc:docMk/>
+            <pc:sldMk cId="124816334" sldId="274"/>
+            <ac:spMk id="3" creationId="{C3719DAD-D4AC-48A7-A17D-DCEEE12BF5BC}"/>
+          </ac:spMkLst>
+        </pc:spChg>
+        <pc:picChg chg="add mod">
+          <ac:chgData name="Olivier gal_" userId="361f297fe0f81245" providerId="LiveId" clId="{3E9ACDFF-ED40-459C-A6C9-76F21CA37580}" dt="2019-10-15T14:51:38.783" v="678" actId="14100"/>
+          <ac:picMkLst>
+            <pc:docMk/>
+            <pc:sldMk cId="124816334" sldId="274"/>
+            <ac:picMk id="5" creationId="{863BB10E-EC2B-42C2-B66E-64CA93851AFA}"/>
+          </ac:picMkLst>
+        </pc:picChg>
+        <pc:picChg chg="add mod">
+          <ac:chgData name="Olivier gal_" userId="361f297fe0f81245" providerId="LiveId" clId="{3E9ACDFF-ED40-459C-A6C9-76F21CA37580}" dt="2019-10-15T14:51:21.105" v="674" actId="1076"/>
+          <ac:picMkLst>
+            <pc:docMk/>
+            <pc:sldMk cId="124816334" sldId="274"/>
+            <ac:picMk id="7" creationId="{863EFC6C-0AC8-468E-B968-8AA38B0E6922}"/>
+          </ac:picMkLst>
+        </pc:picChg>
+        <pc:picChg chg="add mod">
+          <ac:chgData name="Olivier gal_" userId="361f297fe0f81245" providerId="LiveId" clId="{3E9ACDFF-ED40-459C-A6C9-76F21CA37580}" dt="2019-10-15T14:51:05.702" v="670" actId="1076"/>
+          <ac:picMkLst>
+            <pc:docMk/>
+            <pc:sldMk cId="124816334" sldId="274"/>
+            <ac:picMk id="9" creationId="{2048690A-3863-474E-8384-1C3DF7C8F062}"/>
+          </ac:picMkLst>
+        </pc:picChg>
+      </pc:sldChg>
+      <pc:sldChg chg="addSp delSp modSp add">
+        <pc:chgData name="Olivier gal_" userId="361f297fe0f81245" providerId="LiveId" clId="{3E9ACDFF-ED40-459C-A6C9-76F21CA37580}" dt="2019-10-15T16:08:26.359" v="1627" actId="14100"/>
+        <pc:sldMkLst>
+          <pc:docMk/>
+          <pc:sldMk cId="1279116463" sldId="275"/>
+        </pc:sldMkLst>
+        <pc:spChg chg="mod">
+          <ac:chgData name="Olivier gal_" userId="361f297fe0f81245" providerId="LiveId" clId="{3E9ACDFF-ED40-459C-A6C9-76F21CA37580}" dt="2019-10-15T15:01:53.872" v="895" actId="20577"/>
+          <ac:spMkLst>
+            <pc:docMk/>
+            <pc:sldMk cId="1279116463" sldId="275"/>
+            <ac:spMk id="2" creationId="{073A50FC-7864-41C6-9B07-C16B784000F1}"/>
+          </ac:spMkLst>
+        </pc:spChg>
+        <pc:spChg chg="del mod">
+          <ac:chgData name="Olivier gal_" userId="361f297fe0f81245" providerId="LiveId" clId="{3E9ACDFF-ED40-459C-A6C9-76F21CA37580}" dt="2019-10-15T15:41:34.502" v="1339" actId="478"/>
+          <ac:spMkLst>
+            <pc:docMk/>
+            <pc:sldMk cId="1279116463" sldId="275"/>
+            <ac:spMk id="3" creationId="{CE3734D8-1CEB-406A-8D50-8BCEFBEA7C61}"/>
+          </ac:spMkLst>
+        </pc:spChg>
+        <pc:spChg chg="add del mod">
+          <ac:chgData name="Olivier gal_" userId="361f297fe0f81245" providerId="LiveId" clId="{3E9ACDFF-ED40-459C-A6C9-76F21CA37580}" dt="2019-10-15T15:42:00.418" v="1340" actId="478"/>
+          <ac:spMkLst>
+            <pc:docMk/>
+            <pc:sldMk cId="1279116463" sldId="275"/>
+            <ac:spMk id="8" creationId="{346E03C5-1512-41AD-A7AA-E3AFE6800CAB}"/>
+          </ac:spMkLst>
+        </pc:spChg>
+        <pc:spChg chg="add mod">
+          <ac:chgData name="Olivier gal_" userId="361f297fe0f81245" providerId="LiveId" clId="{3E9ACDFF-ED40-459C-A6C9-76F21CA37580}" dt="2019-10-15T15:42:44.154" v="1359" actId="20577"/>
+          <ac:spMkLst>
+            <pc:docMk/>
+            <pc:sldMk cId="1279116463" sldId="275"/>
+            <ac:spMk id="9" creationId="{382F1913-B784-442F-91DA-78A1D351DEFE}"/>
+          </ac:spMkLst>
+        </pc:spChg>
+        <pc:spChg chg="add del mod">
+          <ac:chgData name="Olivier gal_" userId="361f297fe0f81245" providerId="LiveId" clId="{3E9ACDFF-ED40-459C-A6C9-76F21CA37580}" dt="2019-10-15T15:43:44.033" v="1379"/>
+          <ac:spMkLst>
+            <pc:docMk/>
+            <pc:sldMk cId="1279116463" sldId="275"/>
+            <ac:spMk id="10" creationId="{A2D8356F-D133-4D6E-AB4D-549C8B0CCCEA}"/>
+          </ac:spMkLst>
+        </pc:spChg>
+        <pc:spChg chg="add del mod">
+          <ac:chgData name="Olivier gal_" userId="361f297fe0f81245" providerId="LiveId" clId="{3E9ACDFF-ED40-459C-A6C9-76F21CA37580}" dt="2019-10-15T16:06:46.757" v="1626" actId="2711"/>
+          <ac:spMkLst>
+            <pc:docMk/>
+            <pc:sldMk cId="1279116463" sldId="275"/>
+            <ac:spMk id="11" creationId="{9B5A7079-0D5D-4BBD-BCBA-0171EE7B609C}"/>
+          </ac:spMkLst>
+        </pc:spChg>
+        <pc:spChg chg="add mod">
+          <ac:chgData name="Olivier gal_" userId="361f297fe0f81245" providerId="LiveId" clId="{3E9ACDFF-ED40-459C-A6C9-76F21CA37580}" dt="2019-10-15T16:06:20.325" v="1625"/>
+          <ac:spMkLst>
+            <pc:docMk/>
+            <pc:sldMk cId="1279116463" sldId="275"/>
+            <ac:spMk id="12" creationId="{55098AFB-0B44-4CE9-9833-7727BA22B154}"/>
+          </ac:spMkLst>
+        </pc:spChg>
+        <pc:picChg chg="add del mod">
+          <ac:chgData name="Olivier gal_" userId="361f297fe0f81245" providerId="LiveId" clId="{3E9ACDFF-ED40-459C-A6C9-76F21CA37580}" dt="2019-10-15T15:09:36.539" v="947" actId="478"/>
+          <ac:picMkLst>
+            <pc:docMk/>
+            <pc:sldMk cId="1279116463" sldId="275"/>
+            <ac:picMk id="4" creationId="{E7C0EC3B-9D0D-4A16-865B-B8F861EEE023}"/>
+          </ac:picMkLst>
+        </pc:picChg>
+        <pc:picChg chg="add del mod">
+          <ac:chgData name="Olivier gal_" userId="361f297fe0f81245" providerId="LiveId" clId="{3E9ACDFF-ED40-459C-A6C9-76F21CA37580}" dt="2019-10-15T15:42:06.198" v="1341" actId="478"/>
+          <ac:picMkLst>
+            <pc:docMk/>
+            <pc:sldMk cId="1279116463" sldId="275"/>
+            <ac:picMk id="5" creationId="{00F579D6-CC48-4177-979F-4DF40733277D}"/>
+          </ac:picMkLst>
+        </pc:picChg>
+        <pc:picChg chg="add mod">
+          <ac:chgData name="Olivier gal_" userId="361f297fe0f81245" providerId="LiveId" clId="{3E9ACDFF-ED40-459C-A6C9-76F21CA37580}" dt="2019-10-15T16:08:26.359" v="1627" actId="14100"/>
+          <ac:picMkLst>
+            <pc:docMk/>
+            <pc:sldMk cId="1279116463" sldId="275"/>
+            <ac:picMk id="6" creationId="{FE4E0DF4-C8D1-4C31-A92F-8CA417684CAA}"/>
+          </ac:picMkLst>
+        </pc:picChg>
+      </pc:sldChg>
+      <pc:sldChg chg="addSp delSp modSp add">
+        <pc:chgData name="Olivier gal_" userId="361f297fe0f81245" providerId="LiveId" clId="{3E9ACDFF-ED40-459C-A6C9-76F21CA37580}" dt="2019-10-15T16:25:18.719" v="1887" actId="1076"/>
+        <pc:sldMkLst>
+          <pc:docMk/>
+          <pc:sldMk cId="2412866274" sldId="276"/>
+        </pc:sldMkLst>
+        <pc:spChg chg="del">
+          <ac:chgData name="Olivier gal_" userId="361f297fe0f81245" providerId="LiveId" clId="{3E9ACDFF-ED40-459C-A6C9-76F21CA37580}" dt="2019-10-15T15:25:15.584" v="1194"/>
+          <ac:spMkLst>
+            <pc:docMk/>
+            <pc:sldMk cId="2412866274" sldId="276"/>
+            <ac:spMk id="2" creationId="{82AE56F2-A508-44DC-BA54-DC935DD0316F}"/>
+          </ac:spMkLst>
+        </pc:spChg>
+        <pc:spChg chg="mod">
+          <ac:chgData name="Olivier gal_" userId="361f297fe0f81245" providerId="LiveId" clId="{3E9ACDFF-ED40-459C-A6C9-76F21CA37580}" dt="2019-10-15T16:22:58.648" v="1869" actId="14100"/>
+          <ac:spMkLst>
+            <pc:docMk/>
+            <pc:sldMk cId="2412866274" sldId="276"/>
+            <ac:spMk id="3" creationId="{5F9CDA5A-E6FB-403F-BA2A-59881E89BE98}"/>
+          </ac:spMkLst>
+        </pc:spChg>
+        <pc:spChg chg="add mod">
+          <ac:chgData name="Olivier gal_" userId="361f297fe0f81245" providerId="LiveId" clId="{3E9ACDFF-ED40-459C-A6C9-76F21CA37580}" dt="2019-10-15T16:19:26.395" v="1843" actId="20577"/>
+          <ac:spMkLst>
+            <pc:docMk/>
+            <pc:sldMk cId="2412866274" sldId="276"/>
+            <ac:spMk id="5" creationId="{D16520C7-C1C3-4583-9360-8B3BF93030D4}"/>
+          </ac:spMkLst>
+        </pc:spChg>
+        <pc:spChg chg="add del mod">
+          <ac:chgData name="Olivier gal_" userId="361f297fe0f81245" providerId="LiveId" clId="{3E9ACDFF-ED40-459C-A6C9-76F21CA37580}" dt="2019-10-15T16:21:21.441" v="1852"/>
+          <ac:spMkLst>
+            <pc:docMk/>
+            <pc:sldMk cId="2412866274" sldId="276"/>
+            <ac:spMk id="6" creationId="{2AE9058F-C3FE-4EC2-BFC0-6B999BD603A8}"/>
+          </ac:spMkLst>
+        </pc:spChg>
+        <pc:spChg chg="add mod">
+          <ac:chgData name="Olivier gal_" userId="361f297fe0f81245" providerId="LiveId" clId="{3E9ACDFF-ED40-459C-A6C9-76F21CA37580}" dt="2019-10-15T16:25:18.719" v="1887" actId="1076"/>
+          <ac:spMkLst>
+            <pc:docMk/>
+            <pc:sldMk cId="2412866274" sldId="276"/>
+            <ac:spMk id="9" creationId="{33516A11-12C5-4EB6-B667-78AF634BCC1B}"/>
+          </ac:spMkLst>
+        </pc:spChg>
+        <pc:picChg chg="add del mod">
+          <ac:chgData name="Olivier gal_" userId="361f297fe0f81245" providerId="LiveId" clId="{3E9ACDFF-ED40-459C-A6C9-76F21CA37580}" dt="2019-10-15T16:11:56.715" v="1750"/>
+          <ac:picMkLst>
+            <pc:docMk/>
+            <pc:sldMk cId="2412866274" sldId="276"/>
+            <ac:picMk id="4" creationId="{1929C941-994A-4835-9847-E680FBDACAA8}"/>
+          </ac:picMkLst>
+        </pc:picChg>
+        <pc:picChg chg="add mod">
+          <ac:chgData name="Olivier gal_" userId="361f297fe0f81245" providerId="LiveId" clId="{3E9ACDFF-ED40-459C-A6C9-76F21CA37580}" dt="2019-10-15T16:25:09.702" v="1886" actId="14100"/>
+          <ac:picMkLst>
+            <pc:docMk/>
+            <pc:sldMk cId="2412866274" sldId="276"/>
+            <ac:picMk id="7" creationId="{71C639A0-9A02-40C4-9968-FADA7457BE76}"/>
+          </ac:picMkLst>
+        </pc:picChg>
+        <pc:picChg chg="add del mod">
+          <ac:chgData name="Olivier gal_" userId="361f297fe0f81245" providerId="LiveId" clId="{3E9ACDFF-ED40-459C-A6C9-76F21CA37580}" dt="2019-10-15T16:22:10.837" v="1862"/>
+          <ac:picMkLst>
+            <pc:docMk/>
+            <pc:sldMk cId="2412866274" sldId="276"/>
+            <ac:picMk id="8" creationId="{D35297BD-B389-4B42-8CEF-3D812C54C90B}"/>
+          </ac:picMkLst>
+        </pc:picChg>
+      </pc:sldChg>
+      <pc:sldChg chg="addSp delSp modSp add">
+        <pc:chgData name="Olivier gal_" userId="361f297fe0f81245" providerId="LiveId" clId="{3E9ACDFF-ED40-459C-A6C9-76F21CA37580}" dt="2019-10-15T16:33:24.008" v="1903" actId="114"/>
+        <pc:sldMkLst>
+          <pc:docMk/>
+          <pc:sldMk cId="720472730" sldId="277"/>
+        </pc:sldMkLst>
+        <pc:spChg chg="del">
+          <ac:chgData name="Olivier gal_" userId="361f297fe0f81245" providerId="LiveId" clId="{3E9ACDFF-ED40-459C-A6C9-76F21CA37580}" dt="2019-10-15T15:24:42.747" v="1193"/>
+          <ac:spMkLst>
+            <pc:docMk/>
+            <pc:sldMk cId="720472730" sldId="277"/>
+            <ac:spMk id="2" creationId="{19F95F80-0B01-42E9-8894-9A39EC2979E6}"/>
+          </ac:spMkLst>
+        </pc:spChg>
+        <pc:spChg chg="del">
+          <ac:chgData name="Olivier gal_" userId="361f297fe0f81245" providerId="LiveId" clId="{3E9ACDFF-ED40-459C-A6C9-76F21CA37580}" dt="2019-10-15T15:24:42.747" v="1193"/>
+          <ac:spMkLst>
+            <pc:docMk/>
+            <pc:sldMk cId="720472730" sldId="277"/>
+            <ac:spMk id="3" creationId="{ECEA3CC9-47FC-4C1E-8719-114F724F5A99}"/>
+          </ac:spMkLst>
+        </pc:spChg>
+        <pc:spChg chg="add mod">
+          <ac:chgData name="Olivier gal_" userId="361f297fe0f81245" providerId="LiveId" clId="{3E9ACDFF-ED40-459C-A6C9-76F21CA37580}" dt="2019-10-15T15:38:06.303" v="1321" actId="767"/>
+          <ac:spMkLst>
+            <pc:docMk/>
+            <pc:sldMk cId="720472730" sldId="277"/>
+            <ac:spMk id="4" creationId="{90112784-7268-487A-9248-167D30467BFA}"/>
+          </ac:spMkLst>
+        </pc:spChg>
+        <pc:spChg chg="add mod">
+          <ac:chgData name="Olivier gal_" userId="361f297fe0f81245" providerId="LiveId" clId="{3E9ACDFF-ED40-459C-A6C9-76F21CA37580}" dt="2019-10-15T16:27:55.383" v="1894" actId="1076"/>
+          <ac:spMkLst>
+            <pc:docMk/>
+            <pc:sldMk cId="720472730" sldId="277"/>
+            <ac:spMk id="5" creationId="{92EC2D56-6AFE-45E9-9424-44B8EF4A9B87}"/>
+          </ac:spMkLst>
+        </pc:spChg>
+        <pc:spChg chg="add mod">
+          <ac:chgData name="Olivier gal_" userId="361f297fe0f81245" providerId="LiveId" clId="{3E9ACDFF-ED40-459C-A6C9-76F21CA37580}" dt="2019-10-15T16:33:24.008" v="1903" actId="114"/>
+          <ac:spMkLst>
+            <pc:docMk/>
+            <pc:sldMk cId="720472730" sldId="277"/>
+            <ac:spMk id="8" creationId="{3B16B72D-C0D6-4B5F-93EC-0F248611046C}"/>
+          </ac:spMkLst>
+        </pc:spChg>
+        <pc:picChg chg="add mod">
+          <ac:chgData name="Olivier gal_" userId="361f297fe0f81245" providerId="LiveId" clId="{3E9ACDFF-ED40-459C-A6C9-76F21CA37580}" dt="2019-10-15T16:24:29.967" v="1882" actId="14100"/>
+          <ac:picMkLst>
+            <pc:docMk/>
+            <pc:sldMk cId="720472730" sldId="277"/>
+            <ac:picMk id="6" creationId="{F5506208-D00E-4F56-BAD4-FFBA7AA03E77}"/>
+          </ac:picMkLst>
+        </pc:picChg>
+        <pc:picChg chg="add mod">
+          <ac:chgData name="Olivier gal_" userId="361f297fe0f81245" providerId="LiveId" clId="{3E9ACDFF-ED40-459C-A6C9-76F21CA37580}" dt="2019-10-15T16:24:51.456" v="1885" actId="14100"/>
+          <ac:picMkLst>
+            <pc:docMk/>
+            <pc:sldMk cId="720472730" sldId="277"/>
+            <ac:picMk id="7" creationId="{C5050B01-8D9B-45B3-B2EC-B9910386ED21}"/>
+          </ac:picMkLst>
+        </pc:picChg>
+      </pc:sldChg>
+      <pc:sldChg chg="addSp delSp modSp add">
+        <pc:chgData name="Olivier gal_" userId="361f297fe0f81245" providerId="LiveId" clId="{3E9ACDFF-ED40-459C-A6C9-76F21CA37580}" dt="2019-10-15T16:34:20.406" v="1907" actId="255"/>
+        <pc:sldMkLst>
+          <pc:docMk/>
+          <pc:sldMk cId="2516301602" sldId="278"/>
+        </pc:sldMkLst>
+        <pc:spChg chg="del">
+          <ac:chgData name="Olivier gal_" userId="361f297fe0f81245" providerId="LiveId" clId="{3E9ACDFF-ED40-459C-A6C9-76F21CA37580}" dt="2019-10-15T15:40:20.817" v="1330"/>
+          <ac:spMkLst>
+            <pc:docMk/>
+            <pc:sldMk cId="2516301602" sldId="278"/>
+            <ac:spMk id="2" creationId="{6BDD63F6-E368-4F3C-A7FB-FA92C7C018AB}"/>
+          </ac:spMkLst>
+        </pc:spChg>
+        <pc:spChg chg="del">
+          <ac:chgData name="Olivier gal_" userId="361f297fe0f81245" providerId="LiveId" clId="{3E9ACDFF-ED40-459C-A6C9-76F21CA37580}" dt="2019-10-15T15:40:20.817" v="1330"/>
+          <ac:spMkLst>
+            <pc:docMk/>
+            <pc:sldMk cId="2516301602" sldId="278"/>
+            <ac:spMk id="3" creationId="{AF628313-0D85-414A-98C5-AADD875A4873}"/>
+          </ac:spMkLst>
+        </pc:spChg>
+        <pc:spChg chg="add mod">
+          <ac:chgData name="Olivier gal_" userId="361f297fe0f81245" providerId="LiveId" clId="{3E9ACDFF-ED40-459C-A6C9-76F21CA37580}" dt="2019-10-15T16:34:05.012" v="1906" actId="114"/>
+          <ac:spMkLst>
+            <pc:docMk/>
+            <pc:sldMk cId="2516301602" sldId="278"/>
+            <ac:spMk id="5" creationId="{B1CC9A23-14CA-4E2C-ACBA-04477198819C}"/>
+          </ac:spMkLst>
+        </pc:spChg>
+        <pc:spChg chg="add del mod">
+          <ac:chgData name="Olivier gal_" userId="361f297fe0f81245" providerId="LiveId" clId="{3E9ACDFF-ED40-459C-A6C9-76F21CA37580}" dt="2019-10-15T16:13:17.214" v="1760" actId="767"/>
+          <ac:spMkLst>
+            <pc:docMk/>
+            <pc:sldMk cId="2516301602" sldId="278"/>
+            <ac:spMk id="9" creationId="{85668E41-ED6E-4EF7-A69E-F9BBEEB5E3B8}"/>
+          </ac:spMkLst>
+        </pc:spChg>
+        <pc:spChg chg="add del mod">
+          <ac:chgData name="Olivier gal_" userId="361f297fe0f81245" providerId="LiveId" clId="{3E9ACDFF-ED40-459C-A6C9-76F21CA37580}" dt="2019-10-15T16:13:45.909" v="1765"/>
+          <ac:spMkLst>
+            <pc:docMk/>
+            <pc:sldMk cId="2516301602" sldId="278"/>
+            <ac:spMk id="10" creationId="{58A61295-9A13-446E-99CF-934A31A871D3}"/>
+          </ac:spMkLst>
+        </pc:spChg>
+        <pc:spChg chg="add del mod">
+          <ac:chgData name="Olivier gal_" userId="361f297fe0f81245" providerId="LiveId" clId="{3E9ACDFF-ED40-459C-A6C9-76F21CA37580}" dt="2019-10-15T16:15:46.704" v="1780"/>
+          <ac:spMkLst>
+            <pc:docMk/>
+            <pc:sldMk cId="2516301602" sldId="278"/>
+            <ac:spMk id="11" creationId="{31E116B0-C1A0-4D96-8F5A-3021436AB758}"/>
+          </ac:spMkLst>
+        </pc:spChg>
+        <pc:spChg chg="add del mod">
+          <ac:chgData name="Olivier gal_" userId="361f297fe0f81245" providerId="LiveId" clId="{3E9ACDFF-ED40-459C-A6C9-76F21CA37580}" dt="2019-10-15T16:15:46.704" v="1782"/>
+          <ac:spMkLst>
+            <pc:docMk/>
+            <pc:sldMk cId="2516301602" sldId="278"/>
+            <ac:spMk id="12" creationId="{D806E66B-9CDE-4852-A817-9695E67925D7}"/>
+          </ac:spMkLst>
+        </pc:spChg>
+        <pc:spChg chg="add del mod">
+          <ac:chgData name="Olivier gal_" userId="361f297fe0f81245" providerId="LiveId" clId="{3E9ACDFF-ED40-459C-A6C9-76F21CA37580}" dt="2019-10-15T16:15:46.704" v="1784"/>
+          <ac:spMkLst>
+            <pc:docMk/>
+            <pc:sldMk cId="2516301602" sldId="278"/>
+            <ac:spMk id="13" creationId="{33273472-8385-4882-8619-E2DB38FEA3D2}"/>
+          </ac:spMkLst>
+        </pc:spChg>
+        <pc:spChg chg="add del mod">
+          <ac:chgData name="Olivier gal_" userId="361f297fe0f81245" providerId="LiveId" clId="{3E9ACDFF-ED40-459C-A6C9-76F21CA37580}" dt="2019-10-15T16:15:46.704" v="1786"/>
+          <ac:spMkLst>
+            <pc:docMk/>
+            <pc:sldMk cId="2516301602" sldId="278"/>
+            <ac:spMk id="14" creationId="{47EB7788-CA7D-4CEA-A5E6-B7D568DA7F09}"/>
+          </ac:spMkLst>
+        </pc:spChg>
+        <pc:spChg chg="add del mod">
+          <ac:chgData name="Olivier gal_" userId="361f297fe0f81245" providerId="LiveId" clId="{3E9ACDFF-ED40-459C-A6C9-76F21CA37580}" dt="2019-10-15T16:15:46.704" v="1788"/>
+          <ac:spMkLst>
+            <pc:docMk/>
+            <pc:sldMk cId="2516301602" sldId="278"/>
+            <ac:spMk id="15" creationId="{217CA707-2527-4B9A-A3EA-E30EE6ABF62D}"/>
+          </ac:spMkLst>
+        </pc:spChg>
+        <pc:spChg chg="add mod">
+          <ac:chgData name="Olivier gal_" userId="361f297fe0f81245" providerId="LiveId" clId="{3E9ACDFF-ED40-459C-A6C9-76F21CA37580}" dt="2019-10-15T16:34:20.406" v="1907" actId="255"/>
+          <ac:spMkLst>
+            <pc:docMk/>
+            <pc:sldMk cId="2516301602" sldId="278"/>
+            <ac:spMk id="16" creationId="{44A97DA7-93C1-47B8-87F8-8A5B24491AD0}"/>
+          </ac:spMkLst>
+        </pc:spChg>
+        <pc:picChg chg="add del mod">
+          <ac:chgData name="Olivier gal_" userId="361f297fe0f81245" providerId="LiveId" clId="{3E9ACDFF-ED40-459C-A6C9-76F21CA37580}" dt="2019-10-15T15:41:04.399" v="1333" actId="478"/>
+          <ac:picMkLst>
+            <pc:docMk/>
+            <pc:sldMk cId="2516301602" sldId="278"/>
+            <ac:picMk id="4" creationId="{A76AC51C-1674-4736-8DCD-F3D8EBB103A2}"/>
+          </ac:picMkLst>
+        </pc:picChg>
+        <pc:picChg chg="add mod">
+          <ac:chgData name="Olivier gal_" userId="361f297fe0f81245" providerId="LiveId" clId="{3E9ACDFF-ED40-459C-A6C9-76F21CA37580}" dt="2019-10-15T16:33:55.168" v="1905" actId="1076"/>
+          <ac:picMkLst>
+            <pc:docMk/>
+            <pc:sldMk cId="2516301602" sldId="278"/>
+            <ac:picMk id="6" creationId="{65A57486-3110-44AD-8965-0BA8C32DBF94}"/>
+          </ac:picMkLst>
+        </pc:picChg>
+        <pc:picChg chg="add del mod">
+          <ac:chgData name="Olivier gal_" userId="361f297fe0f81245" providerId="LiveId" clId="{3E9ACDFF-ED40-459C-A6C9-76F21CA37580}" dt="2019-10-15T15:41:23.462" v="1338"/>
+          <ac:picMkLst>
+            <pc:docMk/>
+            <pc:sldMk cId="2516301602" sldId="278"/>
+            <ac:picMk id="7" creationId="{B3E67493-BF6E-4323-BD97-029546428370}"/>
+          </ac:picMkLst>
+        </pc:picChg>
+        <pc:picChg chg="add mod">
+          <ac:chgData name="Olivier gal_" userId="361f297fe0f81245" providerId="LiveId" clId="{3E9ACDFF-ED40-459C-A6C9-76F21CA37580}" dt="2019-10-15T16:12:46.104" v="1758" actId="14100"/>
+          <ac:picMkLst>
+            <pc:docMk/>
+            <pc:sldMk cId="2516301602" sldId="278"/>
+            <ac:picMk id="8" creationId="{8D68001B-4CC6-464E-8573-11025874CF5B}"/>
+          </ac:picMkLst>
+        </pc:picChg>
+      </pc:sldChg>
+      <pc:sldChg chg="addSp modSp add">
+        <pc:chgData name="Olivier gal_" userId="361f297fe0f81245" providerId="LiveId" clId="{3E9ACDFF-ED40-459C-A6C9-76F21CA37580}" dt="2019-10-15T16:33:11.195" v="1902" actId="14100"/>
+        <pc:sldMkLst>
+          <pc:docMk/>
+          <pc:sldMk cId="2243161525" sldId="279"/>
+        </pc:sldMkLst>
+        <pc:spChg chg="add mod">
+          <ac:chgData name="Olivier gal_" userId="361f297fe0f81245" providerId="LiveId" clId="{3E9ACDFF-ED40-459C-A6C9-76F21CA37580}" dt="2019-10-15T16:33:11.195" v="1902" actId="14100"/>
+          <ac:spMkLst>
+            <pc:docMk/>
+            <pc:sldMk cId="2243161525" sldId="279"/>
+            <ac:spMk id="3" creationId="{EA9752FB-4C63-4454-8F3C-3D48E229251D}"/>
+          </ac:spMkLst>
+        </pc:spChg>
+        <pc:picChg chg="add mod">
+          <ac:chgData name="Olivier gal_" userId="361f297fe0f81245" providerId="LiveId" clId="{3E9ACDFF-ED40-459C-A6C9-76F21CA37580}" dt="2019-10-15T16:32:35.651" v="1899" actId="14100"/>
+          <ac:picMkLst>
+            <pc:docMk/>
+            <pc:sldMk cId="2243161525" sldId="279"/>
+            <ac:picMk id="2" creationId="{C9620CDE-15C9-4582-9582-DD2319A90061}"/>
+          </ac:picMkLst>
+        </pc:picChg>
+      </pc:sldChg>
+      <pc:sldChg chg="addSp delSp modSp add">
+        <pc:chgData name="Olivier gal_" userId="361f297fe0f81245" providerId="LiveId" clId="{3E9ACDFF-ED40-459C-A6C9-76F21CA37580}" dt="2019-10-15T16:50:11.646" v="1961" actId="114"/>
+        <pc:sldMkLst>
+          <pc:docMk/>
+          <pc:sldMk cId="2770981843" sldId="280"/>
+        </pc:sldMkLst>
+        <pc:spChg chg="add mod">
+          <ac:chgData name="Olivier gal_" userId="361f297fe0f81245" providerId="LiveId" clId="{3E9ACDFF-ED40-459C-A6C9-76F21CA37580}" dt="2019-10-15T16:44:07.574" v="1949" actId="14100"/>
+          <ac:spMkLst>
+            <pc:docMk/>
+            <pc:sldMk cId="2770981843" sldId="280"/>
+            <ac:spMk id="2" creationId="{BC569213-F766-439C-9C41-EE4E5AE6CBF0}"/>
+          </ac:spMkLst>
+        </pc:spChg>
+        <pc:spChg chg="add del mod">
+          <ac:chgData name="Olivier gal_" userId="361f297fe0f81245" providerId="LiveId" clId="{3E9ACDFF-ED40-459C-A6C9-76F21CA37580}" dt="2019-10-15T16:46:35.034" v="1956"/>
+          <ac:spMkLst>
+            <pc:docMk/>
+            <pc:sldMk cId="2770981843" sldId="280"/>
+            <ac:spMk id="4" creationId="{7B69366C-7129-40E6-9D8E-341E81E01DC8}"/>
+          </ac:spMkLst>
+        </pc:spChg>
+        <pc:spChg chg="add mod">
+          <ac:chgData name="Olivier gal_" userId="361f297fe0f81245" providerId="LiveId" clId="{3E9ACDFF-ED40-459C-A6C9-76F21CA37580}" dt="2019-10-15T16:50:11.646" v="1961" actId="114"/>
+          <ac:spMkLst>
+            <pc:docMk/>
+            <pc:sldMk cId="2770981843" sldId="280"/>
+            <ac:spMk id="5" creationId="{C83C0375-9F9E-42AD-B7A7-79B3AFC3035C}"/>
+          </ac:spMkLst>
+        </pc:spChg>
+        <pc:picChg chg="add mod">
+          <ac:chgData name="Olivier gal_" userId="361f297fe0f81245" providerId="LiveId" clId="{3E9ACDFF-ED40-459C-A6C9-76F21CA37580}" dt="2019-10-15T16:45:43.881" v="1953" actId="1076"/>
+          <ac:picMkLst>
+            <pc:docMk/>
+            <pc:sldMk cId="2770981843" sldId="280"/>
+            <ac:picMk id="3" creationId="{BB6A8C44-F216-4C82-8700-1AFDC99A8BE6}"/>
+          </ac:picMkLst>
+        </pc:picChg>
+      </pc:sldChg>
+      <pc:sldChg chg="addSp modSp add">
+        <pc:chgData name="Olivier gal_" userId="361f297fe0f81245" providerId="LiveId" clId="{3E9ACDFF-ED40-459C-A6C9-76F21CA37580}" dt="2019-10-15T17:29:15.165" v="2000" actId="14100"/>
+        <pc:sldMkLst>
+          <pc:docMk/>
+          <pc:sldMk cId="2083027807" sldId="281"/>
+        </pc:sldMkLst>
+        <pc:spChg chg="add mod">
+          <ac:chgData name="Olivier gal_" userId="361f297fe0f81245" providerId="LiveId" clId="{3E9ACDFF-ED40-459C-A6C9-76F21CA37580}" dt="2019-10-15T16:54:19.053" v="1966" actId="20577"/>
+          <ac:spMkLst>
+            <pc:docMk/>
+            <pc:sldMk cId="2083027807" sldId="281"/>
+            <ac:spMk id="2" creationId="{85AF92CC-02F5-4708-A382-32CD62CC2DC9}"/>
+          </ac:spMkLst>
+        </pc:spChg>
+        <pc:spChg chg="add mod">
+          <ac:chgData name="Olivier gal_" userId="361f297fe0f81245" providerId="LiveId" clId="{3E9ACDFF-ED40-459C-A6C9-76F21CA37580}" dt="2019-10-15T17:26:29.353" v="1991" actId="255"/>
+          <ac:spMkLst>
+            <pc:docMk/>
+            <pc:sldMk cId="2083027807" sldId="281"/>
+            <ac:spMk id="7" creationId="{FEFE03CA-1126-44FD-B6CB-F2F550720359}"/>
+          </ac:spMkLst>
+        </pc:spChg>
+        <pc:picChg chg="add mod">
+          <ac:chgData name="Olivier gal_" userId="361f297fe0f81245" providerId="LiveId" clId="{3E9ACDFF-ED40-459C-A6C9-76F21CA37580}" dt="2019-10-15T17:25:55.591" v="1988" actId="14100"/>
+          <ac:picMkLst>
+            <pc:docMk/>
+            <pc:sldMk cId="2083027807" sldId="281"/>
+            <ac:picMk id="3" creationId="{6C92502B-9541-43EB-AE26-06C20470E2E6}"/>
+          </ac:picMkLst>
+        </pc:picChg>
+        <pc:picChg chg="add mod">
+          <ac:chgData name="Olivier gal_" userId="361f297fe0f81245" providerId="LiveId" clId="{3E9ACDFF-ED40-459C-A6C9-76F21CA37580}" dt="2019-10-15T17:29:15.165" v="2000" actId="14100"/>
+          <ac:picMkLst>
+            <pc:docMk/>
+            <pc:sldMk cId="2083027807" sldId="281"/>
+            <ac:picMk id="4" creationId="{782E6EFD-AAC7-49FD-80E5-4E7F9BD4EC44}"/>
+          </ac:picMkLst>
+        </pc:picChg>
+        <pc:picChg chg="add mod">
+          <ac:chgData name="Olivier gal_" userId="361f297fe0f81245" providerId="LiveId" clId="{3E9ACDFF-ED40-459C-A6C9-76F21CA37580}" dt="2019-10-15T17:29:11.133" v="1999" actId="14100"/>
+          <ac:picMkLst>
+            <pc:docMk/>
+            <pc:sldMk cId="2083027807" sldId="281"/>
+            <ac:picMk id="5" creationId="{24F548E4-E8FF-4A5D-8C9B-8217B522AA35}"/>
+          </ac:picMkLst>
+        </pc:picChg>
+        <pc:picChg chg="add mod">
+          <ac:chgData name="Olivier gal_" userId="361f297fe0f81245" providerId="LiveId" clId="{3E9ACDFF-ED40-459C-A6C9-76F21CA37580}" dt="2019-10-15T17:28:41.683" v="1998" actId="14100"/>
+          <ac:picMkLst>
+            <pc:docMk/>
+            <pc:sldMk cId="2083027807" sldId="281"/>
+            <ac:picMk id="6" creationId="{014E5123-5D41-4495-8385-E2B61406F0AD}"/>
+          </ac:picMkLst>
+        </pc:picChg>
+      </pc:sldChg>
+      <pc:sldChg chg="addSp delSp modSp add">
+        <pc:chgData name="Olivier gal_" userId="361f297fe0f81245" providerId="LiveId" clId="{3E9ACDFF-ED40-459C-A6C9-76F21CA37580}" dt="2019-10-15T17:35:05.294" v="2037"/>
+        <pc:sldMkLst>
+          <pc:docMk/>
+          <pc:sldMk cId="4157091252" sldId="282"/>
+        </pc:sldMkLst>
+        <pc:spChg chg="add mod">
+          <ac:chgData name="Olivier gal_" userId="361f297fe0f81245" providerId="LiveId" clId="{3E9ACDFF-ED40-459C-A6C9-76F21CA37580}" dt="2019-10-15T17:31:57.557" v="2019" actId="1076"/>
+          <ac:spMkLst>
+            <pc:docMk/>
+            <pc:sldMk cId="4157091252" sldId="282"/>
+            <ac:spMk id="2" creationId="{47CCA36F-C4F6-4659-82C6-C406355D5B2A}"/>
+          </ac:spMkLst>
+        </pc:spChg>
+        <pc:spChg chg="add del mod">
+          <ac:chgData name="Olivier gal_" userId="361f297fe0f81245" providerId="LiveId" clId="{3E9ACDFF-ED40-459C-A6C9-76F21CA37580}" dt="2019-10-15T17:33:41.472" v="2029"/>
+          <ac:spMkLst>
+            <pc:docMk/>
+            <pc:sldMk cId="4157091252" sldId="282"/>
+            <ac:spMk id="4" creationId="{48CF6546-7730-4BD9-ADD3-96E65FE10D6E}"/>
+          </ac:spMkLst>
+        </pc:spChg>
+        <pc:spChg chg="add mod">
+          <ac:chgData name="Olivier gal_" userId="361f297fe0f81245" providerId="LiveId" clId="{3E9ACDFF-ED40-459C-A6C9-76F21CA37580}" dt="2019-10-15T17:34:46.666" v="2034" actId="255"/>
+          <ac:spMkLst>
+            <pc:docMk/>
+            <pc:sldMk cId="4157091252" sldId="282"/>
+            <ac:spMk id="5" creationId="{30AAE5F4-16DF-45CF-ADC3-1F1E8F822CC9}"/>
+          </ac:spMkLst>
+        </pc:spChg>
+        <pc:spChg chg="add del">
+          <ac:chgData name="Olivier gal_" userId="361f297fe0f81245" providerId="LiveId" clId="{3E9ACDFF-ED40-459C-A6C9-76F21CA37580}" dt="2019-10-15T17:35:05.294" v="2037"/>
+          <ac:spMkLst>
+            <pc:docMk/>
+            <pc:sldMk cId="4157091252" sldId="282"/>
+            <ac:spMk id="6" creationId="{AA03C07F-76C0-4A6A-9CAA-2EBE47A1A891}"/>
+          </ac:spMkLst>
+        </pc:spChg>
+        <pc:picChg chg="add mod">
+          <ac:chgData name="Olivier gal_" userId="361f297fe0f81245" providerId="LiveId" clId="{3E9ACDFF-ED40-459C-A6C9-76F21CA37580}" dt="2019-10-15T17:34:57.631" v="2035" actId="14100"/>
+          <ac:picMkLst>
+            <pc:docMk/>
+            <pc:sldMk cId="4157091252" sldId="282"/>
+            <ac:picMk id="3" creationId="{BE0D2A27-A310-4A0B-AA58-8E30016D7BA3}"/>
+          </ac:picMkLst>
+        </pc:picChg>
+      </pc:sldChg>
+      <pc:sldChg chg="addSp delSp modSp add">
+        <pc:chgData name="Olivier gal_" userId="361f297fe0f81245" providerId="LiveId" clId="{3E9ACDFF-ED40-459C-A6C9-76F21CA37580}" dt="2019-10-15T17:40:02.770" v="2069" actId="1076"/>
+        <pc:sldMkLst>
+          <pc:docMk/>
+          <pc:sldMk cId="3684330369" sldId="283"/>
+        </pc:sldMkLst>
+        <pc:spChg chg="add mod">
+          <ac:chgData name="Olivier gal_" userId="361f297fe0f81245" providerId="LiveId" clId="{3E9ACDFF-ED40-459C-A6C9-76F21CA37580}" dt="2019-10-15T17:36:20.951" v="2042" actId="20577"/>
+          <ac:spMkLst>
+            <pc:docMk/>
+            <pc:sldMk cId="3684330369" sldId="283"/>
+            <ac:spMk id="2" creationId="{496E3F05-0C3B-4DE9-B6B6-9130A98D2EC2}"/>
+          </ac:spMkLst>
+        </pc:spChg>
+        <pc:spChg chg="add del mod">
+          <ac:chgData name="Olivier gal_" userId="361f297fe0f81245" providerId="LiveId" clId="{3E9ACDFF-ED40-459C-A6C9-76F21CA37580}" dt="2019-10-15T17:38:24.137" v="2060"/>
+          <ac:spMkLst>
+            <pc:docMk/>
+            <pc:sldMk cId="3684330369" sldId="283"/>
+            <ac:spMk id="6" creationId="{D8342A5F-C538-4248-A1CD-36BF4B9B0003}"/>
+          </ac:spMkLst>
+        </pc:spChg>
+        <pc:spChg chg="add mod">
+          <ac:chgData name="Olivier gal_" userId="361f297fe0f81245" providerId="LiveId" clId="{3E9ACDFF-ED40-459C-A6C9-76F21CA37580}" dt="2019-10-15T17:39:42.961" v="2068" actId="1076"/>
+          <ac:spMkLst>
+            <pc:docMk/>
+            <pc:sldMk cId="3684330369" sldId="283"/>
+            <ac:spMk id="7" creationId="{51CBB26E-AC62-4530-87E0-98FAA5A092A2}"/>
+          </ac:spMkLst>
+        </pc:spChg>
+        <pc:picChg chg="add mod">
+          <ac:chgData name="Olivier gal_" userId="361f297fe0f81245" providerId="LiveId" clId="{3E9ACDFF-ED40-459C-A6C9-76F21CA37580}" dt="2019-10-15T17:38:15.566" v="2056" actId="14100"/>
+          <ac:picMkLst>
+            <pc:docMk/>
+            <pc:sldMk cId="3684330369" sldId="283"/>
+            <ac:picMk id="3" creationId="{0C79DDE8-21A4-4B6F-9248-979AF5079D84}"/>
+          </ac:picMkLst>
+        </pc:picChg>
+        <pc:picChg chg="add mod">
+          <ac:chgData name="Olivier gal_" userId="361f297fe0f81245" providerId="LiveId" clId="{3E9ACDFF-ED40-459C-A6C9-76F21CA37580}" dt="2019-10-15T17:40:02.770" v="2069" actId="1076"/>
+          <ac:picMkLst>
+            <pc:docMk/>
+            <pc:sldMk cId="3684330369" sldId="283"/>
+            <ac:picMk id="4" creationId="{B5D06394-FE91-432C-B83B-70C5018FF481}"/>
+          </ac:picMkLst>
+        </pc:picChg>
+        <pc:picChg chg="add mod">
+          <ac:chgData name="Olivier gal_" userId="361f297fe0f81245" providerId="LiveId" clId="{3E9ACDFF-ED40-459C-A6C9-76F21CA37580}" dt="2019-10-15T17:38:22.324" v="2058" actId="14100"/>
+          <ac:picMkLst>
+            <pc:docMk/>
+            <pc:sldMk cId="3684330369" sldId="283"/>
+            <ac:picMk id="5" creationId="{4BD24625-0067-4480-8BBB-A44856905F1B}"/>
+          </ac:picMkLst>
+        </pc:picChg>
+      </pc:sldChg>
+      <pc:sldChg chg="addSp modSp add">
+        <pc:chgData name="Olivier gal_" userId="361f297fe0f81245" providerId="LiveId" clId="{3E9ACDFF-ED40-459C-A6C9-76F21CA37580}" dt="2019-10-15T17:51:05.710" v="2137" actId="20577"/>
+        <pc:sldMkLst>
+          <pc:docMk/>
+          <pc:sldMk cId="655654043" sldId="284"/>
+        </pc:sldMkLst>
+        <pc:spChg chg="add mod">
+          <ac:chgData name="Olivier gal_" userId="361f297fe0f81245" providerId="LiveId" clId="{3E9ACDFF-ED40-459C-A6C9-76F21CA37580}" dt="2019-10-15T17:47:48.807" v="2111" actId="20577"/>
+          <ac:spMkLst>
+            <pc:docMk/>
+            <pc:sldMk cId="655654043" sldId="284"/>
+            <ac:spMk id="3" creationId="{A5D4289E-9BA5-4D53-95C5-A59DD0B646F4}"/>
+          </ac:spMkLst>
+        </pc:spChg>
+        <pc:spChg chg="add mod">
+          <ac:chgData name="Olivier gal_" userId="361f297fe0f81245" providerId="LiveId" clId="{3E9ACDFF-ED40-459C-A6C9-76F21CA37580}" dt="2019-10-15T17:51:05.710" v="2137" actId="20577"/>
+          <ac:spMkLst>
+            <pc:docMk/>
+            <pc:sldMk cId="655654043" sldId="284"/>
+            <ac:spMk id="4" creationId="{6EF26057-455C-4FD9-ABFE-2D3DE7646A9D}"/>
+          </ac:spMkLst>
+        </pc:spChg>
+        <pc:picChg chg="add mod">
+          <ac:chgData name="Olivier gal_" userId="361f297fe0f81245" providerId="LiveId" clId="{3E9ACDFF-ED40-459C-A6C9-76F21CA37580}" dt="2019-10-15T17:46:24.928" v="2097" actId="14100"/>
+          <ac:picMkLst>
+            <pc:docMk/>
+            <pc:sldMk cId="655654043" sldId="284"/>
+            <ac:picMk id="2" creationId="{E7364468-D8B0-4C14-ADD6-53E96D4248C3}"/>
+          </ac:picMkLst>
+        </pc:picChg>
+      </pc:sldChg>
+      <pc:sldChg chg="addSp delSp modSp add">
+        <pc:chgData name="Olivier gal_" userId="361f297fe0f81245" providerId="LiveId" clId="{3E9ACDFF-ED40-459C-A6C9-76F21CA37580}" dt="2019-10-15T17:56:06.800" v="2335" actId="255"/>
+        <pc:sldMkLst>
+          <pc:docMk/>
+          <pc:sldMk cId="3656674175" sldId="285"/>
+        </pc:sldMkLst>
+        <pc:spChg chg="add mod">
+          <ac:chgData name="Olivier gal_" userId="361f297fe0f81245" providerId="LiveId" clId="{3E9ACDFF-ED40-459C-A6C9-76F21CA37580}" dt="2019-10-15T17:52:20.340" v="2165" actId="14100"/>
+          <ac:spMkLst>
+            <pc:docMk/>
+            <pc:sldMk cId="3656674175" sldId="285"/>
+            <ac:spMk id="2" creationId="{F96DBEBB-E8DF-4E6D-B255-FC2C25A4D1FF}"/>
+          </ac:spMkLst>
+        </pc:spChg>
+        <pc:spChg chg="add del mod">
+          <ac:chgData name="Olivier gal_" userId="361f297fe0f81245" providerId="LiveId" clId="{3E9ACDFF-ED40-459C-A6C9-76F21CA37580}" dt="2019-10-15T17:51:47.329" v="2161"/>
+          <ac:spMkLst>
+            <pc:docMk/>
+            <pc:sldMk cId="3656674175" sldId="285"/>
+            <ac:spMk id="3" creationId="{BC2A378D-000A-4E27-AB9C-E991F2538392}"/>
+          </ac:spMkLst>
+        </pc:spChg>
+        <pc:spChg chg="add mod">
+          <ac:chgData name="Olivier gal_" userId="361f297fe0f81245" providerId="LiveId" clId="{3E9ACDFF-ED40-459C-A6C9-76F21CA37580}" dt="2019-10-15T17:56:06.800" v="2335" actId="255"/>
+          <ac:spMkLst>
+            <pc:docMk/>
+            <pc:sldMk cId="3656674175" sldId="285"/>
+            <ac:spMk id="5" creationId="{88B40C18-076A-449E-979B-FA5D86D19D82}"/>
+          </ac:spMkLst>
+        </pc:spChg>
+        <pc:picChg chg="add mod">
+          <ac:chgData name="Olivier gal_" userId="361f297fe0f81245" providerId="LiveId" clId="{3E9ACDFF-ED40-459C-A6C9-76F21CA37580}" dt="2019-10-15T17:52:26.351" v="2166" actId="14100"/>
+          <ac:picMkLst>
+            <pc:docMk/>
+            <pc:sldMk cId="3656674175" sldId="285"/>
+            <ac:picMk id="4" creationId="{B43EFDB9-D67F-4F62-9942-268E4D2C96B1}"/>
+          </ac:picMkLst>
+        </pc:picChg>
+      </pc:sldChg>
+      <pc:sldChg chg="addSp modSp add">
+        <pc:chgData name="Olivier gal_" userId="361f297fe0f81245" providerId="LiveId" clId="{3E9ACDFF-ED40-459C-A6C9-76F21CA37580}" dt="2019-10-15T18:00:10.931" v="2342" actId="20577"/>
+        <pc:sldMkLst>
+          <pc:docMk/>
+          <pc:sldMk cId="1798087416" sldId="286"/>
+        </pc:sldMkLst>
+        <pc:spChg chg="add mod">
+          <ac:chgData name="Olivier gal_" userId="361f297fe0f81245" providerId="LiveId" clId="{3E9ACDFF-ED40-459C-A6C9-76F21CA37580}" dt="2019-10-15T18:00:10.931" v="2342" actId="20577"/>
+          <ac:spMkLst>
+            <pc:docMk/>
+            <pc:sldMk cId="1798087416" sldId="286"/>
+            <ac:spMk id="2" creationId="{95EFC8A3-6805-40DB-9EF0-854958FC6CD9}"/>
+          </ac:spMkLst>
+        </pc:spChg>
+      </pc:sldChg>
+      <pc:sldChg chg="addSp delSp modSp add">
+        <pc:chgData name="Olivier gal_" userId="361f297fe0f81245" providerId="LiveId" clId="{3E9ACDFF-ED40-459C-A6C9-76F21CA37580}" dt="2019-10-15T18:54:45.740" v="2408" actId="20577"/>
+        <pc:sldMkLst>
+          <pc:docMk/>
+          <pc:sldMk cId="4005294129" sldId="287"/>
+        </pc:sldMkLst>
+        <pc:spChg chg="add del mod">
+          <ac:chgData name="Olivier gal_" userId="361f297fe0f81245" providerId="LiveId" clId="{3E9ACDFF-ED40-459C-A6C9-76F21CA37580}" dt="2019-10-15T18:40:42.880" v="2345"/>
+          <ac:spMkLst>
+            <pc:docMk/>
+            <pc:sldMk cId="4005294129" sldId="287"/>
+            <ac:spMk id="2" creationId="{BD2C51D7-9B93-41FA-906E-DCF7ABBFEF2C}"/>
+          </ac:spMkLst>
+        </pc:spChg>
+        <pc:spChg chg="add del mod">
+          <ac:chgData name="Olivier gal_" userId="361f297fe0f81245" providerId="LiveId" clId="{3E9ACDFF-ED40-459C-A6C9-76F21CA37580}" dt="2019-10-15T18:40:42.880" v="2345"/>
+          <ac:spMkLst>
+            <pc:docMk/>
+            <pc:sldMk cId="4005294129" sldId="287"/>
+            <ac:spMk id="3" creationId="{7EF1BEE6-1D8F-4BA9-8880-3C398DFDA5F7}"/>
+          </ac:spMkLst>
+        </pc:spChg>
+        <pc:spChg chg="add mod">
+          <ac:chgData name="Olivier gal_" userId="361f297fe0f81245" providerId="LiveId" clId="{3E9ACDFF-ED40-459C-A6C9-76F21CA37580}" dt="2019-10-15T18:52:17.136" v="2359" actId="20577"/>
+          <ac:spMkLst>
+            <pc:docMk/>
+            <pc:sldMk cId="4005294129" sldId="287"/>
+            <ac:spMk id="4" creationId="{AE16352C-1417-4DA3-A4E6-E3A6AAE0C1D4}"/>
+          </ac:spMkLst>
+        </pc:spChg>
+        <pc:spChg chg="add del mod">
+          <ac:chgData name="Olivier gal_" userId="361f297fe0f81245" providerId="LiveId" clId="{3E9ACDFF-ED40-459C-A6C9-76F21CA37580}" dt="2019-10-15T18:53:00.163" v="2360"/>
+          <ac:spMkLst>
+            <pc:docMk/>
+            <pc:sldMk cId="4005294129" sldId="287"/>
+            <ac:spMk id="5" creationId="{32E24851-4636-430E-A6DF-213CBD98522B}"/>
+          </ac:spMkLst>
+        </pc:spChg>
+        <pc:spChg chg="add mod">
+          <ac:chgData name="Olivier gal_" userId="361f297fe0f81245" providerId="LiveId" clId="{3E9ACDFF-ED40-459C-A6C9-76F21CA37580}" dt="2019-10-15T18:54:45.740" v="2408" actId="20577"/>
+          <ac:spMkLst>
+            <pc:docMk/>
+            <pc:sldMk cId="4005294129" sldId="287"/>
+            <ac:spMk id="8" creationId="{46878D28-284F-4FA0-9258-E5BFE2A8ED1A}"/>
+          </ac:spMkLst>
+        </pc:spChg>
+        <pc:picChg chg="add del mod">
+          <ac:chgData name="Olivier gal_" userId="361f297fe0f81245" providerId="LiveId" clId="{3E9ACDFF-ED40-459C-A6C9-76F21CA37580}" dt="2019-10-15T18:53:29.742" v="2364" actId="478"/>
+          <ac:picMkLst>
+            <pc:docMk/>
+            <pc:sldMk cId="4005294129" sldId="287"/>
+            <ac:picMk id="6" creationId="{37B6DA76-DBF2-4749-98C9-52A35BF2DA11}"/>
+          </ac:picMkLst>
+        </pc:picChg>
+      </pc:sldChg>
+    </pc:docChg>
+  </pc:docChgLst>
   <pc:docChgLst>
     <pc:chgData name="Olivier gal_" userId="361f297fe0f81245" providerId="LiveId" clId="{5B9563DB-F3B5-47BF-AFC1-B3D212E62DE6}"/>
     <pc:docChg chg="undo custSel addSld delSld modSld sldOrd">
@@ -993,7 +1920,7 @@
           <a:p>
             <a:fld id="{48A87A34-81AB-432B-8DAE-1953F412C126}" type="datetimeFigureOut">
               <a:rPr lang="en-US" smtClean="0"/>
-              <a:t>10/5/2019</a:t>
+              <a:t>10/15/2019</a:t>
             </a:fld>
             <a:endParaRPr lang="en-US" dirty="0"/>
           </a:p>
@@ -1408,7 +2335,7 @@
             <a:fld id="{48A87A34-81AB-432B-8DAE-1953F412C126}" type="datetimeFigureOut">
               <a:rPr lang="en-US" smtClean="0"/>
               <a:pPr/>
-              <a:t>10/5/2019</a:t>
+              <a:t>10/15/2019</a:t>
             </a:fld>
             <a:endParaRPr lang="en-US" dirty="0"/>
           </a:p>
@@ -1746,7 +2673,7 @@
             <a:fld id="{48A87A34-81AB-432B-8DAE-1953F412C126}" type="datetimeFigureOut">
               <a:rPr lang="en-US" smtClean="0"/>
               <a:pPr/>
-              <a:t>10/5/2019</a:t>
+              <a:t>10/15/2019</a:t>
             </a:fld>
             <a:endParaRPr lang="en-US" dirty="0"/>
           </a:p>
@@ -2153,7 +3080,7 @@
             <a:fld id="{48A87A34-81AB-432B-8DAE-1953F412C126}" type="datetimeFigureOut">
               <a:rPr lang="en-US" smtClean="0"/>
               <a:pPr/>
-              <a:t>10/5/2019</a:t>
+              <a:t>10/15/2019</a:t>
             </a:fld>
             <a:endParaRPr lang="en-US" dirty="0"/>
           </a:p>
@@ -2723,7 +3650,7 @@
             <a:fld id="{48A87A34-81AB-432B-8DAE-1953F412C126}" type="datetimeFigureOut">
               <a:rPr lang="en-US" smtClean="0"/>
               <a:pPr/>
-              <a:t>10/5/2019</a:t>
+              <a:t>10/15/2019</a:t>
             </a:fld>
             <a:endParaRPr lang="en-US" dirty="0"/>
           </a:p>
@@ -3406,7 +4333,7 @@
             <a:fld id="{48A87A34-81AB-432B-8DAE-1953F412C126}" type="datetimeFigureOut">
               <a:rPr lang="en-US" smtClean="0"/>
               <a:pPr/>
-              <a:t>10/5/2019</a:t>
+              <a:t>10/15/2019</a:t>
             </a:fld>
             <a:endParaRPr lang="en-US" dirty="0"/>
           </a:p>
@@ -4321,7 +5248,7 @@
             <a:fld id="{48A87A34-81AB-432B-8DAE-1953F412C126}" type="datetimeFigureOut">
               <a:rPr lang="en-US" smtClean="0"/>
               <a:pPr/>
-              <a:t>10/5/2019</a:t>
+              <a:t>10/15/2019</a:t>
             </a:fld>
             <a:endParaRPr lang="en-US" dirty="0"/>
           </a:p>
@@ -4636,7 +5563,7 @@
             <a:fld id="{48A87A34-81AB-432B-8DAE-1953F412C126}" type="datetimeFigureOut">
               <a:rPr lang="en-US" smtClean="0"/>
               <a:pPr/>
-              <a:t>10/5/2019</a:t>
+              <a:t>10/15/2019</a:t>
             </a:fld>
             <a:endParaRPr lang="en-US" dirty="0"/>
           </a:p>
@@ -4902,7 +5829,7 @@
             <a:fld id="{48A87A34-81AB-432B-8DAE-1953F412C126}" type="datetimeFigureOut">
               <a:rPr lang="en-US" smtClean="0"/>
               <a:pPr/>
-              <a:t>10/5/2019</a:t>
+              <a:t>10/15/2019</a:t>
             </a:fld>
             <a:endParaRPr lang="en-US" dirty="0"/>
           </a:p>
@@ -5092,7 +6019,7 @@
           <a:p>
             <a:fld id="{48A87A34-81AB-432B-8DAE-1953F412C126}" type="datetimeFigureOut">
               <a:rPr lang="en-US" dirty="0"/>
-              <a:t>10/5/2019</a:t>
+              <a:t>10/15/2019</a:t>
             </a:fld>
             <a:endParaRPr lang="en-US" dirty="0"/>
           </a:p>
@@ -5402,7 +6329,7 @@
             <a:fld id="{48A87A34-81AB-432B-8DAE-1953F412C126}" type="datetimeFigureOut">
               <a:rPr lang="en-US" smtClean="0"/>
               <a:pPr/>
-              <a:t>10/5/2019</a:t>
+              <a:t>10/15/2019</a:t>
             </a:fld>
             <a:endParaRPr lang="en-US" dirty="0"/>
           </a:p>
@@ -5792,7 +6719,7 @@
           <a:p>
             <a:fld id="{48A87A34-81AB-432B-8DAE-1953F412C126}" type="datetimeFigureOut">
               <a:rPr lang="en-US" smtClean="0"/>
-              <a:t>10/5/2019</a:t>
+              <a:t>10/15/2019</a:t>
             </a:fld>
             <a:endParaRPr lang="en-US" dirty="0"/>
           </a:p>
@@ -6169,7 +7096,7 @@
             <a:fld id="{48A87A34-81AB-432B-8DAE-1953F412C126}" type="datetimeFigureOut">
               <a:rPr lang="en-US" smtClean="0"/>
               <a:pPr/>
-              <a:t>10/5/2019</a:t>
+              <a:t>10/15/2019</a:t>
             </a:fld>
             <a:endParaRPr lang="en-US" dirty="0"/>
           </a:p>
@@ -6677,7 +7604,7 @@
             <a:fld id="{48A87A34-81AB-432B-8DAE-1953F412C126}" type="datetimeFigureOut">
               <a:rPr lang="en-US" smtClean="0"/>
               <a:pPr/>
-              <a:t>10/5/2019</a:t>
+              <a:t>10/15/2019</a:t>
             </a:fld>
             <a:endParaRPr lang="en-US" dirty="0"/>
           </a:p>
@@ -6935,7 +7862,7 @@
           <a:p>
             <a:fld id="{48A87A34-81AB-432B-8DAE-1953F412C126}" type="datetimeFigureOut">
               <a:rPr lang="en-US" smtClean="0"/>
-              <a:t>10/5/2019</a:t>
+              <a:t>10/15/2019</a:t>
             </a:fld>
             <a:endParaRPr lang="en-US" dirty="0"/>
           </a:p>
@@ -7098,7 +8025,7 @@
           <a:p>
             <a:fld id="{48A87A34-81AB-432B-8DAE-1953F412C126}" type="datetimeFigureOut">
               <a:rPr lang="en-US" smtClean="0"/>
-              <a:t>10/5/2019</a:t>
+              <a:t>10/15/2019</a:t>
             </a:fld>
             <a:endParaRPr lang="en-US" dirty="0"/>
           </a:p>
@@ -7489,7 +8416,7 @@
             <a:fld id="{48A87A34-81AB-432B-8DAE-1953F412C126}" type="datetimeFigureOut">
               <a:rPr lang="en-US" smtClean="0"/>
               <a:pPr/>
-              <a:t>10/5/2019</a:t>
+              <a:t>10/15/2019</a:t>
             </a:fld>
             <a:endParaRPr lang="en-US" dirty="0"/>
           </a:p>
@@ -7899,7 +8826,7 @@
           <a:p>
             <a:fld id="{48A87A34-81AB-432B-8DAE-1953F412C126}" type="datetimeFigureOut">
               <a:rPr lang="en-US" smtClean="0"/>
-              <a:t>10/5/2019</a:t>
+              <a:t>10/15/2019</a:t>
             </a:fld>
             <a:endParaRPr lang="en-US" dirty="0"/>
           </a:p>
@@ -8144,7 +9071,7 @@
             <a:fld id="{48A87A34-81AB-432B-8DAE-1953F412C126}" type="datetimeFigureOut">
               <a:rPr lang="en-US" smtClean="0"/>
               <a:pPr/>
-              <a:t>10/5/2019</a:t>
+              <a:t>10/15/2019</a:t>
             </a:fld>
             <a:endParaRPr lang="en-US" dirty="0"/>
           </a:p>
@@ -8661,7 +9588,7 @@
           <p:cNvPr id="2" name="Titre 1">
             <a:extLst>
               <a:ext uri="{FF2B5EF4-FFF2-40B4-BE49-F238E27FC236}">
-                <a16:creationId xmlns:a16="http://schemas.microsoft.com/office/drawing/2014/main" id="{817DD8A3-ED1A-449F-8AB4-0A11731F81BD}"/>
+                <a16:creationId xmlns:a16="http://schemas.microsoft.com/office/drawing/2014/main" id="{A3D339D5-B933-4F23-A709-403543CC7295}"/>
               </a:ext>
             </a:extLst>
           </p:cNvPr>
@@ -8679,44 +9606,110 @@
           <a:p>
             <a:r>
               <a:rPr lang="fr-FR" dirty="0"/>
-              <a:t>Aperçu du site NewsAntilles.com</a:t>
-            </a:r>
-          </a:p>
-        </p:txBody>
-      </p:sp>
-      <p:pic>
-        <p:nvPicPr>
-          <p:cNvPr id="5" name="Espace réservé du contenu 4">
+              <a:t>Outils technologiques</a:t>
+            </a:r>
+          </a:p>
+        </p:txBody>
+      </p:sp>
+      <p:sp>
+        <p:nvSpPr>
+          <p:cNvPr id="3" name="Espace réservé du contenu 2">
             <a:extLst>
               <a:ext uri="{FF2B5EF4-FFF2-40B4-BE49-F238E27FC236}">
-                <a16:creationId xmlns:a16="http://schemas.microsoft.com/office/drawing/2014/main" id="{2A8AE5DE-C382-413F-9946-E1B42725B09A}"/>
+                <a16:creationId xmlns:a16="http://schemas.microsoft.com/office/drawing/2014/main" id="{1A33CD94-315B-4928-90F1-2CC6C72AF6D2}"/>
               </a:ext>
             </a:extLst>
           </p:cNvPr>
-          <p:cNvPicPr>
-            <a:picLocks noGrp="1" noChangeAspect="1"/>
-          </p:cNvPicPr>
+          <p:cNvSpPr>
+            <a:spLocks noGrp="1"/>
+          </p:cNvSpPr>
           <p:nvPr>
             <p:ph idx="1"/>
           </p:nvPr>
-        </p:nvPicPr>
-        <p:blipFill>
-          <a:blip r:embed="rId2"/>
-          <a:stretch>
-            <a:fillRect/>
-          </a:stretch>
-        </p:blipFill>
-        <p:spPr>
-          <a:xfrm>
-            <a:off x="3432495" y="2118686"/>
-            <a:ext cx="5327009" cy="4366004"/>
-          </a:xfrm>
-        </p:spPr>
-      </p:pic>
+        </p:nvSpPr>
+        <p:spPr/>
+        <p:txBody>
+          <a:bodyPr/>
+          <a:lstStyle/>
+          <a:p>
+            <a:r>
+              <a:rPr lang="fr-FR" dirty="0"/>
+              <a:t>Choix des outils Technologiques </a:t>
+            </a:r>
+          </a:p>
+          <a:p>
+            <a:endParaRPr lang="fr-FR" dirty="0"/>
+          </a:p>
+          <a:p>
+            <a:pPr>
+              <a:buFontTx/>
+              <a:buChar char="-"/>
+            </a:pPr>
+            <a:r>
+              <a:rPr lang="fr-FR" dirty="0"/>
+              <a:t>CORDOVA : un Framework multiplateformes permettant de développer des applications mobiles en utilisant du HTML, CSS et Javascript</a:t>
+            </a:r>
+          </a:p>
+          <a:p>
+            <a:pPr>
+              <a:buFontTx/>
+              <a:buChar char="-"/>
+            </a:pPr>
+            <a:r>
+              <a:rPr lang="fr-FR" dirty="0"/>
+              <a:t>API CORS ANYWHERE </a:t>
+            </a:r>
+          </a:p>
+          <a:p>
+            <a:pPr>
+              <a:buFontTx/>
+              <a:buChar char="-"/>
+            </a:pPr>
+            <a:r>
+              <a:rPr lang="fr-FR" dirty="0"/>
+              <a:t>Iconfinder : un moteur de recherche pour icones </a:t>
+            </a:r>
+          </a:p>
+          <a:p>
+            <a:pPr>
+              <a:buFontTx/>
+              <a:buChar char="-"/>
+            </a:pPr>
+            <a:r>
+              <a:rPr lang="fr-FR" dirty="0"/>
+              <a:t>Brackets : un éditeur de code </a:t>
+            </a:r>
+          </a:p>
+          <a:p>
+            <a:pPr>
+              <a:buFontTx/>
+              <a:buChar char="-"/>
+            </a:pPr>
+            <a:endParaRPr lang="fr-FR" dirty="0"/>
+          </a:p>
+          <a:p>
+            <a:pPr>
+              <a:buFontTx/>
+              <a:buChar char="-"/>
+            </a:pPr>
+            <a:endParaRPr lang="fr-FR" dirty="0"/>
+          </a:p>
+          <a:p>
+            <a:pPr>
+              <a:buFontTx/>
+              <a:buChar char="-"/>
+            </a:pPr>
+            <a:endParaRPr lang="fr-FR" dirty="0"/>
+          </a:p>
+          <a:p>
+            <a:endParaRPr lang="fr-FR" dirty="0"/>
+          </a:p>
+        </p:txBody>
+      </p:sp>
     </p:spTree>
     <p:extLst>
       <p:ext uri="{BB962C8B-B14F-4D97-AF65-F5344CB8AC3E}">
-        <p14:creationId xmlns:p14="http://schemas.microsoft.com/office/powerpoint/2010/main" val="3196471526"/>
+        <p14:creationId xmlns:p14="http://schemas.microsoft.com/office/powerpoint/2010/main" val="3444911929"/>
       </p:ext>
     </p:extLst>
   </p:cSld>
@@ -8748,7 +9741,7 @@
           <p:cNvPr id="2" name="Titre 1">
             <a:extLst>
               <a:ext uri="{FF2B5EF4-FFF2-40B4-BE49-F238E27FC236}">
-                <a16:creationId xmlns:a16="http://schemas.microsoft.com/office/drawing/2014/main" id="{EE2AE521-D05C-4B5B-AAA5-65DF416BD889}"/>
+                <a16:creationId xmlns:a16="http://schemas.microsoft.com/office/drawing/2014/main" id="{817DD8A3-ED1A-449F-8AB4-0A11731F81BD}"/>
               </a:ext>
             </a:extLst>
           </p:cNvPr>
@@ -8761,74 +9754,31 @@
         </p:nvSpPr>
         <p:spPr/>
         <p:txBody>
-          <a:bodyPr>
-            <a:normAutofit/>
-          </a:bodyPr>
+          <a:bodyPr/>
           <a:lstStyle/>
           <a:p>
             <a:r>
               <a:rPr lang="fr-FR" dirty="0"/>
-              <a:t>Maquettage/Prototypage</a:t>
-            </a:r>
-          </a:p>
-        </p:txBody>
-      </p:sp>
-      <p:sp>
-        <p:nvSpPr>
-          <p:cNvPr id="3" name="Espace réservé du contenu 2">
+              <a:t>Aperçu du site NewsAntilles.com</a:t>
+            </a:r>
+          </a:p>
+        </p:txBody>
+      </p:sp>
+      <p:pic>
+        <p:nvPicPr>
+          <p:cNvPr id="5" name="Espace réservé du contenu 4">
             <a:extLst>
               <a:ext uri="{FF2B5EF4-FFF2-40B4-BE49-F238E27FC236}">
-                <a16:creationId xmlns:a16="http://schemas.microsoft.com/office/drawing/2014/main" id="{F6FB41C1-E9E3-46ED-A114-CDBDD0AB0E66}"/>
-              </a:ext>
-            </a:extLst>
-          </p:cNvPr>
-          <p:cNvSpPr>
-            <a:spLocks noGrp="1"/>
-          </p:cNvSpPr>
-          <p:nvPr>
-            <p:ph idx="1"/>
-          </p:nvPr>
-        </p:nvSpPr>
-        <p:spPr>
-          <a:xfrm>
-            <a:off x="1149292" y="5107724"/>
-            <a:ext cx="9690175" cy="1242741"/>
-          </a:xfrm>
-        </p:spPr>
-        <p:txBody>
-          <a:bodyPr>
-            <a:normAutofit/>
-          </a:bodyPr>
-          <a:lstStyle/>
-          <a:p>
-            <a:r>
-              <a:rPr lang="fr-FR" dirty="0"/>
-              <a:t> Après quelque recherche sur des applications plus ou moins du même type, nous avons établi une conception visuelle ou </a:t>
-            </a:r>
-            <a:r>
-              <a:rPr lang="fr-FR" dirty="0" err="1"/>
-              <a:t>layout</a:t>
-            </a:r>
-            <a:r>
-              <a:rPr lang="fr-FR" dirty="0"/>
-              <a:t> ainsi que l’agencement du contenu.</a:t>
-            </a:r>
-          </a:p>
-        </p:txBody>
-      </p:sp>
-      <p:pic>
-        <p:nvPicPr>
-          <p:cNvPr id="5" name="Image 4">
-            <a:extLst>
-              <a:ext uri="{FF2B5EF4-FFF2-40B4-BE49-F238E27FC236}">
-                <a16:creationId xmlns:a16="http://schemas.microsoft.com/office/drawing/2014/main" id="{FB98AE15-3949-407C-A3F2-B80BAE98E453}"/>
+                <a16:creationId xmlns:a16="http://schemas.microsoft.com/office/drawing/2014/main" id="{2A8AE5DE-C382-413F-9946-E1B42725B09A}"/>
               </a:ext>
             </a:extLst>
           </p:cNvPr>
           <p:cNvPicPr>
-            <a:picLocks noChangeAspect="1"/>
+            <a:picLocks noGrp="1" noChangeAspect="1"/>
           </p:cNvPicPr>
-          <p:nvPr/>
+          <p:nvPr>
+            <p:ph idx="1"/>
+          </p:nvPr>
         </p:nvPicPr>
         <p:blipFill>
           <a:blip r:embed="rId2"/>
@@ -8838,108 +9788,15 @@
         </p:blipFill>
         <p:spPr>
           <a:xfrm>
-            <a:off x="1313101" y="2195820"/>
-            <a:ext cx="1403100" cy="2627985"/>
-          </a:xfrm>
-          <a:prstGeom prst="rect">
-            <a:avLst/>
-          </a:prstGeom>
-        </p:spPr>
-      </p:pic>
-      <p:pic>
-        <p:nvPicPr>
-          <p:cNvPr id="7" name="Image 6">
-            <a:extLst>
-              <a:ext uri="{FF2B5EF4-FFF2-40B4-BE49-F238E27FC236}">
-                <a16:creationId xmlns:a16="http://schemas.microsoft.com/office/drawing/2014/main" id="{F2DD6FDE-6097-4936-942C-0062EDECB6FA}"/>
-              </a:ext>
-            </a:extLst>
-          </p:cNvPr>
-          <p:cNvPicPr>
-            <a:picLocks noChangeAspect="1"/>
-          </p:cNvPicPr>
-          <p:nvPr/>
-        </p:nvPicPr>
-        <p:blipFill>
-          <a:blip r:embed="rId3"/>
-          <a:stretch>
-            <a:fillRect/>
-          </a:stretch>
-        </p:blipFill>
-        <p:spPr>
-          <a:xfrm>
-            <a:off x="3864429" y="2184011"/>
-            <a:ext cx="1490314" cy="2562059"/>
-          </a:xfrm>
-          <a:prstGeom prst="rect">
-            <a:avLst/>
-          </a:prstGeom>
-        </p:spPr>
-      </p:pic>
-      <p:pic>
-        <p:nvPicPr>
-          <p:cNvPr id="9" name="Image 8">
-            <a:extLst>
-              <a:ext uri="{FF2B5EF4-FFF2-40B4-BE49-F238E27FC236}">
-                <a16:creationId xmlns:a16="http://schemas.microsoft.com/office/drawing/2014/main" id="{297CCF5D-79EE-4646-88E2-AC13AFA2C428}"/>
-              </a:ext>
-            </a:extLst>
-          </p:cNvPr>
-          <p:cNvPicPr>
-            <a:picLocks noChangeAspect="1"/>
-          </p:cNvPicPr>
-          <p:nvPr/>
-        </p:nvPicPr>
-        <p:blipFill>
-          <a:blip r:embed="rId4"/>
-          <a:stretch>
-            <a:fillRect/>
-          </a:stretch>
-        </p:blipFill>
-        <p:spPr>
-          <a:xfrm>
-            <a:off x="6539328" y="2189915"/>
-            <a:ext cx="1403101" cy="2562059"/>
-          </a:xfrm>
-          <a:prstGeom prst="rect">
-            <a:avLst/>
-          </a:prstGeom>
-        </p:spPr>
-      </p:pic>
-      <p:pic>
-        <p:nvPicPr>
-          <p:cNvPr id="11" name="Image 10">
-            <a:extLst>
-              <a:ext uri="{FF2B5EF4-FFF2-40B4-BE49-F238E27FC236}">
-                <a16:creationId xmlns:a16="http://schemas.microsoft.com/office/drawing/2014/main" id="{EE734DA3-461D-4C25-8FE5-0E854CE832A9}"/>
-              </a:ext>
-            </a:extLst>
-          </p:cNvPr>
-          <p:cNvPicPr>
-            <a:picLocks noChangeAspect="1"/>
-          </p:cNvPicPr>
-          <p:nvPr/>
-        </p:nvPicPr>
-        <p:blipFill>
-          <a:blip r:embed="rId5"/>
-          <a:stretch>
-            <a:fillRect/>
-          </a:stretch>
-        </p:blipFill>
-        <p:spPr>
-          <a:xfrm>
-            <a:off x="9177870" y="2184011"/>
-            <a:ext cx="1403101" cy="2562058"/>
-          </a:xfrm>
-          <a:prstGeom prst="rect">
-            <a:avLst/>
-          </a:prstGeom>
+            <a:off x="3432495" y="2118686"/>
+            <a:ext cx="5327009" cy="4366004"/>
+          </a:xfrm>
         </p:spPr>
       </p:pic>
     </p:spTree>
     <p:extLst>
       <p:ext uri="{BB962C8B-B14F-4D97-AF65-F5344CB8AC3E}">
-        <p14:creationId xmlns:p14="http://schemas.microsoft.com/office/powerpoint/2010/main" val="4110459172"/>
+        <p14:creationId xmlns:p14="http://schemas.microsoft.com/office/powerpoint/2010/main" val="3196471526"/>
       </p:ext>
     </p:extLst>
   </p:cSld>
@@ -8971,7 +9828,7 @@
           <p:cNvPr id="2" name="Titre 1">
             <a:extLst>
               <a:ext uri="{FF2B5EF4-FFF2-40B4-BE49-F238E27FC236}">
-                <a16:creationId xmlns:a16="http://schemas.microsoft.com/office/drawing/2014/main" id="{6593890C-6671-4BA1-AC41-64A65ADC7D35}"/>
+                <a16:creationId xmlns:a16="http://schemas.microsoft.com/office/drawing/2014/main" id="{EE2AE521-D05C-4B5B-AAA5-65DF416BD889}"/>
               </a:ext>
             </a:extLst>
           </p:cNvPr>
@@ -8984,31 +9841,74 @@
         </p:nvSpPr>
         <p:spPr/>
         <p:txBody>
-          <a:bodyPr/>
+          <a:bodyPr>
+            <a:normAutofit/>
+          </a:bodyPr>
           <a:lstStyle/>
           <a:p>
             <a:r>
               <a:rPr lang="fr-FR" dirty="0"/>
-              <a:t>Maquette 1</a:t>
+              <a:t>Maquettage/Prototypage</a:t>
+            </a:r>
+          </a:p>
+        </p:txBody>
+      </p:sp>
+      <p:sp>
+        <p:nvSpPr>
+          <p:cNvPr id="3" name="Espace réservé du contenu 2">
+            <a:extLst>
+              <a:ext uri="{FF2B5EF4-FFF2-40B4-BE49-F238E27FC236}">
+                <a16:creationId xmlns:a16="http://schemas.microsoft.com/office/drawing/2014/main" id="{F6FB41C1-E9E3-46ED-A114-CDBDD0AB0E66}"/>
+              </a:ext>
+            </a:extLst>
+          </p:cNvPr>
+          <p:cNvSpPr>
+            <a:spLocks noGrp="1"/>
+          </p:cNvSpPr>
+          <p:nvPr>
+            <p:ph idx="1"/>
+          </p:nvPr>
+        </p:nvSpPr>
+        <p:spPr>
+          <a:xfrm>
+            <a:off x="1149292" y="5107724"/>
+            <a:ext cx="9690175" cy="1242741"/>
+          </a:xfrm>
+        </p:spPr>
+        <p:txBody>
+          <a:bodyPr>
+            <a:normAutofit/>
+          </a:bodyPr>
+          <a:lstStyle/>
+          <a:p>
+            <a:r>
+              <a:rPr lang="fr-FR" dirty="0"/>
+              <a:t> Après quelque recherche sur des applications plus ou moins du même type, nous avons établi une conception visuelle ou </a:t>
+            </a:r>
+            <a:r>
+              <a:rPr lang="fr-FR" dirty="0" err="1"/>
+              <a:t>layout</a:t>
+            </a:r>
+            <a:r>
+              <a:rPr lang="fr-FR" dirty="0"/>
+              <a:t> ainsi que l’agencement du contenu.</a:t>
             </a:r>
           </a:p>
         </p:txBody>
       </p:sp>
       <p:pic>
         <p:nvPicPr>
-          <p:cNvPr id="5" name="Espace réservé du contenu 4">
+          <p:cNvPr id="5" name="Image 4">
             <a:extLst>
               <a:ext uri="{FF2B5EF4-FFF2-40B4-BE49-F238E27FC236}">
-                <a16:creationId xmlns:a16="http://schemas.microsoft.com/office/drawing/2014/main" id="{1D3DAD51-C31D-489F-8072-D3026B9F29C7}"/>
+                <a16:creationId xmlns:a16="http://schemas.microsoft.com/office/drawing/2014/main" id="{FB98AE15-3949-407C-A3F2-B80BAE98E453}"/>
               </a:ext>
             </a:extLst>
           </p:cNvPr>
           <p:cNvPicPr>
-            <a:picLocks noGrp="1" noChangeAspect="1"/>
+            <a:picLocks noChangeAspect="1"/>
           </p:cNvPicPr>
-          <p:nvPr>
-            <p:ph idx="1"/>
-          </p:nvPr>
+          <p:nvPr/>
         </p:nvPicPr>
         <p:blipFill>
           <a:blip r:embed="rId2"/>
@@ -9018,106 +9918,108 @@
         </p:blipFill>
         <p:spPr>
           <a:xfrm>
-            <a:off x="5343787" y="2403912"/>
-            <a:ext cx="5918562" cy="3598863"/>
-          </a:xfrm>
+            <a:off x="1313101" y="2195820"/>
+            <a:ext cx="1403100" cy="2627985"/>
+          </a:xfrm>
+          <a:prstGeom prst="rect">
+            <a:avLst/>
+          </a:prstGeom>
         </p:spPr>
       </p:pic>
-      <p:sp>
-        <p:nvSpPr>
-          <p:cNvPr id="9" name="ZoneTexte 8">
+      <p:pic>
+        <p:nvPicPr>
+          <p:cNvPr id="7" name="Image 6">
             <a:extLst>
               <a:ext uri="{FF2B5EF4-FFF2-40B4-BE49-F238E27FC236}">
-                <a16:creationId xmlns:a16="http://schemas.microsoft.com/office/drawing/2014/main" id="{A9293073-3095-455D-AEBE-926012048DD0}"/>
+                <a16:creationId xmlns:a16="http://schemas.microsoft.com/office/drawing/2014/main" id="{F2DD6FDE-6097-4936-942C-0062EDECB6FA}"/>
               </a:ext>
             </a:extLst>
           </p:cNvPr>
-          <p:cNvSpPr txBox="1"/>
+          <p:cNvPicPr>
+            <a:picLocks noChangeAspect="1"/>
+          </p:cNvPicPr>
           <p:nvPr/>
-        </p:nvSpPr>
-        <p:spPr>
-          <a:xfrm>
-            <a:off x="364792" y="2318636"/>
-            <a:ext cx="4769270" cy="3970318"/>
+        </p:nvPicPr>
+        <p:blipFill>
+          <a:blip r:embed="rId3"/>
+          <a:stretch>
+            <a:fillRect/>
+          </a:stretch>
+        </p:blipFill>
+        <p:spPr>
+          <a:xfrm>
+            <a:off x="3864429" y="2184011"/>
+            <a:ext cx="1490314" cy="2562059"/>
           </a:xfrm>
           <a:prstGeom prst="rect">
             <a:avLst/>
           </a:prstGeom>
-          <a:noFill/>
-        </p:spPr>
-        <p:txBody>
-          <a:bodyPr wrap="square" rtlCol="0">
-            <a:spAutoFit/>
-          </a:bodyPr>
-          <a:lstStyle/>
-          <a:p>
-            <a:r>
-              <a:rPr lang="fr-FR" dirty="0"/>
-              <a:t>Sur cette maquette :</a:t>
-            </a:r>
-          </a:p>
-          <a:p>
-            <a:r>
-              <a:rPr lang="fr-FR" dirty="0"/>
-              <a:t>-   Les couleurs choisi sont	identiques aux     	sites web</a:t>
-            </a:r>
-          </a:p>
-          <a:p>
-            <a:pPr marL="285750" indent="-285750">
-              <a:buFontTx/>
-              <a:buChar char="-"/>
-            </a:pPr>
-            <a:r>
-              <a:rPr lang="fr-FR" dirty="0"/>
-              <a:t>L’affichage des articles est sous forme de liste, de la plus récente à la plus ancienne</a:t>
-            </a:r>
-          </a:p>
-          <a:p>
-            <a:pPr marL="285750" indent="-285750">
-              <a:buFontTx/>
-              <a:buChar char="-"/>
-            </a:pPr>
-            <a:r>
-              <a:rPr lang="fr-FR" dirty="0"/>
-              <a:t>L’image de l’article le plus  récent occupera toute la largeur de l’écran</a:t>
-            </a:r>
-          </a:p>
-          <a:p>
-            <a:pPr marL="285750" indent="-285750">
-              <a:buFontTx/>
-              <a:buChar char="-"/>
-            </a:pPr>
-            <a:r>
-              <a:rPr lang="fr-FR" dirty="0"/>
-              <a:t>l’accès aux différentes rubriques ce fait via le bouton « menu »</a:t>
-            </a:r>
-          </a:p>
-          <a:p>
-            <a:pPr marL="285750" indent="-285750">
-              <a:buFontTx/>
-              <a:buChar char="-"/>
-            </a:pPr>
-            <a:r>
-              <a:rPr lang="fr-FR" dirty="0"/>
-              <a:t> l’accès au paramètres ce fait sur la roue cranté</a:t>
-            </a:r>
-          </a:p>
-          <a:p>
-            <a:pPr marL="285750" indent="-285750">
-              <a:buFontTx/>
-              <a:buChar char="-"/>
-            </a:pPr>
-            <a:r>
-              <a:rPr lang="fr-FR" dirty="0"/>
-              <a:t>Le bouton accueil permet de revenir en arrière</a:t>
-            </a:r>
-          </a:p>
-        </p:txBody>
-      </p:sp>
+        </p:spPr>
+      </p:pic>
+      <p:pic>
+        <p:nvPicPr>
+          <p:cNvPr id="9" name="Image 8">
+            <a:extLst>
+              <a:ext uri="{FF2B5EF4-FFF2-40B4-BE49-F238E27FC236}">
+                <a16:creationId xmlns:a16="http://schemas.microsoft.com/office/drawing/2014/main" id="{297CCF5D-79EE-4646-88E2-AC13AFA2C428}"/>
+              </a:ext>
+            </a:extLst>
+          </p:cNvPr>
+          <p:cNvPicPr>
+            <a:picLocks noChangeAspect="1"/>
+          </p:cNvPicPr>
+          <p:nvPr/>
+        </p:nvPicPr>
+        <p:blipFill>
+          <a:blip r:embed="rId4"/>
+          <a:stretch>
+            <a:fillRect/>
+          </a:stretch>
+        </p:blipFill>
+        <p:spPr>
+          <a:xfrm>
+            <a:off x="6539328" y="2189915"/>
+            <a:ext cx="1403101" cy="2562059"/>
+          </a:xfrm>
+          <a:prstGeom prst="rect">
+            <a:avLst/>
+          </a:prstGeom>
+        </p:spPr>
+      </p:pic>
+      <p:pic>
+        <p:nvPicPr>
+          <p:cNvPr id="11" name="Image 10">
+            <a:extLst>
+              <a:ext uri="{FF2B5EF4-FFF2-40B4-BE49-F238E27FC236}">
+                <a16:creationId xmlns:a16="http://schemas.microsoft.com/office/drawing/2014/main" id="{EE734DA3-461D-4C25-8FE5-0E854CE832A9}"/>
+              </a:ext>
+            </a:extLst>
+          </p:cNvPr>
+          <p:cNvPicPr>
+            <a:picLocks noChangeAspect="1"/>
+          </p:cNvPicPr>
+          <p:nvPr/>
+        </p:nvPicPr>
+        <p:blipFill>
+          <a:blip r:embed="rId5"/>
+          <a:stretch>
+            <a:fillRect/>
+          </a:stretch>
+        </p:blipFill>
+        <p:spPr>
+          <a:xfrm>
+            <a:off x="9177870" y="2184011"/>
+            <a:ext cx="1403101" cy="2562058"/>
+          </a:xfrm>
+          <a:prstGeom prst="rect">
+            <a:avLst/>
+          </a:prstGeom>
+        </p:spPr>
+      </p:pic>
     </p:spTree>
     <p:extLst>
       <p:ext uri="{BB962C8B-B14F-4D97-AF65-F5344CB8AC3E}">
-        <p14:creationId xmlns:p14="http://schemas.microsoft.com/office/powerpoint/2010/main" val="1299091615"/>
+        <p14:creationId xmlns:p14="http://schemas.microsoft.com/office/powerpoint/2010/main" val="4110459172"/>
       </p:ext>
     </p:extLst>
   </p:cSld>
@@ -9149,7 +10051,7 @@
           <p:cNvPr id="2" name="Titre 1">
             <a:extLst>
               <a:ext uri="{FF2B5EF4-FFF2-40B4-BE49-F238E27FC236}">
-                <a16:creationId xmlns:a16="http://schemas.microsoft.com/office/drawing/2014/main" id="{B997F10D-1E4F-4BA3-BED5-C22DC1FD3C5D}"/>
+                <a16:creationId xmlns:a16="http://schemas.microsoft.com/office/drawing/2014/main" id="{6593890C-6671-4BA1-AC41-64A65ADC7D35}"/>
               </a:ext>
             </a:extLst>
           </p:cNvPr>
@@ -9167,7 +10069,7 @@
           <a:p>
             <a:r>
               <a:rPr lang="fr-FR" dirty="0"/>
-              <a:t>Maquette 2</a:t>
+              <a:t>Maquette 1</a:t>
             </a:r>
           </a:p>
         </p:txBody>
@@ -9177,7 +10079,7 @@
           <p:cNvPr id="5" name="Espace réservé du contenu 4">
             <a:extLst>
               <a:ext uri="{FF2B5EF4-FFF2-40B4-BE49-F238E27FC236}">
-                <a16:creationId xmlns:a16="http://schemas.microsoft.com/office/drawing/2014/main" id="{3777C151-2263-4EF5-A34F-C8D98B73C623}"/>
+                <a16:creationId xmlns:a16="http://schemas.microsoft.com/office/drawing/2014/main" id="{1D3DAD51-C31D-489F-8072-D3026B9F29C7}"/>
               </a:ext>
             </a:extLst>
           </p:cNvPr>
@@ -9196,17 +10098,17 @@
         </p:blipFill>
         <p:spPr>
           <a:xfrm>
-            <a:off x="5193205" y="2395523"/>
-            <a:ext cx="6008856" cy="3598863"/>
+            <a:off x="5400937" y="2410659"/>
+            <a:ext cx="5918562" cy="3598863"/>
           </a:xfrm>
         </p:spPr>
       </p:pic>
       <p:sp>
         <p:nvSpPr>
-          <p:cNvPr id="7" name="ZoneTexte 6">
+          <p:cNvPr id="9" name="ZoneTexte 8">
             <a:extLst>
               <a:ext uri="{FF2B5EF4-FFF2-40B4-BE49-F238E27FC236}">
-                <a16:creationId xmlns:a16="http://schemas.microsoft.com/office/drawing/2014/main" id="{17412B28-A598-489E-BAC7-6866666CB171}"/>
+                <a16:creationId xmlns:a16="http://schemas.microsoft.com/office/drawing/2014/main" id="{A9293073-3095-455D-AEBE-926012048DD0}"/>
               </a:ext>
             </a:extLst>
           </p:cNvPr>
@@ -9215,8 +10117,8 @@
         </p:nvSpPr>
         <p:spPr>
           <a:xfrm>
-            <a:off x="503340" y="2395523"/>
-            <a:ext cx="4118994" cy="3693319"/>
+            <a:off x="364792" y="2318636"/>
+            <a:ext cx="4769270" cy="3970318"/>
           </a:xfrm>
           <a:prstGeom prst="rect">
             <a:avLst/>
@@ -9231,7 +10133,13 @@
           <a:p>
             <a:r>
               <a:rPr lang="fr-FR" dirty="0"/>
-              <a:t>Sur cette maquette:</a:t>
+              <a:t>Sur cette maquette :</a:t>
+            </a:r>
+          </a:p>
+          <a:p>
+            <a:r>
+              <a:rPr lang="fr-FR" dirty="0"/>
+              <a:t>-   Les couleurs choisi sont	identiques aux     	sites web</a:t>
             </a:r>
           </a:p>
           <a:p>
@@ -9241,7 +10149,7 @@
             </a:pPr>
             <a:r>
               <a:rPr lang="fr-FR" dirty="0"/>
-              <a:t>Une barre de navigation comprenant les rubriques en dessous de la barre de titre pour un accès rapide</a:t>
+              <a:t>L’affichage des articles est sous forme de liste, de la plus récente à la plus ancienne</a:t>
             </a:r>
           </a:p>
           <a:p>
@@ -9251,7 +10159,7 @@
             </a:pPr>
             <a:r>
               <a:rPr lang="fr-FR" dirty="0"/>
-              <a:t>Un menu de type hamburger en haut a gauche ouvre une fenêtre latérale par la gauche au dessus du contenu</a:t>
+              <a:t>L’image de l’article le plus  récent occupera toute la largeur de l’écran</a:t>
             </a:r>
           </a:p>
           <a:p>
@@ -9261,7 +10169,27 @@
             </a:pPr>
             <a:r>
               <a:rPr lang="fr-FR" dirty="0"/>
-              <a:t>Les rubriques seront rajouté plus tard après concertation avec le client sur cette fenêtre, de même les paramètres y seront rajouté  </a:t>
+              <a:t>l’accès aux différentes rubriques ce fait via le bouton « menu »</a:t>
+            </a:r>
+          </a:p>
+          <a:p>
+            <a:pPr marL="285750" indent="-285750">
+              <a:buFontTx/>
+              <a:buChar char="-"/>
+            </a:pPr>
+            <a:r>
+              <a:rPr lang="fr-FR" dirty="0"/>
+              <a:t> l’accès au paramètres ce fait sur la roue cranté</a:t>
+            </a:r>
+          </a:p>
+          <a:p>
+            <a:pPr marL="285750" indent="-285750">
+              <a:buFontTx/>
+              <a:buChar char="-"/>
+            </a:pPr>
+            <a:r>
+              <a:rPr lang="fr-FR" dirty="0"/>
+              <a:t>Le bouton accueil permet de revenir en arrière</a:t>
             </a:r>
           </a:p>
         </p:txBody>
@@ -9269,7 +10197,7 @@
     </p:spTree>
     <p:extLst>
       <p:ext uri="{BB962C8B-B14F-4D97-AF65-F5344CB8AC3E}">
-        <p14:creationId xmlns:p14="http://schemas.microsoft.com/office/powerpoint/2010/main" val="3676666206"/>
+        <p14:creationId xmlns:p14="http://schemas.microsoft.com/office/powerpoint/2010/main" val="1299091615"/>
       </p:ext>
     </p:extLst>
   </p:cSld>
@@ -9301,7 +10229,7 @@
           <p:cNvPr id="2" name="Titre 1">
             <a:extLst>
               <a:ext uri="{FF2B5EF4-FFF2-40B4-BE49-F238E27FC236}">
-                <a16:creationId xmlns:a16="http://schemas.microsoft.com/office/drawing/2014/main" id="{CF683F2B-1E50-4A28-BD6B-5D0947404CF3}"/>
+                <a16:creationId xmlns:a16="http://schemas.microsoft.com/office/drawing/2014/main" id="{B997F10D-1E4F-4BA3-BED5-C22DC1FD3C5D}"/>
               </a:ext>
             </a:extLst>
           </p:cNvPr>
@@ -9319,17 +10247,17 @@
           <a:p>
             <a:r>
               <a:rPr lang="fr-FR" dirty="0"/>
-              <a:t>Maquette retenue</a:t>
+              <a:t>Maquette 2</a:t>
             </a:r>
           </a:p>
         </p:txBody>
       </p:sp>
       <p:pic>
         <p:nvPicPr>
-          <p:cNvPr id="4" name="Espace réservé du contenu 4">
+          <p:cNvPr id="5" name="Espace réservé du contenu 4">
             <a:extLst>
               <a:ext uri="{FF2B5EF4-FFF2-40B4-BE49-F238E27FC236}">
-                <a16:creationId xmlns:a16="http://schemas.microsoft.com/office/drawing/2014/main" id="{CC0BF217-CF3A-4B36-AACF-6F30FEDD050C}"/>
+                <a16:creationId xmlns:a16="http://schemas.microsoft.com/office/drawing/2014/main" id="{3777C151-2263-4EF5-A34F-C8D98B73C623}"/>
               </a:ext>
             </a:extLst>
           </p:cNvPr>
@@ -9348,17 +10276,17 @@
         </p:blipFill>
         <p:spPr>
           <a:xfrm>
-            <a:off x="5184815" y="2294855"/>
+            <a:off x="5193205" y="2489979"/>
             <a:ext cx="6008856" cy="3598863"/>
           </a:xfrm>
         </p:spPr>
       </p:pic>
       <p:sp>
         <p:nvSpPr>
-          <p:cNvPr id="6" name="ZoneTexte 5">
+          <p:cNvPr id="7" name="ZoneTexte 6">
             <a:extLst>
               <a:ext uri="{FF2B5EF4-FFF2-40B4-BE49-F238E27FC236}">
-                <a16:creationId xmlns:a16="http://schemas.microsoft.com/office/drawing/2014/main" id="{43FE441F-6391-47D9-840C-6AB62A85304C}"/>
+                <a16:creationId xmlns:a16="http://schemas.microsoft.com/office/drawing/2014/main" id="{17412B28-A598-489E-BAC7-6866666CB171}"/>
               </a:ext>
             </a:extLst>
           </p:cNvPr>
@@ -9367,8 +10295,8 @@
         </p:nvSpPr>
         <p:spPr>
           <a:xfrm>
-            <a:off x="604007" y="2294855"/>
-            <a:ext cx="3607266" cy="2585323"/>
+            <a:off x="503340" y="2395523"/>
+            <a:ext cx="4118994" cy="3693319"/>
           </a:xfrm>
           <a:prstGeom prst="rect">
             <a:avLst/>
@@ -9383,7 +10311,37 @@
           <a:p>
             <a:r>
               <a:rPr lang="fr-FR" dirty="0"/>
-              <a:t>Après proposition des deux maquettes, la seconde a été retenu pour la simplicité de son ergonomie, la barre de navigation pour les rubriques en dessous de la barre de titre et la fenêtre latérale permettant l’accès à toute les fonctionnalités  </a:t>
+              <a:t>Sur cette maquette:</a:t>
+            </a:r>
+          </a:p>
+          <a:p>
+            <a:pPr marL="285750" indent="-285750">
+              <a:buFontTx/>
+              <a:buChar char="-"/>
+            </a:pPr>
+            <a:r>
+              <a:rPr lang="fr-FR" dirty="0"/>
+              <a:t>Une barre de navigation comprenant les rubriques en dessous de la barre de titre pour un accès rapide</a:t>
+            </a:r>
+          </a:p>
+          <a:p>
+            <a:pPr marL="285750" indent="-285750">
+              <a:buFontTx/>
+              <a:buChar char="-"/>
+            </a:pPr>
+            <a:r>
+              <a:rPr lang="fr-FR" dirty="0"/>
+              <a:t>Un menu de type hamburger en haut a gauche ouvre une fenêtre latérale par la gauche au dessus du contenu</a:t>
+            </a:r>
+          </a:p>
+          <a:p>
+            <a:pPr marL="285750" indent="-285750">
+              <a:buFontTx/>
+              <a:buChar char="-"/>
+            </a:pPr>
+            <a:r>
+              <a:rPr lang="fr-FR" dirty="0"/>
+              <a:t>Les rubriques seront rajouté plus tard après concertation avec le client sur cette fenêtre, de même les paramètres y seront rajouté  </a:t>
             </a:r>
           </a:p>
         </p:txBody>
@@ -9391,7 +10349,7 @@
     </p:spTree>
     <p:extLst>
       <p:ext uri="{BB962C8B-B14F-4D97-AF65-F5344CB8AC3E}">
-        <p14:creationId xmlns:p14="http://schemas.microsoft.com/office/powerpoint/2010/main" val="890588601"/>
+        <p14:creationId xmlns:p14="http://schemas.microsoft.com/office/powerpoint/2010/main" val="3676666206"/>
       </p:ext>
     </p:extLst>
   </p:cSld>
@@ -9423,7 +10381,7 @@
           <p:cNvPr id="2" name="Titre 1">
             <a:extLst>
               <a:ext uri="{FF2B5EF4-FFF2-40B4-BE49-F238E27FC236}">
-                <a16:creationId xmlns:a16="http://schemas.microsoft.com/office/drawing/2014/main" id="{A3D339D5-B933-4F23-A709-403543CC7295}"/>
+                <a16:creationId xmlns:a16="http://schemas.microsoft.com/office/drawing/2014/main" id="{CF683F2B-1E50-4A28-BD6B-5D0947404CF3}"/>
               </a:ext>
             </a:extLst>
           </p:cNvPr>
@@ -9441,110 +10399,79 @@
           <a:p>
             <a:r>
               <a:rPr lang="fr-FR" dirty="0"/>
-              <a:t>Dévelloppement/Conception</a:t>
-            </a:r>
-          </a:p>
-        </p:txBody>
-      </p:sp>
-      <p:sp>
-        <p:nvSpPr>
-          <p:cNvPr id="3" name="Espace réservé du contenu 2">
+              <a:t>Maquette retenue</a:t>
+            </a:r>
+          </a:p>
+        </p:txBody>
+      </p:sp>
+      <p:sp>
+        <p:nvSpPr>
+          <p:cNvPr id="6" name="ZoneTexte 5">
             <a:extLst>
               <a:ext uri="{FF2B5EF4-FFF2-40B4-BE49-F238E27FC236}">
-                <a16:creationId xmlns:a16="http://schemas.microsoft.com/office/drawing/2014/main" id="{1A33CD94-315B-4928-90F1-2CC6C72AF6D2}"/>
+                <a16:creationId xmlns:a16="http://schemas.microsoft.com/office/drawing/2014/main" id="{43FE441F-6391-47D9-840C-6AB62A85304C}"/>
               </a:ext>
             </a:extLst>
           </p:cNvPr>
-          <p:cNvSpPr>
-            <a:spLocks noGrp="1"/>
-          </p:cNvSpPr>
+          <p:cNvSpPr txBox="1"/>
+          <p:nvPr/>
+        </p:nvSpPr>
+        <p:spPr>
+          <a:xfrm>
+            <a:off x="604007" y="2294855"/>
+            <a:ext cx="3607266" cy="2585323"/>
+          </a:xfrm>
+          <a:prstGeom prst="rect">
+            <a:avLst/>
+          </a:prstGeom>
+          <a:noFill/>
+        </p:spPr>
+        <p:txBody>
+          <a:bodyPr wrap="square" rtlCol="0">
+            <a:spAutoFit/>
+          </a:bodyPr>
+          <a:lstStyle/>
+          <a:p>
+            <a:r>
+              <a:rPr lang="fr-FR" dirty="0"/>
+              <a:t>Après proposition des deux maquettes, la seconde a été retenu pour la simplicité de son ergonomie, la barre de navigation pour les rubriques en dessous de la barre de titre et la fenêtre latérale permettant l’accès à toute les fonctionnalités  </a:t>
+            </a:r>
+          </a:p>
+        </p:txBody>
+      </p:sp>
+      <p:pic>
+        <p:nvPicPr>
+          <p:cNvPr id="8" name="Espace réservé du contenu 7">
+            <a:extLst>
+              <a:ext uri="{FF2B5EF4-FFF2-40B4-BE49-F238E27FC236}">
+                <a16:creationId xmlns:a16="http://schemas.microsoft.com/office/drawing/2014/main" id="{36B8AB67-C7E0-4242-9A4C-7B4C59D94807}"/>
+              </a:ext>
+            </a:extLst>
+          </p:cNvPr>
+          <p:cNvPicPr>
+            <a:picLocks noGrp="1" noChangeAspect="1"/>
+          </p:cNvPicPr>
           <p:nvPr>
             <p:ph idx="1"/>
           </p:nvPr>
-        </p:nvSpPr>
-        <p:spPr/>
-        <p:txBody>
-          <a:bodyPr/>
-          <a:lstStyle/>
-          <a:p>
-            <a:r>
-              <a:rPr lang="fr-FR" dirty="0"/>
-              <a:t>Choix des outils Technologiques </a:t>
-            </a:r>
-          </a:p>
-          <a:p>
-            <a:endParaRPr lang="fr-FR" dirty="0"/>
-          </a:p>
-          <a:p>
-            <a:pPr>
-              <a:buFontTx/>
-              <a:buChar char="-"/>
-            </a:pPr>
-            <a:r>
-              <a:rPr lang="fr-FR" dirty="0"/>
-              <a:t>CORDOVA : un Framework multiplateformes permettant de développer des applications mobiles en utilisant du HTML, CSS et Javascript</a:t>
-            </a:r>
-          </a:p>
-          <a:p>
-            <a:pPr>
-              <a:buFontTx/>
-              <a:buChar char="-"/>
-            </a:pPr>
-            <a:r>
-              <a:rPr lang="fr-FR" dirty="0"/>
-              <a:t>API CORS ANYWHERE </a:t>
-            </a:r>
-          </a:p>
-          <a:p>
-            <a:pPr>
-              <a:buFontTx/>
-              <a:buChar char="-"/>
-            </a:pPr>
-            <a:r>
-              <a:rPr lang="fr-FR" dirty="0"/>
-              <a:t>Iconfinder : un moteur de recherche pour icones </a:t>
-            </a:r>
-          </a:p>
-          <a:p>
-            <a:pPr>
-              <a:buFontTx/>
-              <a:buChar char="-"/>
-            </a:pPr>
-            <a:r>
-              <a:rPr lang="fr-FR" dirty="0"/>
-              <a:t>Brackets : un éditeur de code </a:t>
-            </a:r>
-          </a:p>
-          <a:p>
-            <a:pPr>
-              <a:buFontTx/>
-              <a:buChar char="-"/>
-            </a:pPr>
-            <a:endParaRPr lang="fr-FR" dirty="0"/>
-          </a:p>
-          <a:p>
-            <a:pPr>
-              <a:buFontTx/>
-              <a:buChar char="-"/>
-            </a:pPr>
-            <a:endParaRPr lang="fr-FR" dirty="0"/>
-          </a:p>
-          <a:p>
-            <a:pPr>
-              <a:buFontTx/>
-              <a:buChar char="-"/>
-            </a:pPr>
-            <a:endParaRPr lang="fr-FR" dirty="0"/>
-          </a:p>
-          <a:p>
-            <a:endParaRPr lang="fr-FR" dirty="0"/>
-          </a:p>
-        </p:txBody>
-      </p:sp>
+        </p:nvPicPr>
+        <p:blipFill>
+          <a:blip r:embed="rId2"/>
+          <a:stretch>
+            <a:fillRect/>
+          </a:stretch>
+        </p:blipFill>
+        <p:spPr>
+          <a:xfrm>
+            <a:off x="4485770" y="2380580"/>
+            <a:ext cx="6762348" cy="3724192"/>
+          </a:xfrm>
+        </p:spPr>
+      </p:pic>
     </p:spTree>
     <p:extLst>
       <p:ext uri="{BB962C8B-B14F-4D97-AF65-F5344CB8AC3E}">
-        <p14:creationId xmlns:p14="http://schemas.microsoft.com/office/powerpoint/2010/main" val="3444911929"/>
+        <p14:creationId xmlns:p14="http://schemas.microsoft.com/office/powerpoint/2010/main" val="890588601"/>
       </p:ext>
     </p:extLst>
   </p:cSld>
@@ -9592,7 +10519,10 @@
           <a:bodyPr/>
           <a:lstStyle/>
           <a:p>
-            <a:endParaRPr lang="fr-FR" dirty="0"/>
+            <a:r>
+              <a:rPr lang="fr-FR" dirty="0"/>
+              <a:t>Conception</a:t>
+            </a:r>
           </a:p>
         </p:txBody>
       </p:sp>
@@ -9617,7 +10547,10 @@
           <a:bodyPr/>
           <a:lstStyle/>
           <a:p>
-            <a:endParaRPr lang="fr-FR" dirty="0"/>
+            <a:r>
+              <a:rPr lang="fr-FR" dirty="0"/>
+              <a:t>Ce projet a été réalisé en binôme, pour la conception de l’application, nous nous sommes répartie les taches, je me suis occupé de la partie front end html,css.</a:t>
+            </a:r>
           </a:p>
         </p:txBody>
       </p:sp>
@@ -9625,6 +10558,1305 @@
     <p:extLst>
       <p:ext uri="{BB962C8B-B14F-4D97-AF65-F5344CB8AC3E}">
         <p14:creationId xmlns:p14="http://schemas.microsoft.com/office/powerpoint/2010/main" val="1302232896"/>
+      </p:ext>
+    </p:extLst>
+  </p:cSld>
+  <p:clrMapOvr>
+    <a:masterClrMapping/>
+  </p:clrMapOvr>
+</p:sld>
+</file>
+
+<file path=ppt/slides/slide17.xml><?xml version="1.0" encoding="utf-8"?>
+<p:sld xmlns:a="http://schemas.openxmlformats.org/drawingml/2006/main" xmlns:r="http://schemas.openxmlformats.org/officeDocument/2006/relationships" xmlns:p="http://schemas.openxmlformats.org/presentationml/2006/main">
+  <p:cSld>
+    <p:spTree>
+      <p:nvGrpSpPr>
+        <p:cNvPr id="1" name=""/>
+        <p:cNvGrpSpPr/>
+        <p:nvPr/>
+      </p:nvGrpSpPr>
+      <p:grpSpPr>
+        <a:xfrm>
+          <a:off x="0" y="0"/>
+          <a:ext cx="0" cy="0"/>
+          <a:chOff x="0" y="0"/>
+          <a:chExt cx="0" cy="0"/>
+        </a:xfrm>
+      </p:grpSpPr>
+      <p:sp>
+        <p:nvSpPr>
+          <p:cNvPr id="2" name="Titre 1">
+            <a:extLst>
+              <a:ext uri="{FF2B5EF4-FFF2-40B4-BE49-F238E27FC236}">
+                <a16:creationId xmlns:a16="http://schemas.microsoft.com/office/drawing/2014/main" id="{073A50FC-7864-41C6-9B07-C16B784000F1}"/>
+              </a:ext>
+            </a:extLst>
+          </p:cNvPr>
+          <p:cNvSpPr>
+            <a:spLocks noGrp="1"/>
+          </p:cNvSpPr>
+          <p:nvPr>
+            <p:ph type="title"/>
+          </p:nvPr>
+        </p:nvSpPr>
+        <p:spPr/>
+        <p:txBody>
+          <a:bodyPr/>
+          <a:lstStyle/>
+          <a:p>
+            <a:r>
+              <a:rPr lang="fr-FR" dirty="0"/>
+              <a:t>Editeur de code</a:t>
+            </a:r>
+          </a:p>
+        </p:txBody>
+      </p:sp>
+      <p:pic>
+        <p:nvPicPr>
+          <p:cNvPr id="6" name="Image 5">
+            <a:extLst>
+              <a:ext uri="{FF2B5EF4-FFF2-40B4-BE49-F238E27FC236}">
+                <a16:creationId xmlns:a16="http://schemas.microsoft.com/office/drawing/2014/main" id="{FE4E0DF4-C8D1-4C31-A92F-8CA417684CAA}"/>
+              </a:ext>
+            </a:extLst>
+          </p:cNvPr>
+          <p:cNvPicPr/>
+          <p:nvPr/>
+        </p:nvPicPr>
+        <p:blipFill>
+          <a:blip r:embed="rId2">
+            <a:extLst>
+              <a:ext uri="{28A0092B-C50C-407E-A947-70E740481C1C}">
+                <a14:useLocalDpi xmlns:a14="http://schemas.microsoft.com/office/drawing/2010/main" val="0"/>
+              </a:ext>
+            </a:extLst>
+          </a:blip>
+          <a:stretch>
+            <a:fillRect/>
+          </a:stretch>
+        </p:blipFill>
+        <p:spPr>
+          <a:xfrm>
+            <a:off x="247651" y="2647951"/>
+            <a:ext cx="6115050" cy="2514600"/>
+          </a:xfrm>
+          <a:prstGeom prst="rect">
+            <a:avLst/>
+          </a:prstGeom>
+        </p:spPr>
+      </p:pic>
+      <p:sp>
+        <p:nvSpPr>
+          <p:cNvPr id="9" name="ZoneTexte 8">
+            <a:extLst>
+              <a:ext uri="{FF2B5EF4-FFF2-40B4-BE49-F238E27FC236}">
+                <a16:creationId xmlns:a16="http://schemas.microsoft.com/office/drawing/2014/main" id="{382F1913-B784-442F-91DA-78A1D351DEFE}"/>
+              </a:ext>
+            </a:extLst>
+          </p:cNvPr>
+          <p:cNvSpPr txBox="1"/>
+          <p:nvPr/>
+        </p:nvSpPr>
+        <p:spPr>
+          <a:xfrm>
+            <a:off x="680321" y="2266950"/>
+            <a:ext cx="8444629" cy="381000"/>
+          </a:xfrm>
+          <a:prstGeom prst="rect">
+            <a:avLst/>
+          </a:prstGeom>
+          <a:noFill/>
+        </p:spPr>
+        <p:txBody>
+          <a:bodyPr wrap="square" rtlCol="0">
+            <a:spAutoFit/>
+          </a:bodyPr>
+          <a:lstStyle/>
+          <a:p>
+            <a:r>
+              <a:rPr lang="fr-FR" dirty="0"/>
+              <a:t>En tête HTML</a:t>
+            </a:r>
+          </a:p>
+        </p:txBody>
+      </p:sp>
+      <p:sp>
+        <p:nvSpPr>
+          <p:cNvPr id="11" name="ZoneTexte 10">
+            <a:extLst>
+              <a:ext uri="{FF2B5EF4-FFF2-40B4-BE49-F238E27FC236}">
+                <a16:creationId xmlns:a16="http://schemas.microsoft.com/office/drawing/2014/main" id="{9B5A7079-0D5D-4BBD-BCBA-0171EE7B609C}"/>
+              </a:ext>
+            </a:extLst>
+          </p:cNvPr>
+          <p:cNvSpPr txBox="1"/>
+          <p:nvPr/>
+        </p:nvSpPr>
+        <p:spPr>
+          <a:xfrm>
+            <a:off x="6362700" y="2647950"/>
+            <a:ext cx="4636653" cy="2927083"/>
+          </a:xfrm>
+          <a:prstGeom prst="rect">
+            <a:avLst/>
+          </a:prstGeom>
+          <a:noFill/>
+        </p:spPr>
+        <p:txBody>
+          <a:bodyPr wrap="square" rtlCol="0">
+            <a:spAutoFit/>
+          </a:bodyPr>
+          <a:lstStyle/>
+          <a:p>
+            <a:r>
+              <a:rPr lang="fr-FR" sz="1100" dirty="0">
+                <a:latin typeface="Calibri" panose="020F0502020204030204" pitchFamily="34" charset="0"/>
+                <a:cs typeface="Calibri" panose="020F0502020204030204" pitchFamily="34" charset="0"/>
+              </a:rPr>
+              <a:t>Format </a:t>
+            </a:r>
+            <a:r>
+              <a:rPr lang="fr-FR" sz="1100" dirty="0" err="1">
+                <a:latin typeface="Calibri" panose="020F0502020204030204" pitchFamily="34" charset="0"/>
+                <a:cs typeface="Calibri" panose="020F0502020204030204" pitchFamily="34" charset="0"/>
+              </a:rPr>
+              <a:t>detection</a:t>
+            </a:r>
+            <a:r>
+              <a:rPr lang="fr-FR" sz="1100" dirty="0">
+                <a:latin typeface="Calibri" panose="020F0502020204030204" pitchFamily="34" charset="0"/>
+                <a:cs typeface="Calibri" panose="020F0502020204030204" pitchFamily="34" charset="0"/>
+              </a:rPr>
+              <a:t> </a:t>
+            </a:r>
+            <a:r>
+              <a:rPr lang="fr-FR" sz="1100" dirty="0"/>
+              <a:t>….</a:t>
+            </a:r>
+            <a:r>
+              <a:rPr lang="fr-FR" sz="1100" dirty="0">
+                <a:latin typeface="Calibri" panose="020F0502020204030204" pitchFamily="34" charset="0"/>
+                <a:ea typeface="Calibri" panose="020F0502020204030204" pitchFamily="34" charset="0"/>
+                <a:cs typeface="Times New Roman" panose="02020603050405020304" pitchFamily="18" charset="0"/>
+              </a:rPr>
+              <a:t> détermine que les numéros de téléphone dans le contenu HTML n’apparaitront pas en tant que liens hypertexte</a:t>
+            </a:r>
+          </a:p>
+          <a:p>
+            <a:pPr>
+              <a:lnSpc>
+                <a:spcPct val="107000"/>
+              </a:lnSpc>
+              <a:spcAft>
+                <a:spcPts val="800"/>
+              </a:spcAft>
+            </a:pPr>
+            <a:r>
+              <a:rPr lang="fr-FR" sz="1100" dirty="0" err="1">
+                <a:latin typeface="Calibri" panose="020F0502020204030204" pitchFamily="34" charset="0"/>
+                <a:ea typeface="Calibri" panose="020F0502020204030204" pitchFamily="34" charset="0"/>
+                <a:cs typeface="Times New Roman" panose="02020603050405020304" pitchFamily="18" charset="0"/>
+              </a:rPr>
+              <a:t>Msapplication</a:t>
+            </a:r>
+            <a:r>
+              <a:rPr lang="fr-FR" sz="1100" dirty="0">
+                <a:latin typeface="Calibri" panose="020F0502020204030204" pitchFamily="34" charset="0"/>
+                <a:ea typeface="Calibri" panose="020F0502020204030204" pitchFamily="34" charset="0"/>
+                <a:cs typeface="Times New Roman" panose="02020603050405020304" pitchFamily="18" charset="0"/>
+              </a:rPr>
+              <a:t>-</a:t>
+            </a:r>
+            <a:r>
+              <a:rPr lang="fr-FR" sz="1100" dirty="0" err="1">
+                <a:latin typeface="Calibri" panose="020F0502020204030204" pitchFamily="34" charset="0"/>
+                <a:ea typeface="Calibri" panose="020F0502020204030204" pitchFamily="34" charset="0"/>
+                <a:cs typeface="Times New Roman" panose="02020603050405020304" pitchFamily="18" charset="0"/>
+              </a:rPr>
+              <a:t>tap</a:t>
+            </a:r>
+            <a:r>
+              <a:rPr lang="fr-FR" sz="1100" dirty="0">
+                <a:latin typeface="Calibri" panose="020F0502020204030204" pitchFamily="34" charset="0"/>
+                <a:ea typeface="Calibri" panose="020F0502020204030204" pitchFamily="34" charset="0"/>
+                <a:cs typeface="Times New Roman" panose="02020603050405020304" pitchFamily="18" charset="0"/>
+              </a:rPr>
+              <a:t>-highlight" content="no"&gt; retire l’effet de surbrillance quand on clique sur un lien.</a:t>
+            </a:r>
+          </a:p>
+          <a:p>
+            <a:r>
+              <a:rPr lang="fr-FR" sz="1100" dirty="0">
+                <a:latin typeface="Calibri" panose="020F0502020204030204" pitchFamily="34" charset="0"/>
+                <a:ea typeface="Calibri" panose="020F0502020204030204" pitchFamily="34" charset="0"/>
+                <a:cs typeface="Times New Roman" panose="02020603050405020304" pitchFamily="18" charset="0"/>
+              </a:rPr>
+              <a:t>Content-Security-Policy" script-src='unsafe-inline’…réduire le risque d’attaque de type cross site </a:t>
+            </a:r>
+            <a:r>
+              <a:rPr lang="fr-FR" sz="1100" dirty="0" err="1">
+                <a:latin typeface="Calibri" panose="020F0502020204030204" pitchFamily="34" charset="0"/>
+                <a:ea typeface="Calibri" panose="020F0502020204030204" pitchFamily="34" charset="0"/>
+                <a:cs typeface="Times New Roman" panose="02020603050405020304" pitchFamily="18" charset="0"/>
+              </a:rPr>
+              <a:t>scripting</a:t>
+            </a:r>
+            <a:r>
+              <a:rPr lang="fr-FR" sz="1100" dirty="0">
+                <a:latin typeface="Calibri" panose="020F0502020204030204" pitchFamily="34" charset="0"/>
+                <a:ea typeface="Calibri" panose="020F0502020204030204" pitchFamily="34" charset="0"/>
+                <a:cs typeface="Times New Roman" panose="02020603050405020304" pitchFamily="18" charset="0"/>
+              </a:rPr>
+              <a:t> (XSS ou injection de code</a:t>
+            </a:r>
+            <a:r>
+              <a:rPr lang="fr-FR" sz="1100" i="1" dirty="0">
+                <a:latin typeface="Calibri" panose="020F0502020204030204" pitchFamily="34" charset="0"/>
+                <a:ea typeface="Calibri" panose="020F0502020204030204" pitchFamily="34" charset="0"/>
+                <a:cs typeface="Times New Roman" panose="02020603050405020304" pitchFamily="18" charset="0"/>
+              </a:rPr>
+              <a:t>)    </a:t>
+            </a:r>
+          </a:p>
+          <a:p>
+            <a:endParaRPr lang="fr-FR" sz="1100" i="1" dirty="0">
+              <a:latin typeface="Calibri" panose="020F0502020204030204" pitchFamily="34" charset="0"/>
+              <a:ea typeface="Calibri" panose="020F0502020204030204" pitchFamily="34" charset="0"/>
+              <a:cs typeface="Times New Roman" panose="02020603050405020304" pitchFamily="18" charset="0"/>
+            </a:endParaRPr>
+          </a:p>
+          <a:p>
+            <a:r>
+              <a:rPr lang="fr-FR" sz="1100" i="1" dirty="0">
+                <a:latin typeface="Calibri" panose="020F0502020204030204" pitchFamily="34" charset="0"/>
+                <a:ea typeface="Calibri" panose="020F0502020204030204" pitchFamily="34" charset="0"/>
+                <a:cs typeface="Times New Roman" panose="02020603050405020304" pitchFamily="18" charset="0"/>
+              </a:rPr>
+              <a:t> </a:t>
+            </a:r>
+            <a:r>
+              <a:rPr lang="fr-FR" sz="1100" dirty="0" err="1">
+                <a:latin typeface="Calibri" panose="020F0502020204030204" pitchFamily="34" charset="0"/>
+                <a:cs typeface="Calibri" panose="020F0502020204030204" pitchFamily="34" charset="0"/>
+              </a:rPr>
+              <a:t>Viewport</a:t>
+            </a:r>
+            <a:r>
+              <a:rPr lang="fr-FR" sz="1100" dirty="0">
+                <a:latin typeface="Calibri" panose="020F0502020204030204" pitchFamily="34" charset="0"/>
+                <a:cs typeface="Calibri" panose="020F0502020204030204" pitchFamily="34" charset="0"/>
+              </a:rPr>
+              <a:t>" content="initial-</a:t>
+            </a:r>
+            <a:r>
+              <a:rPr lang="fr-FR" sz="1100" dirty="0" err="1">
+                <a:latin typeface="Calibri" panose="020F0502020204030204" pitchFamily="34" charset="0"/>
+                <a:cs typeface="Calibri" panose="020F0502020204030204" pitchFamily="34" charset="0"/>
+              </a:rPr>
+              <a:t>scale</a:t>
+            </a:r>
+            <a:r>
+              <a:rPr lang="fr-FR" sz="1100" dirty="0">
+                <a:latin typeface="Calibri" panose="020F0502020204030204" pitchFamily="34" charset="0"/>
+                <a:cs typeface="Calibri" panose="020F0502020204030204" pitchFamily="34" charset="0"/>
+              </a:rPr>
+              <a:t>=1, </a:t>
+            </a:r>
+            <a:r>
+              <a:rPr lang="fr-FR" sz="1100" dirty="0" err="1">
+                <a:latin typeface="Calibri" panose="020F0502020204030204" pitchFamily="34" charset="0"/>
+                <a:cs typeface="Calibri" panose="020F0502020204030204" pitchFamily="34" charset="0"/>
+              </a:rPr>
+              <a:t>width</a:t>
+            </a:r>
+            <a:r>
+              <a:rPr lang="fr-FR" sz="1100" dirty="0">
+                <a:latin typeface="Calibri" panose="020F0502020204030204" pitchFamily="34" charset="0"/>
+                <a:cs typeface="Calibri" panose="020F0502020204030204" pitchFamily="34" charset="0"/>
+              </a:rPr>
+              <a:t>=</a:t>
+            </a:r>
+            <a:r>
+              <a:rPr lang="fr-FR" sz="1100" dirty="0" err="1">
+                <a:latin typeface="Calibri" panose="020F0502020204030204" pitchFamily="34" charset="0"/>
+                <a:cs typeface="Calibri" panose="020F0502020204030204" pitchFamily="34" charset="0"/>
+              </a:rPr>
+              <a:t>device-width</a:t>
+            </a:r>
+            <a:r>
+              <a:rPr lang="fr-FR" sz="1100" dirty="0">
+                <a:latin typeface="Calibri" panose="020F0502020204030204" pitchFamily="34" charset="0"/>
+                <a:cs typeface="Calibri" panose="020F0502020204030204" pitchFamily="34" charset="0"/>
+              </a:rPr>
+              <a:t>, </a:t>
+            </a:r>
+            <a:r>
+              <a:rPr lang="fr-FR" sz="1100" dirty="0" err="1">
+                <a:latin typeface="Calibri" panose="020F0502020204030204" pitchFamily="34" charset="0"/>
+                <a:cs typeface="Calibri" panose="020F0502020204030204" pitchFamily="34" charset="0"/>
+              </a:rPr>
+              <a:t>viewport</a:t>
+            </a:r>
+            <a:r>
+              <a:rPr lang="fr-FR" sz="1100" dirty="0">
+                <a:latin typeface="Calibri" panose="020F0502020204030204" pitchFamily="34" charset="0"/>
+                <a:cs typeface="Calibri" panose="020F0502020204030204" pitchFamily="34" charset="0"/>
+              </a:rPr>
+              <a:t>-fit=cover"&gt; définit la largeur du « </a:t>
+            </a:r>
+            <a:r>
+              <a:rPr lang="fr-FR" sz="1100" dirty="0" err="1">
+                <a:latin typeface="Calibri" panose="020F0502020204030204" pitchFamily="34" charset="0"/>
+                <a:cs typeface="Calibri" panose="020F0502020204030204" pitchFamily="34" charset="0"/>
+              </a:rPr>
+              <a:t>viewport</a:t>
+            </a:r>
+            <a:r>
+              <a:rPr lang="fr-FR" sz="1100" dirty="0">
+                <a:latin typeface="Calibri" panose="020F0502020204030204" pitchFamily="34" charset="0"/>
+                <a:cs typeface="Calibri" panose="020F0502020204030204" pitchFamily="34" charset="0"/>
+              </a:rPr>
+              <a:t> » pour être la même que la taille de l'écran de l'appareil utilisé pour afficher le site. L'échelle d'affichage du site sera 100 % et l'échelle maximum également de 100</a:t>
+            </a:r>
+            <a:endParaRPr lang="fr-FR" sz="1100" i="1" dirty="0">
+              <a:latin typeface="Calibri" panose="020F0502020204030204" pitchFamily="34" charset="0"/>
+              <a:ea typeface="Calibri" panose="020F0502020204030204" pitchFamily="34" charset="0"/>
+              <a:cs typeface="Calibri" panose="020F0502020204030204" pitchFamily="34" charset="0"/>
+            </a:endParaRPr>
+          </a:p>
+          <a:p>
+            <a:r>
+              <a:rPr lang="fr-FR" sz="1100" dirty="0">
+                <a:latin typeface="Calibri" panose="020F0502020204030204" pitchFamily="34" charset="0"/>
+                <a:cs typeface="Calibri" panose="020F0502020204030204" pitchFamily="34" charset="0"/>
+              </a:rPr>
+              <a:t>%.</a:t>
+            </a:r>
+          </a:p>
+          <a:p>
+            <a:r>
+              <a:rPr lang="fr-FR" sz="1100" dirty="0">
+                <a:latin typeface="Calibri" panose="020F0502020204030204" pitchFamily="34" charset="0"/>
+                <a:cs typeface="Calibri" panose="020F0502020204030204" pitchFamily="34" charset="0"/>
+              </a:rPr>
+              <a:t> </a:t>
+            </a:r>
+            <a:r>
+              <a:rPr lang="fr-FR" sz="1100" i="1" dirty="0">
+                <a:latin typeface="Calibri" panose="020F0502020204030204" pitchFamily="34" charset="0"/>
+                <a:cs typeface="Calibri" panose="020F0502020204030204" pitchFamily="34" charset="0"/>
+              </a:rPr>
+              <a:t>&lt;</a:t>
+            </a:r>
+            <a:r>
+              <a:rPr lang="fr-FR" sz="1100" i="1" dirty="0" err="1">
+                <a:latin typeface="Calibri" panose="020F0502020204030204" pitchFamily="34" charset="0"/>
+                <a:cs typeface="Calibri" panose="020F0502020204030204" pitchFamily="34" charset="0"/>
+              </a:rPr>
+              <a:t>link</a:t>
+            </a:r>
+            <a:r>
+              <a:rPr lang="fr-FR" sz="1100" i="1" dirty="0">
+                <a:latin typeface="Calibri" panose="020F0502020204030204" pitchFamily="34" charset="0"/>
+                <a:cs typeface="Calibri" panose="020F0502020204030204" pitchFamily="34" charset="0"/>
+              </a:rPr>
+              <a:t> rel="</a:t>
+            </a:r>
+            <a:r>
+              <a:rPr lang="fr-FR" sz="1100" i="1" dirty="0" err="1">
+                <a:latin typeface="Calibri" panose="020F0502020204030204" pitchFamily="34" charset="0"/>
+                <a:cs typeface="Calibri" panose="020F0502020204030204" pitchFamily="34" charset="0"/>
+              </a:rPr>
+              <a:t>stylesheet</a:t>
+            </a:r>
+            <a:r>
+              <a:rPr lang="fr-FR" sz="1100" i="1" dirty="0">
+                <a:latin typeface="Calibri" panose="020F0502020204030204" pitchFamily="34" charset="0"/>
+                <a:cs typeface="Calibri" panose="020F0502020204030204" pitchFamily="34" charset="0"/>
+              </a:rPr>
+              <a:t>" type="</a:t>
+            </a:r>
+            <a:r>
+              <a:rPr lang="fr-FR" sz="1100" i="1" dirty="0" err="1">
+                <a:latin typeface="Calibri" panose="020F0502020204030204" pitchFamily="34" charset="0"/>
+                <a:cs typeface="Calibri" panose="020F0502020204030204" pitchFamily="34" charset="0"/>
+              </a:rPr>
+              <a:t>text</a:t>
+            </a:r>
+            <a:r>
+              <a:rPr lang="fr-FR" sz="1100" i="1" dirty="0">
+                <a:latin typeface="Calibri" panose="020F0502020204030204" pitchFamily="34" charset="0"/>
+                <a:cs typeface="Calibri" panose="020F0502020204030204" pitchFamily="34" charset="0"/>
+              </a:rPr>
+              <a:t>/</a:t>
+            </a:r>
+            <a:r>
+              <a:rPr lang="fr-FR" sz="1100" i="1" dirty="0" err="1">
+                <a:latin typeface="Calibri" panose="020F0502020204030204" pitchFamily="34" charset="0"/>
+                <a:cs typeface="Calibri" panose="020F0502020204030204" pitchFamily="34" charset="0"/>
+              </a:rPr>
+              <a:t>css</a:t>
+            </a:r>
+            <a:r>
+              <a:rPr lang="fr-FR" sz="1100" i="1" dirty="0">
+                <a:latin typeface="Calibri" panose="020F0502020204030204" pitchFamily="34" charset="0"/>
+                <a:cs typeface="Calibri" panose="020F0502020204030204" pitchFamily="34" charset="0"/>
+              </a:rPr>
+              <a:t>" href="</a:t>
+            </a:r>
+            <a:r>
+              <a:rPr lang="fr-FR" sz="1100" i="1" dirty="0" err="1">
+                <a:latin typeface="Calibri" panose="020F0502020204030204" pitchFamily="34" charset="0"/>
+                <a:cs typeface="Calibri" panose="020F0502020204030204" pitchFamily="34" charset="0"/>
+              </a:rPr>
+              <a:t>css</a:t>
+            </a:r>
+            <a:r>
+              <a:rPr lang="fr-FR" sz="1100" i="1" dirty="0">
+                <a:latin typeface="Calibri" panose="020F0502020204030204" pitchFamily="34" charset="0"/>
+                <a:cs typeface="Calibri" panose="020F0502020204030204" pitchFamily="34" charset="0"/>
+              </a:rPr>
+              <a:t>/index.css"&gt; indique l’utilisation vers une ressource externe qui est dans notre cas la feuille de style CSS.</a:t>
+            </a:r>
+            <a:endParaRPr lang="fr-FR" sz="1100" dirty="0">
+              <a:latin typeface="Calibri" panose="020F0502020204030204" pitchFamily="34" charset="0"/>
+              <a:cs typeface="Calibri" panose="020F0502020204030204" pitchFamily="34" charset="0"/>
+            </a:endParaRPr>
+          </a:p>
+          <a:p>
+            <a:endParaRPr lang="fr-FR" sz="1100" dirty="0"/>
+          </a:p>
+        </p:txBody>
+      </p:sp>
+      <p:sp>
+        <p:nvSpPr>
+          <p:cNvPr id="12" name="ZoneTexte 11">
+            <a:extLst>
+              <a:ext uri="{FF2B5EF4-FFF2-40B4-BE49-F238E27FC236}">
+                <a16:creationId xmlns:a16="http://schemas.microsoft.com/office/drawing/2014/main" id="{55098AFB-0B44-4CE9-9833-7727BA22B154}"/>
+              </a:ext>
+            </a:extLst>
+          </p:cNvPr>
+          <p:cNvSpPr txBox="1"/>
+          <p:nvPr/>
+        </p:nvSpPr>
+        <p:spPr>
+          <a:xfrm>
+            <a:off x="680321" y="5466135"/>
+            <a:ext cx="10319032" cy="938719"/>
+          </a:xfrm>
+          <a:prstGeom prst="rect">
+            <a:avLst/>
+          </a:prstGeom>
+          <a:noFill/>
+        </p:spPr>
+        <p:txBody>
+          <a:bodyPr wrap="square" rtlCol="0">
+            <a:spAutoFit/>
+          </a:bodyPr>
+          <a:lstStyle/>
+          <a:p>
+            <a:r>
+              <a:rPr lang="fr-FR" sz="1100" i="1" dirty="0">
+                <a:latin typeface="Calibri" panose="020F0502020204030204" pitchFamily="34" charset="0"/>
+                <a:ea typeface="Calibri" panose="020F0502020204030204" pitchFamily="34" charset="0"/>
+                <a:cs typeface="Calibri" panose="020F0502020204030204" pitchFamily="34" charset="0"/>
+              </a:rPr>
+              <a:t>&lt;script </a:t>
+            </a:r>
+            <a:r>
+              <a:rPr lang="fr-FR" sz="1100" i="1" dirty="0" err="1">
+                <a:latin typeface="Calibri" panose="020F0502020204030204" pitchFamily="34" charset="0"/>
+                <a:ea typeface="Calibri" panose="020F0502020204030204" pitchFamily="34" charset="0"/>
+                <a:cs typeface="Calibri" panose="020F0502020204030204" pitchFamily="34" charset="0"/>
+              </a:rPr>
+              <a:t>defer</a:t>
+            </a:r>
+            <a:r>
+              <a:rPr lang="fr-FR" sz="1100" i="1" dirty="0">
+                <a:latin typeface="Calibri" panose="020F0502020204030204" pitchFamily="34" charset="0"/>
+                <a:ea typeface="Calibri" panose="020F0502020204030204" pitchFamily="34" charset="0"/>
+                <a:cs typeface="Calibri" panose="020F0502020204030204" pitchFamily="34" charset="0"/>
+              </a:rPr>
+              <a:t> type="</a:t>
+            </a:r>
+            <a:r>
+              <a:rPr lang="fr-FR" sz="1100" i="1" dirty="0" err="1">
+                <a:latin typeface="Calibri" panose="020F0502020204030204" pitchFamily="34" charset="0"/>
+                <a:ea typeface="Calibri" panose="020F0502020204030204" pitchFamily="34" charset="0"/>
+                <a:cs typeface="Calibri" panose="020F0502020204030204" pitchFamily="34" charset="0"/>
+              </a:rPr>
+              <a:t>text</a:t>
+            </a:r>
+            <a:r>
+              <a:rPr lang="fr-FR" sz="1100" i="1" dirty="0">
+                <a:latin typeface="Calibri" panose="020F0502020204030204" pitchFamily="34" charset="0"/>
+                <a:ea typeface="Calibri" panose="020F0502020204030204" pitchFamily="34" charset="0"/>
+                <a:cs typeface="Calibri" panose="020F0502020204030204" pitchFamily="34" charset="0"/>
+              </a:rPr>
+              <a:t>/javascript" src="</a:t>
+            </a:r>
+            <a:r>
+              <a:rPr lang="fr-FR" sz="1100" i="1" dirty="0" err="1">
+                <a:latin typeface="Calibri" panose="020F0502020204030204" pitchFamily="34" charset="0"/>
+                <a:ea typeface="Calibri" panose="020F0502020204030204" pitchFamily="34" charset="0"/>
+                <a:cs typeface="Calibri" panose="020F0502020204030204" pitchFamily="34" charset="0"/>
+              </a:rPr>
+              <a:t>js</a:t>
+            </a:r>
+            <a:r>
+              <a:rPr lang="fr-FR" sz="1100" i="1" dirty="0">
+                <a:latin typeface="Calibri" panose="020F0502020204030204" pitchFamily="34" charset="0"/>
+                <a:ea typeface="Calibri" panose="020F0502020204030204" pitchFamily="34" charset="0"/>
+                <a:cs typeface="Calibri" panose="020F0502020204030204" pitchFamily="34" charset="0"/>
+              </a:rPr>
+              <a:t>/jquery-3.4.1.js"&gt;&lt;/script&gt;</a:t>
+            </a:r>
+          </a:p>
+          <a:p>
+            <a:r>
+              <a:rPr lang="fr-FR" sz="1100" i="1" dirty="0">
+                <a:latin typeface="Calibri" panose="020F0502020204030204" pitchFamily="34" charset="0"/>
+                <a:ea typeface="Calibri" panose="020F0502020204030204" pitchFamily="34" charset="0"/>
+                <a:cs typeface="Calibri" panose="020F0502020204030204" pitchFamily="34" charset="0"/>
+              </a:rPr>
+              <a:t>  &lt;script </a:t>
+            </a:r>
+            <a:r>
+              <a:rPr lang="fr-FR" sz="1100" i="1" dirty="0" err="1">
+                <a:latin typeface="Calibri" panose="020F0502020204030204" pitchFamily="34" charset="0"/>
+                <a:ea typeface="Calibri" panose="020F0502020204030204" pitchFamily="34" charset="0"/>
+                <a:cs typeface="Calibri" panose="020F0502020204030204" pitchFamily="34" charset="0"/>
+              </a:rPr>
+              <a:t>defer</a:t>
+            </a:r>
+            <a:r>
+              <a:rPr lang="fr-FR" sz="1100" i="1" dirty="0">
+                <a:latin typeface="Calibri" panose="020F0502020204030204" pitchFamily="34" charset="0"/>
+                <a:ea typeface="Calibri" panose="020F0502020204030204" pitchFamily="34" charset="0"/>
+                <a:cs typeface="Calibri" panose="020F0502020204030204" pitchFamily="34" charset="0"/>
+              </a:rPr>
+              <a:t> type="</a:t>
+            </a:r>
+            <a:r>
+              <a:rPr lang="fr-FR" sz="1100" i="1" dirty="0" err="1">
+                <a:latin typeface="Calibri" panose="020F0502020204030204" pitchFamily="34" charset="0"/>
+                <a:ea typeface="Calibri" panose="020F0502020204030204" pitchFamily="34" charset="0"/>
+                <a:cs typeface="Calibri" panose="020F0502020204030204" pitchFamily="34" charset="0"/>
+              </a:rPr>
+              <a:t>text</a:t>
+            </a:r>
+            <a:r>
+              <a:rPr lang="fr-FR" sz="1100" i="1" dirty="0">
+                <a:latin typeface="Calibri" panose="020F0502020204030204" pitchFamily="34" charset="0"/>
+                <a:ea typeface="Calibri" panose="020F0502020204030204" pitchFamily="34" charset="0"/>
+                <a:cs typeface="Calibri" panose="020F0502020204030204" pitchFamily="34" charset="0"/>
+              </a:rPr>
+              <a:t>/javascript" src="</a:t>
+            </a:r>
+            <a:r>
+              <a:rPr lang="fr-FR" sz="1100" i="1" dirty="0" err="1">
+                <a:latin typeface="Calibri" panose="020F0502020204030204" pitchFamily="34" charset="0"/>
+                <a:ea typeface="Calibri" panose="020F0502020204030204" pitchFamily="34" charset="0"/>
+                <a:cs typeface="Calibri" panose="020F0502020204030204" pitchFamily="34" charset="0"/>
+              </a:rPr>
+              <a:t>js</a:t>
+            </a:r>
+            <a:r>
+              <a:rPr lang="fr-FR" sz="1100" i="1" dirty="0">
+                <a:latin typeface="Calibri" panose="020F0502020204030204" pitchFamily="34" charset="0"/>
+                <a:ea typeface="Calibri" panose="020F0502020204030204" pitchFamily="34" charset="0"/>
+                <a:cs typeface="Calibri" panose="020F0502020204030204" pitchFamily="34" charset="0"/>
+              </a:rPr>
+              <a:t>/index.js"&gt;&lt;/script&gt;</a:t>
+            </a:r>
+          </a:p>
+          <a:p>
+            <a:r>
+              <a:rPr lang="fr-FR" sz="1100" i="1" dirty="0">
+                <a:latin typeface="Calibri" panose="020F0502020204030204" pitchFamily="34" charset="0"/>
+                <a:ea typeface="Calibri" panose="020F0502020204030204" pitchFamily="34" charset="0"/>
+                <a:cs typeface="Calibri" panose="020F0502020204030204" pitchFamily="34" charset="0"/>
+              </a:rPr>
+              <a:t>va définir le chargement et le lancement de l’interprétation du code javascript, l’attribut </a:t>
+            </a:r>
+            <a:r>
+              <a:rPr lang="fr-FR" sz="1100" i="1" dirty="0" err="1">
+                <a:latin typeface="Calibri" panose="020F0502020204030204" pitchFamily="34" charset="0"/>
+                <a:ea typeface="Calibri" panose="020F0502020204030204" pitchFamily="34" charset="0"/>
+                <a:cs typeface="Calibri" panose="020F0502020204030204" pitchFamily="34" charset="0"/>
+              </a:rPr>
+              <a:t>defer</a:t>
+            </a:r>
+            <a:r>
+              <a:rPr lang="fr-FR" sz="1100" i="1" dirty="0">
+                <a:latin typeface="Calibri" panose="020F0502020204030204" pitchFamily="34" charset="0"/>
+                <a:ea typeface="Calibri" panose="020F0502020204030204" pitchFamily="34" charset="0"/>
+                <a:cs typeface="Calibri" panose="020F0502020204030204" pitchFamily="34" charset="0"/>
+              </a:rPr>
+              <a:t> signifie que le navigateur peut charger des scripts en parallèle sans stopper le rendu de la page HTML, la balise script met en attente le moteur HTML/CSS</a:t>
+            </a:r>
+            <a:r>
+              <a:rPr lang="fr-FR" sz="1100" dirty="0">
+                <a:latin typeface="Calibri" panose="020F0502020204030204" pitchFamily="34" charset="0"/>
+                <a:ea typeface="Calibri" panose="020F0502020204030204" pitchFamily="34" charset="0"/>
+                <a:cs typeface="Calibri" panose="020F0502020204030204" pitchFamily="34" charset="0"/>
+              </a:rPr>
+              <a:t>, </a:t>
+            </a:r>
+            <a:r>
+              <a:rPr lang="fr-FR" sz="1100" i="1" dirty="0">
+                <a:latin typeface="Calibri" panose="020F0502020204030204" pitchFamily="34" charset="0"/>
+                <a:ea typeface="Calibri" panose="020F0502020204030204" pitchFamily="34" charset="0"/>
+                <a:cs typeface="Calibri" panose="020F0502020204030204" pitchFamily="34" charset="0"/>
+              </a:rPr>
+              <a:t>car le navigateur ne sait pas si le code JavaScript va contenir des instructions spécifiques à exécuter immédiatement les requêtes sont effectuer d’abord coté serveur pour chaque fichier javascript externe, ce qui ralenti le chargement</a:t>
+            </a:r>
+            <a:endParaRPr lang="fr-FR" sz="1100" dirty="0">
+              <a:latin typeface="Calibri" panose="020F0502020204030204" pitchFamily="34" charset="0"/>
+              <a:cs typeface="Calibri" panose="020F0502020204030204" pitchFamily="34" charset="0"/>
+            </a:endParaRPr>
+          </a:p>
+        </p:txBody>
+      </p:sp>
+    </p:spTree>
+    <p:extLst>
+      <p:ext uri="{BB962C8B-B14F-4D97-AF65-F5344CB8AC3E}">
+        <p14:creationId xmlns:p14="http://schemas.microsoft.com/office/powerpoint/2010/main" val="1279116463"/>
+      </p:ext>
+    </p:extLst>
+  </p:cSld>
+  <p:clrMapOvr>
+    <a:masterClrMapping/>
+  </p:clrMapOvr>
+</p:sld>
+</file>
+
+<file path=ppt/slides/slide18.xml><?xml version="1.0" encoding="utf-8"?>
+<p:sld xmlns:a="http://schemas.openxmlformats.org/drawingml/2006/main" xmlns:r="http://schemas.openxmlformats.org/officeDocument/2006/relationships" xmlns:p="http://schemas.openxmlformats.org/presentationml/2006/main">
+  <p:cSld>
+    <p:spTree>
+      <p:nvGrpSpPr>
+        <p:cNvPr id="1" name=""/>
+        <p:cNvGrpSpPr/>
+        <p:nvPr/>
+      </p:nvGrpSpPr>
+      <p:grpSpPr>
+        <a:xfrm>
+          <a:off x="0" y="0"/>
+          <a:ext cx="0" cy="0"/>
+          <a:chOff x="0" y="0"/>
+          <a:chExt cx="0" cy="0"/>
+        </a:xfrm>
+      </p:grpSpPr>
+      <p:sp>
+        <p:nvSpPr>
+          <p:cNvPr id="5" name="Espace réservé du contenu 2">
+            <a:extLst>
+              <a:ext uri="{FF2B5EF4-FFF2-40B4-BE49-F238E27FC236}">
+                <a16:creationId xmlns:a16="http://schemas.microsoft.com/office/drawing/2014/main" id="{B1CC9A23-14CA-4E2C-ACBA-04477198819C}"/>
+              </a:ext>
+            </a:extLst>
+          </p:cNvPr>
+          <p:cNvSpPr txBox="1">
+            <a:spLocks/>
+          </p:cNvSpPr>
+          <p:nvPr/>
+        </p:nvSpPr>
+        <p:spPr>
+          <a:xfrm>
+            <a:off x="695325" y="542925"/>
+            <a:ext cx="9718001" cy="2600325"/>
+          </a:xfrm>
+          <a:prstGeom prst="rect">
+            <a:avLst/>
+          </a:prstGeom>
+        </p:spPr>
+        <p:txBody>
+          <a:bodyPr>
+            <a:normAutofit/>
+          </a:bodyPr>
+          <a:lstStyle>
+            <a:lvl1pPr marL="228600" indent="-228600" algn="l" defTabSz="914400" rtl="0" eaLnBrk="1" latinLnBrk="0" hangingPunct="1">
+              <a:lnSpc>
+                <a:spcPct val="90000"/>
+              </a:lnSpc>
+              <a:spcBef>
+                <a:spcPts val="1000"/>
+              </a:spcBef>
+              <a:buFont typeface="Arial" panose="020B0604020202020204" pitchFamily="34" charset="0"/>
+              <a:buChar char="•"/>
+              <a:defRPr sz="2400" kern="1200">
+                <a:solidFill>
+                  <a:schemeClr val="tx1"/>
+                </a:solidFill>
+                <a:latin typeface="+mn-lt"/>
+                <a:ea typeface="+mn-ea"/>
+                <a:cs typeface="+mn-cs"/>
+              </a:defRPr>
+            </a:lvl1pPr>
+            <a:lvl2pPr marL="685800" indent="-228600" algn="l" defTabSz="914400" rtl="0" eaLnBrk="1" latinLnBrk="0" hangingPunct="1">
+              <a:lnSpc>
+                <a:spcPct val="90000"/>
+              </a:lnSpc>
+              <a:spcBef>
+                <a:spcPts val="500"/>
+              </a:spcBef>
+              <a:buFont typeface="Arial" panose="020B0604020202020204" pitchFamily="34" charset="0"/>
+              <a:buChar char="•"/>
+              <a:defRPr sz="2000" kern="1200">
+                <a:solidFill>
+                  <a:schemeClr val="tx1"/>
+                </a:solidFill>
+                <a:latin typeface="+mn-lt"/>
+                <a:ea typeface="+mn-ea"/>
+                <a:cs typeface="+mn-cs"/>
+              </a:defRPr>
+            </a:lvl2pPr>
+            <a:lvl3pPr marL="1143000" indent="-228600" algn="l" defTabSz="914400" rtl="0" eaLnBrk="1" latinLnBrk="0" hangingPunct="1">
+              <a:lnSpc>
+                <a:spcPct val="90000"/>
+              </a:lnSpc>
+              <a:spcBef>
+                <a:spcPts val="500"/>
+              </a:spcBef>
+              <a:buFont typeface="Arial" panose="020B0604020202020204" pitchFamily="34" charset="0"/>
+              <a:buChar char="•"/>
+              <a:defRPr sz="1800" kern="1200">
+                <a:solidFill>
+                  <a:schemeClr val="tx1"/>
+                </a:solidFill>
+                <a:latin typeface="+mn-lt"/>
+                <a:ea typeface="+mn-ea"/>
+                <a:cs typeface="+mn-cs"/>
+              </a:defRPr>
+            </a:lvl3pPr>
+            <a:lvl4pPr marL="1600200" indent="-228600" algn="l" defTabSz="914400" rtl="0" eaLnBrk="1" latinLnBrk="0" hangingPunct="1">
+              <a:lnSpc>
+                <a:spcPct val="90000"/>
+              </a:lnSpc>
+              <a:spcBef>
+                <a:spcPts val="500"/>
+              </a:spcBef>
+              <a:buFont typeface="Arial" panose="020B0604020202020204" pitchFamily="34" charset="0"/>
+              <a:buChar char="•"/>
+              <a:defRPr sz="1600" kern="1200">
+                <a:solidFill>
+                  <a:schemeClr val="tx1"/>
+                </a:solidFill>
+                <a:latin typeface="+mn-lt"/>
+                <a:ea typeface="+mn-ea"/>
+                <a:cs typeface="+mn-cs"/>
+              </a:defRPr>
+            </a:lvl4pPr>
+            <a:lvl5pPr marL="2057400" indent="-228600" algn="l" defTabSz="914400" rtl="0" eaLnBrk="1" latinLnBrk="0" hangingPunct="1">
+              <a:lnSpc>
+                <a:spcPct val="90000"/>
+              </a:lnSpc>
+              <a:spcBef>
+                <a:spcPts val="500"/>
+              </a:spcBef>
+              <a:buFont typeface="Arial" panose="020B0604020202020204" pitchFamily="34" charset="0"/>
+              <a:buChar char="•"/>
+              <a:defRPr sz="1600" kern="1200">
+                <a:solidFill>
+                  <a:schemeClr val="tx1"/>
+                </a:solidFill>
+                <a:latin typeface="+mn-lt"/>
+                <a:ea typeface="+mn-ea"/>
+                <a:cs typeface="+mn-cs"/>
+              </a:defRPr>
+            </a:lvl5pPr>
+            <a:lvl6pPr marL="2514600" indent="-228600" algn="l" defTabSz="914400" rtl="0" eaLnBrk="1" latinLnBrk="0" hangingPunct="1">
+              <a:lnSpc>
+                <a:spcPct val="90000"/>
+              </a:lnSpc>
+              <a:spcBef>
+                <a:spcPts val="500"/>
+              </a:spcBef>
+              <a:buFont typeface="Arial" panose="020B0604020202020204" pitchFamily="34" charset="0"/>
+              <a:buChar char="•"/>
+              <a:defRPr sz="1400" kern="1200">
+                <a:solidFill>
+                  <a:schemeClr val="tx1"/>
+                </a:solidFill>
+                <a:latin typeface="+mn-lt"/>
+                <a:ea typeface="+mn-ea"/>
+                <a:cs typeface="+mn-cs"/>
+              </a:defRPr>
+            </a:lvl6pPr>
+            <a:lvl7pPr marL="2971800" indent="-228600" algn="l" defTabSz="914400" rtl="0" eaLnBrk="1" latinLnBrk="0" hangingPunct="1">
+              <a:lnSpc>
+                <a:spcPct val="90000"/>
+              </a:lnSpc>
+              <a:spcBef>
+                <a:spcPts val="500"/>
+              </a:spcBef>
+              <a:buFont typeface="Arial" panose="020B0604020202020204" pitchFamily="34" charset="0"/>
+              <a:buChar char="•"/>
+              <a:defRPr sz="1400" kern="1200">
+                <a:solidFill>
+                  <a:schemeClr val="tx1"/>
+                </a:solidFill>
+                <a:latin typeface="+mn-lt"/>
+                <a:ea typeface="+mn-ea"/>
+                <a:cs typeface="+mn-cs"/>
+              </a:defRPr>
+            </a:lvl7pPr>
+            <a:lvl8pPr marL="3429000" indent="-228600" algn="l" defTabSz="914400" rtl="0" eaLnBrk="1" latinLnBrk="0" hangingPunct="1">
+              <a:lnSpc>
+                <a:spcPct val="90000"/>
+              </a:lnSpc>
+              <a:spcBef>
+                <a:spcPts val="500"/>
+              </a:spcBef>
+              <a:buFont typeface="Arial" panose="020B0604020202020204" pitchFamily="34" charset="0"/>
+              <a:buChar char="•"/>
+              <a:defRPr sz="1400" kern="1200">
+                <a:solidFill>
+                  <a:schemeClr val="tx1"/>
+                </a:solidFill>
+                <a:latin typeface="+mn-lt"/>
+                <a:ea typeface="+mn-ea"/>
+                <a:cs typeface="+mn-cs"/>
+              </a:defRPr>
+            </a:lvl8pPr>
+            <a:lvl9pPr marL="3886200" indent="-228600" algn="l" defTabSz="914400" rtl="0" eaLnBrk="1" latinLnBrk="0" hangingPunct="1">
+              <a:lnSpc>
+                <a:spcPct val="90000"/>
+              </a:lnSpc>
+              <a:spcBef>
+                <a:spcPts val="500"/>
+              </a:spcBef>
+              <a:buFont typeface="Arial" panose="020B0604020202020204" pitchFamily="34" charset="0"/>
+              <a:buChar char="•"/>
+              <a:defRPr sz="1400" kern="1200">
+                <a:solidFill>
+                  <a:schemeClr val="tx1"/>
+                </a:solidFill>
+                <a:latin typeface="+mn-lt"/>
+                <a:ea typeface="+mn-ea"/>
+                <a:cs typeface="+mn-cs"/>
+              </a:defRPr>
+            </a:lvl9pPr>
+          </a:lstStyle>
+          <a:p>
+            <a:r>
+              <a:rPr lang="fr-FR" dirty="0"/>
+              <a:t>Ecran de bienvenue</a:t>
+            </a:r>
+          </a:p>
+          <a:p>
+            <a:endParaRPr lang="fr-FR" dirty="0"/>
+          </a:p>
+          <a:p>
+            <a:endParaRPr lang="fr-FR" dirty="0"/>
+          </a:p>
+          <a:p>
+            <a:endParaRPr lang="fr-FR" dirty="0"/>
+          </a:p>
+          <a:p>
+            <a:pPr marL="0" indent="0">
+              <a:buNone/>
+            </a:pPr>
+            <a:r>
+              <a:rPr lang="fr-FR" sz="1200" dirty="0">
+                <a:latin typeface="Calibri" panose="020F0502020204030204" pitchFamily="34" charset="0"/>
+                <a:cs typeface="Calibri" panose="020F0502020204030204" pitchFamily="34" charset="0"/>
+              </a:rPr>
+              <a:t>Une div class de type </a:t>
+            </a:r>
+            <a:r>
+              <a:rPr lang="fr-FR" sz="1200" dirty="0" err="1">
+                <a:latin typeface="Calibri" panose="020F0502020204030204" pitchFamily="34" charset="0"/>
+                <a:cs typeface="Calibri" panose="020F0502020204030204" pitchFamily="34" charset="0"/>
+              </a:rPr>
+              <a:t>splash</a:t>
+            </a:r>
+            <a:r>
+              <a:rPr lang="fr-FR" sz="1200" dirty="0">
+                <a:latin typeface="Calibri" panose="020F0502020204030204" pitchFamily="34" charset="0"/>
+                <a:cs typeface="Calibri" panose="020F0502020204030204" pitchFamily="34" charset="0"/>
+              </a:rPr>
+              <a:t> screen (un écran d’attente) dans laquelle on mettra une seconde div qui contiendra le logo de l’association</a:t>
+            </a:r>
+            <a:r>
+              <a:rPr lang="fr-FR" sz="1200" dirty="0"/>
+              <a:t>..</a:t>
+            </a:r>
+          </a:p>
+          <a:p>
+            <a:endParaRPr lang="fr-FR" sz="1200" dirty="0"/>
+          </a:p>
+          <a:p>
+            <a:endParaRPr lang="fr-FR" sz="1100" dirty="0"/>
+          </a:p>
+        </p:txBody>
+      </p:sp>
+      <p:pic>
+        <p:nvPicPr>
+          <p:cNvPr id="6" name="Image 5">
+            <a:extLst>
+              <a:ext uri="{FF2B5EF4-FFF2-40B4-BE49-F238E27FC236}">
+                <a16:creationId xmlns:a16="http://schemas.microsoft.com/office/drawing/2014/main" id="{65A57486-3110-44AD-8965-0BA8C32DBF94}"/>
+              </a:ext>
+            </a:extLst>
+          </p:cNvPr>
+          <p:cNvPicPr/>
+          <p:nvPr/>
+        </p:nvPicPr>
+        <p:blipFill>
+          <a:blip r:embed="rId2">
+            <a:extLst>
+              <a:ext uri="{28A0092B-C50C-407E-A947-70E740481C1C}">
+                <a14:useLocalDpi xmlns:a14="http://schemas.microsoft.com/office/drawing/2010/main" val="0"/>
+              </a:ext>
+            </a:extLst>
+          </a:blip>
+          <a:stretch>
+            <a:fillRect/>
+          </a:stretch>
+        </p:blipFill>
+        <p:spPr>
+          <a:xfrm>
+            <a:off x="785494" y="1042988"/>
+            <a:ext cx="8291831" cy="1223962"/>
+          </a:xfrm>
+          <a:prstGeom prst="rect">
+            <a:avLst/>
+          </a:prstGeom>
+        </p:spPr>
+      </p:pic>
+      <p:pic>
+        <p:nvPicPr>
+          <p:cNvPr id="8" name="Image 7">
+            <a:extLst>
+              <a:ext uri="{FF2B5EF4-FFF2-40B4-BE49-F238E27FC236}">
+                <a16:creationId xmlns:a16="http://schemas.microsoft.com/office/drawing/2014/main" id="{8D68001B-4CC6-464E-8573-11025874CF5B}"/>
+              </a:ext>
+            </a:extLst>
+          </p:cNvPr>
+          <p:cNvPicPr>
+            <a:picLocks noChangeAspect="1"/>
+          </p:cNvPicPr>
+          <p:nvPr/>
+        </p:nvPicPr>
+        <p:blipFill>
+          <a:blip r:embed="rId3"/>
+          <a:stretch>
+            <a:fillRect/>
+          </a:stretch>
+        </p:blipFill>
+        <p:spPr>
+          <a:xfrm>
+            <a:off x="785494" y="3211440"/>
+            <a:ext cx="6449416" cy="3217935"/>
+          </a:xfrm>
+          <a:prstGeom prst="rect">
+            <a:avLst/>
+          </a:prstGeom>
+        </p:spPr>
+      </p:pic>
+      <p:sp>
+        <p:nvSpPr>
+          <p:cNvPr id="16" name="ZoneTexte 15">
+            <a:extLst>
+              <a:ext uri="{FF2B5EF4-FFF2-40B4-BE49-F238E27FC236}">
+                <a16:creationId xmlns:a16="http://schemas.microsoft.com/office/drawing/2014/main" id="{44A97DA7-93C1-47B8-87F8-8A5B24491AD0}"/>
+              </a:ext>
+            </a:extLst>
+          </p:cNvPr>
+          <p:cNvSpPr txBox="1"/>
+          <p:nvPr/>
+        </p:nvSpPr>
+        <p:spPr>
+          <a:xfrm>
+            <a:off x="7391400" y="3230490"/>
+            <a:ext cx="4543425" cy="461665"/>
+          </a:xfrm>
+          <a:prstGeom prst="rect">
+            <a:avLst/>
+          </a:prstGeom>
+          <a:noFill/>
+        </p:spPr>
+        <p:txBody>
+          <a:bodyPr wrap="square" rtlCol="0">
+            <a:spAutoFit/>
+          </a:bodyPr>
+          <a:lstStyle/>
+          <a:p>
+            <a:r>
+              <a:rPr lang="fr-FR" sz="1200" dirty="0"/>
+              <a:t>Nous utilisons une disposition de type grille pour afficher le logo et le centrer </a:t>
+            </a:r>
+          </a:p>
+        </p:txBody>
+      </p:sp>
+    </p:spTree>
+    <p:extLst>
+      <p:ext uri="{BB962C8B-B14F-4D97-AF65-F5344CB8AC3E}">
+        <p14:creationId xmlns:p14="http://schemas.microsoft.com/office/powerpoint/2010/main" val="2516301602"/>
+      </p:ext>
+    </p:extLst>
+  </p:cSld>
+  <p:clrMapOvr>
+    <a:masterClrMapping/>
+  </p:clrMapOvr>
+</p:sld>
+</file>
+
+<file path=ppt/slides/slide19.xml><?xml version="1.0" encoding="utf-8"?>
+<p:sld xmlns:a="http://schemas.openxmlformats.org/drawingml/2006/main" xmlns:r="http://schemas.openxmlformats.org/officeDocument/2006/relationships" xmlns:p="http://schemas.openxmlformats.org/presentationml/2006/main">
+  <p:cSld>
+    <p:spTree>
+      <p:nvGrpSpPr>
+        <p:cNvPr id="1" name=""/>
+        <p:cNvGrpSpPr/>
+        <p:nvPr/>
+      </p:nvGrpSpPr>
+      <p:grpSpPr>
+        <a:xfrm>
+          <a:off x="0" y="0"/>
+          <a:ext cx="0" cy="0"/>
+          <a:chOff x="0" y="0"/>
+          <a:chExt cx="0" cy="0"/>
+        </a:xfrm>
+      </p:grpSpPr>
+      <p:sp>
+        <p:nvSpPr>
+          <p:cNvPr id="3" name="Espace réservé du contenu 2">
+            <a:extLst>
+              <a:ext uri="{FF2B5EF4-FFF2-40B4-BE49-F238E27FC236}">
+                <a16:creationId xmlns:a16="http://schemas.microsoft.com/office/drawing/2014/main" id="{5F9CDA5A-E6FB-403F-BA2A-59881E89BE98}"/>
+              </a:ext>
+            </a:extLst>
+          </p:cNvPr>
+          <p:cNvSpPr>
+            <a:spLocks noGrp="1"/>
+          </p:cNvSpPr>
+          <p:nvPr>
+            <p:ph idx="4294967295"/>
+          </p:nvPr>
+        </p:nvSpPr>
+        <p:spPr>
+          <a:xfrm>
+            <a:off x="0" y="2336800"/>
+            <a:ext cx="9613900" cy="3683000"/>
+          </a:xfrm>
+        </p:spPr>
+        <p:txBody>
+          <a:bodyPr/>
+          <a:lstStyle/>
+          <a:p>
+            <a:pPr marL="0" indent="0">
+              <a:buNone/>
+            </a:pPr>
+            <a:r>
+              <a:rPr lang="fr-FR" dirty="0"/>
+              <a:t>						</a:t>
+            </a:r>
+          </a:p>
+          <a:p>
+            <a:endParaRPr lang="fr-FR" dirty="0"/>
+          </a:p>
+        </p:txBody>
+      </p:sp>
+      <p:sp>
+        <p:nvSpPr>
+          <p:cNvPr id="5" name="Rectangle 4">
+            <a:extLst>
+              <a:ext uri="{FF2B5EF4-FFF2-40B4-BE49-F238E27FC236}">
+                <a16:creationId xmlns:a16="http://schemas.microsoft.com/office/drawing/2014/main" id="{D16520C7-C1C3-4583-9360-8B3BF93030D4}"/>
+              </a:ext>
+            </a:extLst>
+          </p:cNvPr>
+          <p:cNvSpPr/>
+          <p:nvPr/>
+        </p:nvSpPr>
+        <p:spPr>
+          <a:xfrm>
+            <a:off x="383938" y="453509"/>
+            <a:ext cx="2137124" cy="369332"/>
+          </a:xfrm>
+          <a:prstGeom prst="rect">
+            <a:avLst/>
+          </a:prstGeom>
+        </p:spPr>
+        <p:txBody>
+          <a:bodyPr wrap="none">
+            <a:spAutoFit/>
+          </a:bodyPr>
+          <a:lstStyle/>
+          <a:p>
+            <a:r>
+              <a:rPr lang="fr-FR" dirty="0"/>
+              <a:t>Affichage principal</a:t>
+            </a:r>
+          </a:p>
+        </p:txBody>
+      </p:sp>
+      <p:pic>
+        <p:nvPicPr>
+          <p:cNvPr id="7" name="Image 6">
+            <a:extLst>
+              <a:ext uri="{FF2B5EF4-FFF2-40B4-BE49-F238E27FC236}">
+                <a16:creationId xmlns:a16="http://schemas.microsoft.com/office/drawing/2014/main" id="{71C639A0-9A02-40C4-9968-FADA7457BE76}"/>
+              </a:ext>
+            </a:extLst>
+          </p:cNvPr>
+          <p:cNvPicPr>
+            <a:picLocks noChangeAspect="1"/>
+          </p:cNvPicPr>
+          <p:nvPr/>
+        </p:nvPicPr>
+        <p:blipFill>
+          <a:blip r:embed="rId2"/>
+          <a:stretch>
+            <a:fillRect/>
+          </a:stretch>
+        </p:blipFill>
+        <p:spPr>
+          <a:xfrm>
+            <a:off x="498238" y="968911"/>
+            <a:ext cx="8862730" cy="3079214"/>
+          </a:xfrm>
+          <a:prstGeom prst="rect">
+            <a:avLst/>
+          </a:prstGeom>
+        </p:spPr>
+      </p:pic>
+      <p:sp>
+        <p:nvSpPr>
+          <p:cNvPr id="9" name="ZoneTexte 8">
+            <a:extLst>
+              <a:ext uri="{FF2B5EF4-FFF2-40B4-BE49-F238E27FC236}">
+                <a16:creationId xmlns:a16="http://schemas.microsoft.com/office/drawing/2014/main" id="{33516A11-12C5-4EB6-B667-78AF634BCC1B}"/>
+              </a:ext>
+            </a:extLst>
+          </p:cNvPr>
+          <p:cNvSpPr txBox="1"/>
+          <p:nvPr/>
+        </p:nvSpPr>
+        <p:spPr>
+          <a:xfrm>
+            <a:off x="498238" y="4134763"/>
+            <a:ext cx="9198212" cy="1754326"/>
+          </a:xfrm>
+          <a:prstGeom prst="rect">
+            <a:avLst/>
+          </a:prstGeom>
+          <a:noFill/>
+        </p:spPr>
+        <p:txBody>
+          <a:bodyPr wrap="square" rtlCol="0">
+            <a:spAutoFit/>
+          </a:bodyPr>
+          <a:lstStyle/>
+          <a:p>
+            <a:r>
+              <a:rPr lang="fr-FR" dirty="0"/>
+              <a:t>Une div nommé « </a:t>
+            </a:r>
+            <a:r>
+              <a:rPr lang="fr-FR" dirty="0" err="1"/>
+              <a:t>titlebar</a:t>
+            </a:r>
+            <a:r>
+              <a:rPr lang="fr-FR" dirty="0"/>
+              <a:t> » a été créer pour inclure le titre de l’application balisé en &lt;h1&gt; et l’icône du menu hamburger permettant d’ouvrir la sidebar.</a:t>
+            </a:r>
+          </a:p>
+          <a:p>
+            <a:r>
+              <a:rPr lang="fr-FR" dirty="0"/>
+              <a:t>&lt;</a:t>
+            </a:r>
+            <a:r>
+              <a:rPr lang="fr-FR" dirty="0" err="1"/>
+              <a:t>img</a:t>
+            </a:r>
+            <a:r>
+              <a:rPr lang="fr-FR" dirty="0"/>
+              <a:t> </a:t>
+            </a:r>
+            <a:r>
+              <a:rPr lang="fr-FR" dirty="0" err="1"/>
+              <a:t>onclick</a:t>
+            </a:r>
+            <a:r>
+              <a:rPr lang="fr-FR" dirty="0"/>
+              <a:t>="</a:t>
+            </a:r>
+            <a:r>
+              <a:rPr lang="fr-FR" dirty="0" err="1"/>
+              <a:t>affMenu</a:t>
+            </a:r>
+            <a:r>
+              <a:rPr lang="fr-FR" dirty="0"/>
+              <a:t>()" class="</a:t>
+            </a:r>
+            <a:r>
+              <a:rPr lang="fr-FR" dirty="0" err="1"/>
+              <a:t>button</a:t>
+            </a:r>
+            <a:r>
+              <a:rPr lang="fr-FR" dirty="0"/>
+              <a:t>-menu" src="</a:t>
+            </a:r>
+            <a:r>
+              <a:rPr lang="fr-FR" dirty="0" err="1"/>
+              <a:t>img</a:t>
+            </a:r>
+            <a:r>
+              <a:rPr lang="fr-FR" dirty="0"/>
+              <a:t>/menu.png" alt=""&gt; représente l’icone du menu hamburger avec sa fonction défini en Javascript.</a:t>
+            </a:r>
+          </a:p>
+          <a:p>
+            <a:r>
+              <a:rPr lang="fr-FR" dirty="0"/>
+              <a:t>La div de type « </a:t>
+            </a:r>
+            <a:r>
+              <a:rPr lang="fr-FR" dirty="0" err="1"/>
+              <a:t>navbar</a:t>
+            </a:r>
+            <a:r>
+              <a:rPr lang="fr-FR" dirty="0"/>
+              <a:t> » inclus les différentes rubriques sous forme de liste, le </a:t>
+            </a:r>
+            <a:r>
+              <a:rPr lang="fr-FR" dirty="0" err="1"/>
+              <a:t>selecteur</a:t>
+            </a:r>
+            <a:r>
+              <a:rPr lang="fr-FR" dirty="0"/>
+              <a:t> &lt;li&gt;  cliquable avec l’</a:t>
+            </a:r>
+            <a:r>
+              <a:rPr lang="fr-FR" dirty="0" err="1"/>
+              <a:t>élement</a:t>
+            </a:r>
+            <a:r>
+              <a:rPr lang="fr-FR" dirty="0"/>
+              <a:t> </a:t>
+            </a:r>
+            <a:r>
+              <a:rPr lang="fr-FR" dirty="0" err="1"/>
+              <a:t>onclick</a:t>
+            </a:r>
+            <a:r>
+              <a:rPr lang="fr-FR" dirty="0"/>
+              <a:t>.</a:t>
+            </a:r>
+          </a:p>
+        </p:txBody>
+      </p:sp>
+    </p:spTree>
+    <p:extLst>
+      <p:ext uri="{BB962C8B-B14F-4D97-AF65-F5344CB8AC3E}">
+        <p14:creationId xmlns:p14="http://schemas.microsoft.com/office/powerpoint/2010/main" val="2412866274"/>
       </p:ext>
     </p:extLst>
   </p:cSld>
@@ -9674,7 +11906,7 @@
           <a:p>
             <a:r>
               <a:rPr lang="fr-FR" dirty="0"/>
-              <a:t>FORMATION</a:t>
+              <a:t>FORMATIONS</a:t>
             </a:r>
           </a:p>
         </p:txBody>
@@ -9729,6 +11961,2111 @@
     <p:extLst>
       <p:ext uri="{BB962C8B-B14F-4D97-AF65-F5344CB8AC3E}">
         <p14:creationId xmlns:p14="http://schemas.microsoft.com/office/powerpoint/2010/main" val="3630154676"/>
+      </p:ext>
+    </p:extLst>
+  </p:cSld>
+  <p:clrMapOvr>
+    <a:masterClrMapping/>
+  </p:clrMapOvr>
+</p:sld>
+</file>
+
+<file path=ppt/slides/slide20.xml><?xml version="1.0" encoding="utf-8"?>
+<p:sld xmlns:a="http://schemas.openxmlformats.org/drawingml/2006/main" xmlns:r="http://schemas.openxmlformats.org/officeDocument/2006/relationships" xmlns:p="http://schemas.openxmlformats.org/presentationml/2006/main">
+  <p:cSld>
+    <p:spTree>
+      <p:nvGrpSpPr>
+        <p:cNvPr id="1" name=""/>
+        <p:cNvGrpSpPr/>
+        <p:nvPr/>
+      </p:nvGrpSpPr>
+      <p:grpSpPr>
+        <a:xfrm>
+          <a:off x="0" y="0"/>
+          <a:ext cx="0" cy="0"/>
+          <a:chOff x="0" y="0"/>
+          <a:chExt cx="0" cy="0"/>
+        </a:xfrm>
+      </p:grpSpPr>
+      <p:sp>
+        <p:nvSpPr>
+          <p:cNvPr id="4" name="ZoneTexte 3">
+            <a:extLst>
+              <a:ext uri="{FF2B5EF4-FFF2-40B4-BE49-F238E27FC236}">
+                <a16:creationId xmlns:a16="http://schemas.microsoft.com/office/drawing/2014/main" id="{90112784-7268-487A-9248-167D30467BFA}"/>
+              </a:ext>
+            </a:extLst>
+          </p:cNvPr>
+          <p:cNvSpPr txBox="1"/>
+          <p:nvPr/>
+        </p:nvSpPr>
+        <p:spPr>
+          <a:xfrm>
+            <a:off x="742950" y="790575"/>
+            <a:ext cx="184731" cy="369332"/>
+          </a:xfrm>
+          <a:prstGeom prst="rect">
+            <a:avLst/>
+          </a:prstGeom>
+          <a:noFill/>
+        </p:spPr>
+        <p:txBody>
+          <a:bodyPr wrap="none" rtlCol="0">
+            <a:spAutoFit/>
+          </a:bodyPr>
+          <a:lstStyle/>
+          <a:p>
+            <a:endParaRPr lang="fr-FR"/>
+          </a:p>
+        </p:txBody>
+      </p:sp>
+      <p:sp>
+        <p:nvSpPr>
+          <p:cNvPr id="5" name="ZoneTexte 4">
+            <a:extLst>
+              <a:ext uri="{FF2B5EF4-FFF2-40B4-BE49-F238E27FC236}">
+                <a16:creationId xmlns:a16="http://schemas.microsoft.com/office/drawing/2014/main" id="{92EC2D56-6AFE-45E9-9424-44B8EF4A9B87}"/>
+              </a:ext>
+            </a:extLst>
+          </p:cNvPr>
+          <p:cNvSpPr txBox="1"/>
+          <p:nvPr/>
+        </p:nvSpPr>
+        <p:spPr>
+          <a:xfrm>
+            <a:off x="742950" y="421243"/>
+            <a:ext cx="885825" cy="369332"/>
+          </a:xfrm>
+          <a:prstGeom prst="rect">
+            <a:avLst/>
+          </a:prstGeom>
+          <a:noFill/>
+        </p:spPr>
+        <p:txBody>
+          <a:bodyPr wrap="square" rtlCol="0">
+            <a:spAutoFit/>
+          </a:bodyPr>
+          <a:lstStyle/>
+          <a:p>
+            <a:r>
+              <a:rPr lang="fr-FR" dirty="0"/>
+              <a:t>CSS</a:t>
+            </a:r>
+          </a:p>
+        </p:txBody>
+      </p:sp>
+      <p:pic>
+        <p:nvPicPr>
+          <p:cNvPr id="6" name="Image 5">
+            <a:extLst>
+              <a:ext uri="{FF2B5EF4-FFF2-40B4-BE49-F238E27FC236}">
+                <a16:creationId xmlns:a16="http://schemas.microsoft.com/office/drawing/2014/main" id="{F5506208-D00E-4F56-BAD4-FFBA7AA03E77}"/>
+              </a:ext>
+            </a:extLst>
+          </p:cNvPr>
+          <p:cNvPicPr/>
+          <p:nvPr/>
+        </p:nvPicPr>
+        <p:blipFill>
+          <a:blip r:embed="rId2">
+            <a:extLst>
+              <a:ext uri="{28A0092B-C50C-407E-A947-70E740481C1C}">
+                <a14:useLocalDpi xmlns:a14="http://schemas.microsoft.com/office/drawing/2010/main" val="0"/>
+              </a:ext>
+            </a:extLst>
+          </a:blip>
+          <a:stretch>
+            <a:fillRect/>
+          </a:stretch>
+        </p:blipFill>
+        <p:spPr>
+          <a:xfrm>
+            <a:off x="742950" y="1159908"/>
+            <a:ext cx="4544378" cy="2697718"/>
+          </a:xfrm>
+          <a:prstGeom prst="rect">
+            <a:avLst/>
+          </a:prstGeom>
+        </p:spPr>
+      </p:pic>
+      <p:pic>
+        <p:nvPicPr>
+          <p:cNvPr id="7" name="Image 6">
+            <a:extLst>
+              <a:ext uri="{FF2B5EF4-FFF2-40B4-BE49-F238E27FC236}">
+                <a16:creationId xmlns:a16="http://schemas.microsoft.com/office/drawing/2014/main" id="{C5050B01-8D9B-45B3-B2EC-B9910386ED21}"/>
+              </a:ext>
+            </a:extLst>
+          </p:cNvPr>
+          <p:cNvPicPr/>
+          <p:nvPr/>
+        </p:nvPicPr>
+        <p:blipFill>
+          <a:blip r:embed="rId3">
+            <a:extLst>
+              <a:ext uri="{28A0092B-C50C-407E-A947-70E740481C1C}">
+                <a14:useLocalDpi xmlns:a14="http://schemas.microsoft.com/office/drawing/2010/main" val="0"/>
+              </a:ext>
+            </a:extLst>
+          </a:blip>
+          <a:stretch>
+            <a:fillRect/>
+          </a:stretch>
+        </p:blipFill>
+        <p:spPr>
+          <a:xfrm>
+            <a:off x="5934074" y="1159906"/>
+            <a:ext cx="3190875" cy="2697717"/>
+          </a:xfrm>
+          <a:prstGeom prst="rect">
+            <a:avLst/>
+          </a:prstGeom>
+        </p:spPr>
+      </p:pic>
+      <p:sp>
+        <p:nvSpPr>
+          <p:cNvPr id="8" name="ZoneTexte 7">
+            <a:extLst>
+              <a:ext uri="{FF2B5EF4-FFF2-40B4-BE49-F238E27FC236}">
+                <a16:creationId xmlns:a16="http://schemas.microsoft.com/office/drawing/2014/main" id="{3B16B72D-C0D6-4B5F-93EC-0F248611046C}"/>
+              </a:ext>
+            </a:extLst>
+          </p:cNvPr>
+          <p:cNvSpPr txBox="1"/>
+          <p:nvPr/>
+        </p:nvSpPr>
+        <p:spPr>
+          <a:xfrm>
+            <a:off x="742950" y="4143374"/>
+            <a:ext cx="9410700" cy="1754326"/>
+          </a:xfrm>
+          <a:prstGeom prst="rect">
+            <a:avLst/>
+          </a:prstGeom>
+          <a:noFill/>
+        </p:spPr>
+        <p:txBody>
+          <a:bodyPr wrap="square" rtlCol="0">
+            <a:spAutoFit/>
+          </a:bodyPr>
+          <a:lstStyle/>
+          <a:p>
+            <a:r>
+              <a:rPr lang="fr-FR" dirty="0">
+                <a:latin typeface="Calibri" panose="020F0502020204030204" pitchFamily="34" charset="0"/>
+                <a:cs typeface="Calibri" panose="020F0502020204030204" pitchFamily="34" charset="0"/>
+              </a:rPr>
+              <a:t>La propriété display </a:t>
+            </a:r>
+            <a:r>
+              <a:rPr lang="fr-FR" dirty="0" err="1">
+                <a:latin typeface="Calibri" panose="020F0502020204030204" pitchFamily="34" charset="0"/>
+                <a:cs typeface="Calibri" panose="020F0502020204030204" pitchFamily="34" charset="0"/>
+              </a:rPr>
+              <a:t>flex</a:t>
+            </a:r>
+            <a:r>
+              <a:rPr lang="fr-FR" dirty="0">
+                <a:latin typeface="Calibri" panose="020F0502020204030204" pitchFamily="34" charset="0"/>
+                <a:cs typeface="Calibri" panose="020F0502020204030204" pitchFamily="34" charset="0"/>
+              </a:rPr>
+              <a:t> indique que l’élément modifiera ses dimensions pour occuper l’espace disponible de son conteneur, </a:t>
+            </a:r>
+            <a:r>
+              <a:rPr lang="fr-FR" dirty="0" err="1">
+                <a:latin typeface="Calibri" panose="020F0502020204030204" pitchFamily="34" charset="0"/>
+                <a:cs typeface="Calibri" panose="020F0502020204030204" pitchFamily="34" charset="0"/>
+              </a:rPr>
+              <a:t>flex</a:t>
+            </a:r>
+            <a:r>
+              <a:rPr lang="fr-FR" dirty="0">
+                <a:latin typeface="Calibri" panose="020F0502020204030204" pitchFamily="34" charset="0"/>
+                <a:cs typeface="Calibri" panose="020F0502020204030204" pitchFamily="34" charset="0"/>
+              </a:rPr>
+              <a:t> direction indique l’axe sur lequel l’élément s’ajustera ici c’est sur un axe horizontal, la propriété </a:t>
+            </a:r>
+            <a:r>
+              <a:rPr lang="fr-FR" dirty="0" err="1">
+                <a:latin typeface="Calibri" panose="020F0502020204030204" pitchFamily="34" charset="0"/>
+                <a:cs typeface="Calibri" panose="020F0502020204030204" pitchFamily="34" charset="0"/>
+              </a:rPr>
+              <a:t>align</a:t>
+            </a:r>
+            <a:r>
+              <a:rPr lang="fr-FR" dirty="0">
+                <a:latin typeface="Calibri" panose="020F0502020204030204" pitchFamily="34" charset="0"/>
+                <a:cs typeface="Calibri" panose="020F0502020204030204" pitchFamily="34" charset="0"/>
+              </a:rPr>
+              <a:t>-items permet de centrer l’objet sur l’axe du conteneur (en son milieu), </a:t>
+            </a:r>
+            <a:r>
+              <a:rPr lang="fr-FR" dirty="0" err="1">
+                <a:latin typeface="Calibri" panose="020F0502020204030204" pitchFamily="34" charset="0"/>
+                <a:cs typeface="Calibri" panose="020F0502020204030204" pitchFamily="34" charset="0"/>
+              </a:rPr>
+              <a:t>justify</a:t>
+            </a:r>
+            <a:r>
+              <a:rPr lang="fr-FR" dirty="0">
+                <a:latin typeface="Calibri" panose="020F0502020204030204" pitchFamily="34" charset="0"/>
+                <a:cs typeface="Calibri" panose="020F0502020204030204" pitchFamily="34" charset="0"/>
+              </a:rPr>
+              <a:t>-content : </a:t>
+            </a:r>
+            <a:r>
+              <a:rPr lang="fr-FR" dirty="0" err="1">
+                <a:latin typeface="Calibri" panose="020F0502020204030204" pitchFamily="34" charset="0"/>
+                <a:cs typeface="Calibri" panose="020F0502020204030204" pitchFamily="34" charset="0"/>
+              </a:rPr>
+              <a:t>space-between</a:t>
+            </a:r>
+            <a:r>
+              <a:rPr lang="fr-FR" dirty="0">
+                <a:latin typeface="Calibri" panose="020F0502020204030204" pitchFamily="34" charset="0"/>
+                <a:cs typeface="Calibri" panose="020F0502020204030204" pitchFamily="34" charset="0"/>
+              </a:rPr>
+              <a:t> ajuste l’espace entre les éléments sur le même axe</a:t>
+            </a:r>
+            <a:r>
+              <a:rPr lang="fr-FR" dirty="0"/>
+              <a:t>.</a:t>
+            </a:r>
+            <a:r>
+              <a:rPr lang="fr-FR" dirty="0">
+                <a:latin typeface="Calibri" panose="020F0502020204030204" pitchFamily="34" charset="0"/>
+                <a:ea typeface="Calibri" panose="020F0502020204030204" pitchFamily="34" charset="0"/>
+                <a:cs typeface="Times New Roman" panose="02020603050405020304" pitchFamily="18" charset="0"/>
+              </a:rPr>
+              <a:t> Pour la </a:t>
+            </a:r>
+            <a:r>
+              <a:rPr lang="fr-FR" dirty="0" err="1">
+                <a:latin typeface="Calibri" panose="020F0502020204030204" pitchFamily="34" charset="0"/>
+                <a:ea typeface="Calibri" panose="020F0502020204030204" pitchFamily="34" charset="0"/>
+                <a:cs typeface="Times New Roman" panose="02020603050405020304" pitchFamily="18" charset="0"/>
+              </a:rPr>
+              <a:t>navbar</a:t>
+            </a:r>
+            <a:r>
+              <a:rPr lang="fr-FR" dirty="0">
+                <a:latin typeface="Calibri" panose="020F0502020204030204" pitchFamily="34" charset="0"/>
+                <a:ea typeface="Calibri" panose="020F0502020204030204" pitchFamily="34" charset="0"/>
+                <a:cs typeface="Times New Roman" panose="02020603050405020304" pitchFamily="18" charset="0"/>
+              </a:rPr>
+              <a:t> l’</a:t>
+            </a:r>
+            <a:r>
+              <a:rPr lang="fr-FR" dirty="0" err="1">
+                <a:latin typeface="Calibri" panose="020F0502020204030204" pitchFamily="34" charset="0"/>
+                <a:ea typeface="Calibri" panose="020F0502020204030204" pitchFamily="34" charset="0"/>
+                <a:cs typeface="Times New Roman" panose="02020603050405020304" pitchFamily="18" charset="0"/>
+              </a:rPr>
+              <a:t>overflow</a:t>
+            </a:r>
+            <a:r>
+              <a:rPr lang="fr-FR" dirty="0">
+                <a:latin typeface="Calibri" panose="020F0502020204030204" pitchFamily="34" charset="0"/>
+                <a:ea typeface="Calibri" panose="020F0502020204030204" pitchFamily="34" charset="0"/>
+                <a:cs typeface="Times New Roman" panose="02020603050405020304" pitchFamily="18" charset="0"/>
+              </a:rPr>
+              <a:t> x indique sur l’axe horizontal la possibilité de pouvoir défiler les éléments de gauche à droite, tout dépendra de la taille de l’écran du support utilisé. </a:t>
+            </a:r>
+            <a:endParaRPr lang="fr-FR" dirty="0"/>
+          </a:p>
+        </p:txBody>
+      </p:sp>
+    </p:spTree>
+    <p:extLst>
+      <p:ext uri="{BB962C8B-B14F-4D97-AF65-F5344CB8AC3E}">
+        <p14:creationId xmlns:p14="http://schemas.microsoft.com/office/powerpoint/2010/main" val="720472730"/>
+      </p:ext>
+    </p:extLst>
+  </p:cSld>
+  <p:clrMapOvr>
+    <a:masterClrMapping/>
+  </p:clrMapOvr>
+</p:sld>
+</file>
+
+<file path=ppt/slides/slide21.xml><?xml version="1.0" encoding="utf-8"?>
+<p:sld xmlns:a="http://schemas.openxmlformats.org/drawingml/2006/main" xmlns:r="http://schemas.openxmlformats.org/officeDocument/2006/relationships" xmlns:p="http://schemas.openxmlformats.org/presentationml/2006/main">
+  <p:cSld>
+    <p:spTree>
+      <p:nvGrpSpPr>
+        <p:cNvPr id="1" name=""/>
+        <p:cNvGrpSpPr/>
+        <p:nvPr/>
+      </p:nvGrpSpPr>
+      <p:grpSpPr>
+        <a:xfrm>
+          <a:off x="0" y="0"/>
+          <a:ext cx="0" cy="0"/>
+          <a:chOff x="0" y="0"/>
+          <a:chExt cx="0" cy="0"/>
+        </a:xfrm>
+      </p:grpSpPr>
+      <p:pic>
+        <p:nvPicPr>
+          <p:cNvPr id="2" name="Image 1">
+            <a:extLst>
+              <a:ext uri="{FF2B5EF4-FFF2-40B4-BE49-F238E27FC236}">
+                <a16:creationId xmlns:a16="http://schemas.microsoft.com/office/drawing/2014/main" id="{C9620CDE-15C9-4582-9582-DD2319A90061}"/>
+              </a:ext>
+            </a:extLst>
+          </p:cNvPr>
+          <p:cNvPicPr/>
+          <p:nvPr/>
+        </p:nvPicPr>
+        <p:blipFill>
+          <a:blip r:embed="rId2">
+            <a:extLst>
+              <a:ext uri="{28A0092B-C50C-407E-A947-70E740481C1C}">
+                <a14:useLocalDpi xmlns:a14="http://schemas.microsoft.com/office/drawing/2010/main" val="0"/>
+              </a:ext>
+            </a:extLst>
+          </a:blip>
+          <a:stretch>
+            <a:fillRect/>
+          </a:stretch>
+        </p:blipFill>
+        <p:spPr>
+          <a:xfrm>
+            <a:off x="833755" y="798195"/>
+            <a:ext cx="6833870" cy="3554730"/>
+          </a:xfrm>
+          <a:prstGeom prst="rect">
+            <a:avLst/>
+          </a:prstGeom>
+        </p:spPr>
+      </p:pic>
+      <p:sp>
+        <p:nvSpPr>
+          <p:cNvPr id="3" name="ZoneTexte 2">
+            <a:extLst>
+              <a:ext uri="{FF2B5EF4-FFF2-40B4-BE49-F238E27FC236}">
+                <a16:creationId xmlns:a16="http://schemas.microsoft.com/office/drawing/2014/main" id="{EA9752FB-4C63-4454-8F3C-3D48E229251D}"/>
+              </a:ext>
+            </a:extLst>
+          </p:cNvPr>
+          <p:cNvSpPr txBox="1"/>
+          <p:nvPr/>
+        </p:nvSpPr>
+        <p:spPr>
+          <a:xfrm>
+            <a:off x="833755" y="4743450"/>
+            <a:ext cx="10300970" cy="1367234"/>
+          </a:xfrm>
+          <a:prstGeom prst="rect">
+            <a:avLst/>
+          </a:prstGeom>
+          <a:noFill/>
+        </p:spPr>
+        <p:txBody>
+          <a:bodyPr wrap="square" rtlCol="0">
+            <a:spAutoFit/>
+          </a:bodyPr>
+          <a:lstStyle/>
+          <a:p>
+            <a:pPr>
+              <a:lnSpc>
+                <a:spcPct val="107000"/>
+              </a:lnSpc>
+              <a:spcAft>
+                <a:spcPts val="800"/>
+              </a:spcAft>
+            </a:pPr>
+            <a:r>
+              <a:rPr lang="fr-FR">
+                <a:latin typeface="Calibri" panose="020F0502020204030204" pitchFamily="34" charset="0"/>
+                <a:ea typeface="Calibri" panose="020F0502020204030204" pitchFamily="34" charset="0"/>
+                <a:cs typeface="Times New Roman" panose="02020603050405020304" pitchFamily="18" charset="0"/>
+              </a:rPr>
+              <a:t>Les rubriques en &lt;li&gt; seront affiché sous forme de grille en utilisant la propriété display : grid, elles seront sous forme de colonnes de tailles minmax (100px, 1fr) et selon l’élément contenu elle s’ajusteront pour laissé un espace disponible de chaque coté.  </a:t>
+            </a:r>
+          </a:p>
+          <a:p>
+            <a:pPr>
+              <a:lnSpc>
+                <a:spcPct val="107000"/>
+              </a:lnSpc>
+              <a:spcAft>
+                <a:spcPts val="800"/>
+              </a:spcAft>
+            </a:pPr>
+            <a:r>
+              <a:rPr lang="fr-FR">
+                <a:latin typeface="Calibri" panose="020F0502020204030204" pitchFamily="34" charset="0"/>
+                <a:ea typeface="Calibri" panose="020F0502020204030204" pitchFamily="34" charset="0"/>
+                <a:cs typeface="Times New Roman" panose="02020603050405020304" pitchFamily="18" charset="0"/>
+              </a:rPr>
+              <a:t> </a:t>
+            </a:r>
+          </a:p>
+        </p:txBody>
+      </p:sp>
+    </p:spTree>
+    <p:extLst>
+      <p:ext uri="{BB962C8B-B14F-4D97-AF65-F5344CB8AC3E}">
+        <p14:creationId xmlns:p14="http://schemas.microsoft.com/office/powerpoint/2010/main" val="2243161525"/>
+      </p:ext>
+    </p:extLst>
+  </p:cSld>
+  <p:clrMapOvr>
+    <a:masterClrMapping/>
+  </p:clrMapOvr>
+</p:sld>
+</file>
+
+<file path=ppt/slides/slide22.xml><?xml version="1.0" encoding="utf-8"?>
+<p:sld xmlns:a="http://schemas.openxmlformats.org/drawingml/2006/main" xmlns:r="http://schemas.openxmlformats.org/officeDocument/2006/relationships" xmlns:p="http://schemas.openxmlformats.org/presentationml/2006/main">
+  <p:cSld>
+    <p:spTree>
+      <p:nvGrpSpPr>
+        <p:cNvPr id="1" name=""/>
+        <p:cNvGrpSpPr/>
+        <p:nvPr/>
+      </p:nvGrpSpPr>
+      <p:grpSpPr>
+        <a:xfrm>
+          <a:off x="0" y="0"/>
+          <a:ext cx="0" cy="0"/>
+          <a:chOff x="0" y="0"/>
+          <a:chExt cx="0" cy="0"/>
+        </a:xfrm>
+      </p:grpSpPr>
+      <p:sp>
+        <p:nvSpPr>
+          <p:cNvPr id="2" name="ZoneTexte 1">
+            <a:extLst>
+              <a:ext uri="{FF2B5EF4-FFF2-40B4-BE49-F238E27FC236}">
+                <a16:creationId xmlns:a16="http://schemas.microsoft.com/office/drawing/2014/main" id="{BC569213-F766-439C-9C41-EE4E5AE6CBF0}"/>
+              </a:ext>
+            </a:extLst>
+          </p:cNvPr>
+          <p:cNvSpPr txBox="1"/>
+          <p:nvPr/>
+        </p:nvSpPr>
+        <p:spPr>
+          <a:xfrm>
+            <a:off x="1142999" y="723901"/>
+            <a:ext cx="3305175" cy="369332"/>
+          </a:xfrm>
+          <a:prstGeom prst="rect">
+            <a:avLst/>
+          </a:prstGeom>
+          <a:noFill/>
+        </p:spPr>
+        <p:txBody>
+          <a:bodyPr wrap="square" rtlCol="0">
+            <a:spAutoFit/>
+          </a:bodyPr>
+          <a:lstStyle/>
+          <a:p>
+            <a:r>
+              <a:rPr lang="fr-FR" dirty="0"/>
+              <a:t>Sidebar/fenêtre latéral</a:t>
+            </a:r>
+          </a:p>
+        </p:txBody>
+      </p:sp>
+      <p:pic>
+        <p:nvPicPr>
+          <p:cNvPr id="3" name="Image 2">
+            <a:extLst>
+              <a:ext uri="{FF2B5EF4-FFF2-40B4-BE49-F238E27FC236}">
+                <a16:creationId xmlns:a16="http://schemas.microsoft.com/office/drawing/2014/main" id="{BB6A8C44-F216-4C82-8700-1AFDC99A8BE6}"/>
+              </a:ext>
+            </a:extLst>
+          </p:cNvPr>
+          <p:cNvPicPr/>
+          <p:nvPr/>
+        </p:nvPicPr>
+        <p:blipFill>
+          <a:blip r:embed="rId2">
+            <a:extLst>
+              <a:ext uri="{28A0092B-C50C-407E-A947-70E740481C1C}">
+                <a14:useLocalDpi xmlns:a14="http://schemas.microsoft.com/office/drawing/2010/main" val="0"/>
+              </a:ext>
+            </a:extLst>
+          </a:blip>
+          <a:stretch>
+            <a:fillRect/>
+          </a:stretch>
+        </p:blipFill>
+        <p:spPr>
+          <a:xfrm>
+            <a:off x="1142999" y="1181100"/>
+            <a:ext cx="5654675" cy="3723640"/>
+          </a:xfrm>
+          <a:prstGeom prst="rect">
+            <a:avLst/>
+          </a:prstGeom>
+        </p:spPr>
+      </p:pic>
+      <p:sp>
+        <p:nvSpPr>
+          <p:cNvPr id="5" name="ZoneTexte 4">
+            <a:extLst>
+              <a:ext uri="{FF2B5EF4-FFF2-40B4-BE49-F238E27FC236}">
+                <a16:creationId xmlns:a16="http://schemas.microsoft.com/office/drawing/2014/main" id="{C83C0375-9F9E-42AD-B7A7-79B3AFC3035C}"/>
+              </a:ext>
+            </a:extLst>
+          </p:cNvPr>
+          <p:cNvSpPr txBox="1"/>
+          <p:nvPr/>
+        </p:nvSpPr>
+        <p:spPr>
+          <a:xfrm>
+            <a:off x="6915150" y="2181225"/>
+            <a:ext cx="4810125" cy="1754326"/>
+          </a:xfrm>
+          <a:prstGeom prst="rect">
+            <a:avLst/>
+          </a:prstGeom>
+          <a:noFill/>
+        </p:spPr>
+        <p:txBody>
+          <a:bodyPr wrap="square" rtlCol="0">
+            <a:spAutoFit/>
+          </a:bodyPr>
+          <a:lstStyle/>
+          <a:p>
+            <a:r>
+              <a:rPr lang="fr-FR" dirty="0">
+                <a:latin typeface="Calibri" panose="020F0502020204030204" pitchFamily="34" charset="0"/>
+                <a:cs typeface="Calibri" panose="020F0502020204030204" pitchFamily="34" charset="0"/>
+              </a:rPr>
+              <a:t>On crée une div class = </a:t>
+            </a:r>
+            <a:r>
+              <a:rPr lang="fr-FR" dirty="0" err="1">
+                <a:latin typeface="Calibri" panose="020F0502020204030204" pitchFamily="34" charset="0"/>
+                <a:cs typeface="Calibri" panose="020F0502020204030204" pitchFamily="34" charset="0"/>
+              </a:rPr>
+              <a:t>side</a:t>
+            </a:r>
+            <a:r>
+              <a:rPr lang="fr-FR" dirty="0">
+                <a:latin typeface="Calibri" panose="020F0502020204030204" pitchFamily="34" charset="0"/>
+                <a:cs typeface="Calibri" panose="020F0502020204030204" pitchFamily="34" charset="0"/>
+              </a:rPr>
+              <a:t> dans laquelle on mettra deux div une div nommé </a:t>
+            </a:r>
+            <a:r>
+              <a:rPr lang="fr-FR" dirty="0" err="1">
+                <a:latin typeface="Calibri" panose="020F0502020204030204" pitchFamily="34" charset="0"/>
+                <a:cs typeface="Calibri" panose="020F0502020204030204" pitchFamily="34" charset="0"/>
+              </a:rPr>
+              <a:t>headtitle</a:t>
+            </a:r>
+            <a:r>
+              <a:rPr lang="fr-FR" dirty="0">
+                <a:latin typeface="Calibri" panose="020F0502020204030204" pitchFamily="34" charset="0"/>
+                <a:cs typeface="Calibri" panose="020F0502020204030204" pitchFamily="34" charset="0"/>
+              </a:rPr>
+              <a:t> qui contiendra le logo en haut dans l’autre une div nommé contents dans laquelle on trouvera les différentes rubriques afficher sous forme de liste &lt;li&gt;cliquable avec l’élément « </a:t>
+            </a:r>
+            <a:r>
+              <a:rPr lang="fr-FR" dirty="0" err="1">
+                <a:latin typeface="Calibri" panose="020F0502020204030204" pitchFamily="34" charset="0"/>
+                <a:cs typeface="Calibri" panose="020F0502020204030204" pitchFamily="34" charset="0"/>
+              </a:rPr>
+              <a:t>onclick</a:t>
+            </a:r>
+            <a:r>
+              <a:rPr lang="fr-FR" dirty="0">
+                <a:latin typeface="Calibri" panose="020F0502020204030204" pitchFamily="34" charset="0"/>
+                <a:cs typeface="Calibri" panose="020F0502020204030204" pitchFamily="34" charset="0"/>
+              </a:rPr>
+              <a:t> ».</a:t>
+            </a:r>
+          </a:p>
+        </p:txBody>
+      </p:sp>
+    </p:spTree>
+    <p:extLst>
+      <p:ext uri="{BB962C8B-B14F-4D97-AF65-F5344CB8AC3E}">
+        <p14:creationId xmlns:p14="http://schemas.microsoft.com/office/powerpoint/2010/main" val="2770981843"/>
+      </p:ext>
+    </p:extLst>
+  </p:cSld>
+  <p:clrMapOvr>
+    <a:masterClrMapping/>
+  </p:clrMapOvr>
+</p:sld>
+</file>
+
+<file path=ppt/slides/slide23.xml><?xml version="1.0" encoding="utf-8"?>
+<p:sld xmlns:a="http://schemas.openxmlformats.org/drawingml/2006/main" xmlns:r="http://schemas.openxmlformats.org/officeDocument/2006/relationships" xmlns:p="http://schemas.openxmlformats.org/presentationml/2006/main">
+  <p:cSld>
+    <p:spTree>
+      <p:nvGrpSpPr>
+        <p:cNvPr id="1" name=""/>
+        <p:cNvGrpSpPr/>
+        <p:nvPr/>
+      </p:nvGrpSpPr>
+      <p:grpSpPr>
+        <a:xfrm>
+          <a:off x="0" y="0"/>
+          <a:ext cx="0" cy="0"/>
+          <a:chOff x="0" y="0"/>
+          <a:chExt cx="0" cy="0"/>
+        </a:xfrm>
+      </p:grpSpPr>
+      <p:sp>
+        <p:nvSpPr>
+          <p:cNvPr id="2" name="ZoneTexte 1">
+            <a:extLst>
+              <a:ext uri="{FF2B5EF4-FFF2-40B4-BE49-F238E27FC236}">
+                <a16:creationId xmlns:a16="http://schemas.microsoft.com/office/drawing/2014/main" id="{85AF92CC-02F5-4708-A382-32CD62CC2DC9}"/>
+              </a:ext>
+            </a:extLst>
+          </p:cNvPr>
+          <p:cNvSpPr txBox="1"/>
+          <p:nvPr/>
+        </p:nvSpPr>
+        <p:spPr>
+          <a:xfrm>
+            <a:off x="771525" y="723900"/>
+            <a:ext cx="666750" cy="369332"/>
+          </a:xfrm>
+          <a:prstGeom prst="rect">
+            <a:avLst/>
+          </a:prstGeom>
+          <a:noFill/>
+        </p:spPr>
+        <p:txBody>
+          <a:bodyPr wrap="square" rtlCol="0">
+            <a:spAutoFit/>
+          </a:bodyPr>
+          <a:lstStyle/>
+          <a:p>
+            <a:r>
+              <a:rPr lang="fr-FR" dirty="0"/>
+              <a:t>CSS</a:t>
+            </a:r>
+          </a:p>
+        </p:txBody>
+      </p:sp>
+      <p:pic>
+        <p:nvPicPr>
+          <p:cNvPr id="3" name="Image 2">
+            <a:extLst>
+              <a:ext uri="{FF2B5EF4-FFF2-40B4-BE49-F238E27FC236}">
+                <a16:creationId xmlns:a16="http://schemas.microsoft.com/office/drawing/2014/main" id="{6C92502B-9541-43EB-AE26-06C20470E2E6}"/>
+              </a:ext>
+            </a:extLst>
+          </p:cNvPr>
+          <p:cNvPicPr/>
+          <p:nvPr/>
+        </p:nvPicPr>
+        <p:blipFill>
+          <a:blip r:embed="rId2">
+            <a:extLst>
+              <a:ext uri="{28A0092B-C50C-407E-A947-70E740481C1C}">
+                <a14:useLocalDpi xmlns:a14="http://schemas.microsoft.com/office/drawing/2010/main" val="0"/>
+              </a:ext>
+            </a:extLst>
+          </a:blip>
+          <a:stretch>
+            <a:fillRect/>
+          </a:stretch>
+        </p:blipFill>
+        <p:spPr>
+          <a:xfrm>
+            <a:off x="1104900" y="1176018"/>
+            <a:ext cx="5589905" cy="3555527"/>
+          </a:xfrm>
+          <a:prstGeom prst="rect">
+            <a:avLst/>
+          </a:prstGeom>
+        </p:spPr>
+      </p:pic>
+      <p:pic>
+        <p:nvPicPr>
+          <p:cNvPr id="4" name="Image 3">
+            <a:extLst>
+              <a:ext uri="{FF2B5EF4-FFF2-40B4-BE49-F238E27FC236}">
+                <a16:creationId xmlns:a16="http://schemas.microsoft.com/office/drawing/2014/main" id="{782E6EFD-AAC7-49FD-80E5-4E7F9BD4EC44}"/>
+              </a:ext>
+            </a:extLst>
+          </p:cNvPr>
+          <p:cNvPicPr/>
+          <p:nvPr/>
+        </p:nvPicPr>
+        <p:blipFill>
+          <a:blip r:embed="rId3">
+            <a:extLst>
+              <a:ext uri="{28A0092B-C50C-407E-A947-70E740481C1C}">
+                <a14:useLocalDpi xmlns:a14="http://schemas.microsoft.com/office/drawing/2010/main" val="0"/>
+              </a:ext>
+            </a:extLst>
+          </a:blip>
+          <a:stretch>
+            <a:fillRect/>
+          </a:stretch>
+        </p:blipFill>
+        <p:spPr>
+          <a:xfrm>
+            <a:off x="6806565" y="1176018"/>
+            <a:ext cx="3432810" cy="1085833"/>
+          </a:xfrm>
+          <a:prstGeom prst="rect">
+            <a:avLst/>
+          </a:prstGeom>
+        </p:spPr>
+      </p:pic>
+      <p:pic>
+        <p:nvPicPr>
+          <p:cNvPr id="5" name="Image 4">
+            <a:extLst>
+              <a:ext uri="{FF2B5EF4-FFF2-40B4-BE49-F238E27FC236}">
+                <a16:creationId xmlns:a16="http://schemas.microsoft.com/office/drawing/2014/main" id="{24F548E4-E8FF-4A5D-8C9B-8217B522AA35}"/>
+              </a:ext>
+            </a:extLst>
+          </p:cNvPr>
+          <p:cNvPicPr/>
+          <p:nvPr/>
+        </p:nvPicPr>
+        <p:blipFill>
+          <a:blip r:embed="rId4">
+            <a:extLst>
+              <a:ext uri="{28A0092B-C50C-407E-A947-70E740481C1C}">
+                <a14:useLocalDpi xmlns:a14="http://schemas.microsoft.com/office/drawing/2010/main" val="0"/>
+              </a:ext>
+            </a:extLst>
+          </a:blip>
+          <a:stretch>
+            <a:fillRect/>
+          </a:stretch>
+        </p:blipFill>
+        <p:spPr>
+          <a:xfrm>
+            <a:off x="6806565" y="2375058"/>
+            <a:ext cx="3432810" cy="1425417"/>
+          </a:xfrm>
+          <a:prstGeom prst="rect">
+            <a:avLst/>
+          </a:prstGeom>
+        </p:spPr>
+      </p:pic>
+      <p:pic>
+        <p:nvPicPr>
+          <p:cNvPr id="6" name="Image 5">
+            <a:extLst>
+              <a:ext uri="{FF2B5EF4-FFF2-40B4-BE49-F238E27FC236}">
+                <a16:creationId xmlns:a16="http://schemas.microsoft.com/office/drawing/2014/main" id="{014E5123-5D41-4495-8385-E2B61406F0AD}"/>
+              </a:ext>
+            </a:extLst>
+          </p:cNvPr>
+          <p:cNvPicPr/>
+          <p:nvPr/>
+        </p:nvPicPr>
+        <p:blipFill>
+          <a:blip r:embed="rId5">
+            <a:extLst>
+              <a:ext uri="{28A0092B-C50C-407E-A947-70E740481C1C}">
+                <a14:useLocalDpi xmlns:a14="http://schemas.microsoft.com/office/drawing/2010/main" val="0"/>
+              </a:ext>
+            </a:extLst>
+          </a:blip>
+          <a:stretch>
+            <a:fillRect/>
+          </a:stretch>
+        </p:blipFill>
+        <p:spPr>
+          <a:xfrm>
+            <a:off x="6806566" y="3913682"/>
+            <a:ext cx="3432810" cy="817863"/>
+          </a:xfrm>
+          <a:prstGeom prst="rect">
+            <a:avLst/>
+          </a:prstGeom>
+        </p:spPr>
+      </p:pic>
+      <p:sp>
+        <p:nvSpPr>
+          <p:cNvPr id="7" name="ZoneTexte 6">
+            <a:extLst>
+              <a:ext uri="{FF2B5EF4-FFF2-40B4-BE49-F238E27FC236}">
+                <a16:creationId xmlns:a16="http://schemas.microsoft.com/office/drawing/2014/main" id="{FEFE03CA-1126-44FD-B6CB-F2F550720359}"/>
+              </a:ext>
+            </a:extLst>
+          </p:cNvPr>
+          <p:cNvSpPr txBox="1"/>
+          <p:nvPr/>
+        </p:nvSpPr>
+        <p:spPr>
+          <a:xfrm>
+            <a:off x="1143000" y="4844752"/>
+            <a:ext cx="8987790" cy="1169551"/>
+          </a:xfrm>
+          <a:prstGeom prst="rect">
+            <a:avLst/>
+          </a:prstGeom>
+          <a:noFill/>
+        </p:spPr>
+        <p:txBody>
+          <a:bodyPr wrap="square" rtlCol="0">
+            <a:spAutoFit/>
+          </a:bodyPr>
+          <a:lstStyle/>
+          <a:p>
+            <a:r>
+              <a:rPr lang="fr-FR" sz="1400" i="1" dirty="0">
+                <a:latin typeface="Calibri" panose="020F0502020204030204" pitchFamily="34" charset="0"/>
+                <a:ea typeface="Calibri" panose="020F0502020204030204" pitchFamily="34" charset="0"/>
+                <a:cs typeface="Times New Roman" panose="02020603050405020304" pitchFamily="18" charset="0"/>
+              </a:rPr>
+              <a:t>Pour la div </a:t>
+            </a:r>
+            <a:r>
+              <a:rPr lang="fr-FR" sz="1400" i="1" dirty="0" err="1">
+                <a:latin typeface="Calibri" panose="020F0502020204030204" pitchFamily="34" charset="0"/>
+                <a:ea typeface="Calibri" panose="020F0502020204030204" pitchFamily="34" charset="0"/>
+                <a:cs typeface="Times New Roman" panose="02020603050405020304" pitchFamily="18" charset="0"/>
+              </a:rPr>
+              <a:t>side</a:t>
+            </a:r>
+            <a:r>
+              <a:rPr lang="fr-FR" sz="1400" i="1" dirty="0">
+                <a:latin typeface="Calibri" panose="020F0502020204030204" pitchFamily="34" charset="0"/>
+                <a:ea typeface="Calibri" panose="020F0502020204030204" pitchFamily="34" charset="0"/>
+                <a:cs typeface="Times New Roman" panose="02020603050405020304" pitchFamily="18" charset="0"/>
+              </a:rPr>
+              <a:t> on indique qu’elle prendra 100% de la hauteur de l’écran, la position </a:t>
+            </a:r>
+            <a:r>
+              <a:rPr lang="fr-FR" sz="1400" i="1" dirty="0" err="1">
+                <a:latin typeface="Calibri" panose="020F0502020204030204" pitchFamily="34" charset="0"/>
+                <a:ea typeface="Calibri" panose="020F0502020204030204" pitchFamily="34" charset="0"/>
+                <a:cs typeface="Times New Roman" panose="02020603050405020304" pitchFamily="18" charset="0"/>
+              </a:rPr>
+              <a:t>absolute</a:t>
+            </a:r>
+            <a:r>
+              <a:rPr lang="fr-FR" sz="1400" i="1" dirty="0">
+                <a:latin typeface="Calibri" panose="020F0502020204030204" pitchFamily="34" charset="0"/>
+                <a:ea typeface="Calibri" panose="020F0502020204030204" pitchFamily="34" charset="0"/>
+                <a:cs typeface="Times New Roman" panose="02020603050405020304" pitchFamily="18" charset="0"/>
+              </a:rPr>
+              <a:t> spécifie que l’élément sera indépendamment au-dessus des autres, l’</a:t>
+            </a:r>
+            <a:r>
+              <a:rPr lang="fr-FR" sz="1400" i="1" dirty="0" err="1">
+                <a:latin typeface="Calibri" panose="020F0502020204030204" pitchFamily="34" charset="0"/>
+                <a:ea typeface="Calibri" panose="020F0502020204030204" pitchFamily="34" charset="0"/>
+                <a:cs typeface="Times New Roman" panose="02020603050405020304" pitchFamily="18" charset="0"/>
+              </a:rPr>
+              <a:t>overflow</a:t>
+            </a:r>
+            <a:r>
+              <a:rPr lang="fr-FR" sz="1400" i="1" dirty="0">
+                <a:latin typeface="Calibri" panose="020F0502020204030204" pitchFamily="34" charset="0"/>
+                <a:ea typeface="Calibri" panose="020F0502020204030204" pitchFamily="34" charset="0"/>
+                <a:cs typeface="Times New Roman" panose="02020603050405020304" pitchFamily="18" charset="0"/>
+              </a:rPr>
+              <a:t>-y indique que pour les écrans de smartphone plus petit que la taille de la div il y aura un effet ascenseur avec la valeur scroll sur un axe vertical. Le z- index indique que l’élément sera positionné en fonction de sa valeur au-dessus ou en dessous d’un autre élément. Le margin-left a -100% indique que l’élément disparaitra sur toute sa largeur, un effet de transition avec la propriété transition-duration défini à 0.3s</a:t>
+            </a:r>
+            <a:endParaRPr lang="fr-FR" sz="1400" dirty="0"/>
+          </a:p>
+        </p:txBody>
+      </p:sp>
+    </p:spTree>
+    <p:extLst>
+      <p:ext uri="{BB962C8B-B14F-4D97-AF65-F5344CB8AC3E}">
+        <p14:creationId xmlns:p14="http://schemas.microsoft.com/office/powerpoint/2010/main" val="2083027807"/>
+      </p:ext>
+    </p:extLst>
+  </p:cSld>
+  <p:clrMapOvr>
+    <a:masterClrMapping/>
+  </p:clrMapOvr>
+</p:sld>
+</file>
+
+<file path=ppt/slides/slide24.xml><?xml version="1.0" encoding="utf-8"?>
+<p:sld xmlns:a="http://schemas.openxmlformats.org/drawingml/2006/main" xmlns:r="http://schemas.openxmlformats.org/officeDocument/2006/relationships" xmlns:p="http://schemas.openxmlformats.org/presentationml/2006/main">
+  <p:cSld>
+    <p:spTree>
+      <p:nvGrpSpPr>
+        <p:cNvPr id="1" name=""/>
+        <p:cNvGrpSpPr/>
+        <p:nvPr/>
+      </p:nvGrpSpPr>
+      <p:grpSpPr>
+        <a:xfrm>
+          <a:off x="0" y="0"/>
+          <a:ext cx="0" cy="0"/>
+          <a:chOff x="0" y="0"/>
+          <a:chExt cx="0" cy="0"/>
+        </a:xfrm>
+      </p:grpSpPr>
+      <p:sp>
+        <p:nvSpPr>
+          <p:cNvPr id="2" name="ZoneTexte 1">
+            <a:extLst>
+              <a:ext uri="{FF2B5EF4-FFF2-40B4-BE49-F238E27FC236}">
+                <a16:creationId xmlns:a16="http://schemas.microsoft.com/office/drawing/2014/main" id="{47CCA36F-C4F6-4659-82C6-C406355D5B2A}"/>
+              </a:ext>
+            </a:extLst>
+          </p:cNvPr>
+          <p:cNvSpPr txBox="1"/>
+          <p:nvPr/>
+        </p:nvSpPr>
+        <p:spPr>
+          <a:xfrm>
+            <a:off x="1085850" y="704851"/>
+            <a:ext cx="1924050" cy="381000"/>
+          </a:xfrm>
+          <a:prstGeom prst="rect">
+            <a:avLst/>
+          </a:prstGeom>
+          <a:noFill/>
+        </p:spPr>
+        <p:txBody>
+          <a:bodyPr wrap="square" rtlCol="0">
+            <a:spAutoFit/>
+          </a:bodyPr>
+          <a:lstStyle/>
+          <a:p>
+            <a:r>
+              <a:rPr lang="fr-FR" dirty="0"/>
+              <a:t>Sidebar/Autres</a:t>
+            </a:r>
+          </a:p>
+        </p:txBody>
+      </p:sp>
+      <p:pic>
+        <p:nvPicPr>
+          <p:cNvPr id="3" name="Image 2">
+            <a:extLst>
+              <a:ext uri="{FF2B5EF4-FFF2-40B4-BE49-F238E27FC236}">
+                <a16:creationId xmlns:a16="http://schemas.microsoft.com/office/drawing/2014/main" id="{BE0D2A27-A310-4A0B-AA58-8E30016D7BA3}"/>
+              </a:ext>
+            </a:extLst>
+          </p:cNvPr>
+          <p:cNvPicPr/>
+          <p:nvPr/>
+        </p:nvPicPr>
+        <p:blipFill>
+          <a:blip r:embed="rId2">
+            <a:extLst>
+              <a:ext uri="{28A0092B-C50C-407E-A947-70E740481C1C}">
+                <a14:useLocalDpi xmlns:a14="http://schemas.microsoft.com/office/drawing/2010/main" val="0"/>
+              </a:ext>
+            </a:extLst>
+          </a:blip>
+          <a:stretch>
+            <a:fillRect/>
+          </a:stretch>
+        </p:blipFill>
+        <p:spPr>
+          <a:xfrm>
+            <a:off x="1085850" y="1152525"/>
+            <a:ext cx="5429250" cy="5505450"/>
+          </a:xfrm>
+          <a:prstGeom prst="rect">
+            <a:avLst/>
+          </a:prstGeom>
+        </p:spPr>
+      </p:pic>
+      <p:sp>
+        <p:nvSpPr>
+          <p:cNvPr id="5" name="ZoneTexte 4">
+            <a:extLst>
+              <a:ext uri="{FF2B5EF4-FFF2-40B4-BE49-F238E27FC236}">
+                <a16:creationId xmlns:a16="http://schemas.microsoft.com/office/drawing/2014/main" id="{30AAE5F4-16DF-45CF-ADC3-1F1E8F822CC9}"/>
+              </a:ext>
+            </a:extLst>
+          </p:cNvPr>
+          <p:cNvSpPr txBox="1"/>
+          <p:nvPr/>
+        </p:nvSpPr>
+        <p:spPr>
+          <a:xfrm>
+            <a:off x="6591300" y="2143125"/>
+            <a:ext cx="5057775" cy="2800767"/>
+          </a:xfrm>
+          <a:prstGeom prst="rect">
+            <a:avLst/>
+          </a:prstGeom>
+          <a:noFill/>
+        </p:spPr>
+        <p:txBody>
+          <a:bodyPr wrap="square" rtlCol="0">
+            <a:spAutoFit/>
+          </a:bodyPr>
+          <a:lstStyle/>
+          <a:p>
+            <a:r>
+              <a:rPr lang="fr-FR" sz="1600" i="1" dirty="0">
+                <a:latin typeface="Calibri" panose="020F0502020204030204" pitchFamily="34" charset="0"/>
+                <a:cs typeface="Calibri" panose="020F0502020204030204" pitchFamily="34" charset="0"/>
+              </a:rPr>
+              <a:t>Toujours sur la sidebar plus bas une div appeler « autres » dans laquelle on trouvera les informations de type contact, notation, recommandation sous forme de liste. Une autre div sera créer dans laquelle ces informations listé seront afficher ou caché lors de l’interaction par l’utilisateur en utilisant la propriété display: none .</a:t>
+            </a:r>
+            <a:endParaRPr lang="fr-FR" sz="1600" dirty="0">
+              <a:latin typeface="Calibri" panose="020F0502020204030204" pitchFamily="34" charset="0"/>
+              <a:cs typeface="Calibri" panose="020F0502020204030204" pitchFamily="34" charset="0"/>
+            </a:endParaRPr>
+          </a:p>
+          <a:p>
+            <a:r>
+              <a:rPr lang="fr-FR" sz="1600" i="1" dirty="0">
+                <a:latin typeface="Calibri" panose="020F0502020204030204" pitchFamily="34" charset="0"/>
+                <a:cs typeface="Calibri" panose="020F0502020204030204" pitchFamily="34" charset="0"/>
+              </a:rPr>
+              <a:t>La &lt;div </a:t>
+            </a:r>
+            <a:r>
+              <a:rPr lang="fr-FR" sz="1600" i="1" dirty="0" err="1">
+                <a:latin typeface="Calibri" panose="020F0502020204030204" pitchFamily="34" charset="0"/>
+                <a:cs typeface="Calibri" panose="020F0502020204030204" pitchFamily="34" charset="0"/>
+              </a:rPr>
+              <a:t>onclick</a:t>
+            </a:r>
+            <a:r>
+              <a:rPr lang="fr-FR" sz="1600" i="1" dirty="0">
+                <a:latin typeface="Calibri" panose="020F0502020204030204" pitchFamily="34" charset="0"/>
+                <a:cs typeface="Calibri" panose="020F0502020204030204" pitchFamily="34" charset="0"/>
+              </a:rPr>
+              <a:t>='</a:t>
+            </a:r>
+            <a:r>
+              <a:rPr lang="fr-FR" sz="1600" i="1" dirty="0" err="1">
+                <a:latin typeface="Calibri" panose="020F0502020204030204" pitchFamily="34" charset="0"/>
+                <a:cs typeface="Calibri" panose="020F0502020204030204" pitchFamily="34" charset="0"/>
+              </a:rPr>
+              <a:t>hideMenu</a:t>
+            </a:r>
+            <a:r>
+              <a:rPr lang="fr-FR" sz="1600" i="1" dirty="0">
+                <a:latin typeface="Calibri" panose="020F0502020204030204" pitchFamily="34" charset="0"/>
+                <a:cs typeface="Calibri" panose="020F0502020204030204" pitchFamily="34" charset="0"/>
+              </a:rPr>
+              <a:t>()' class="opaque"&gt;&lt;/div&gt; représente l’espace vide latérale sur la droite qui permet de fermer la sidebar et de revenir à l’affichage principal de l’application, elle sera invisible pour l’utilisateur.</a:t>
+            </a:r>
+            <a:endParaRPr lang="fr-FR" sz="1600" dirty="0">
+              <a:latin typeface="Calibri" panose="020F0502020204030204" pitchFamily="34" charset="0"/>
+              <a:cs typeface="Calibri" panose="020F0502020204030204" pitchFamily="34" charset="0"/>
+            </a:endParaRPr>
+          </a:p>
+          <a:p>
+            <a:r>
+              <a:rPr lang="fr-FR" sz="1600" dirty="0">
+                <a:latin typeface="Calibri" panose="020F0502020204030204" pitchFamily="34" charset="0"/>
+                <a:cs typeface="Calibri" panose="020F0502020204030204" pitchFamily="34" charset="0"/>
+              </a:rPr>
+              <a:t> </a:t>
+            </a:r>
+          </a:p>
+        </p:txBody>
+      </p:sp>
+    </p:spTree>
+    <p:extLst>
+      <p:ext uri="{BB962C8B-B14F-4D97-AF65-F5344CB8AC3E}">
+        <p14:creationId xmlns:p14="http://schemas.microsoft.com/office/powerpoint/2010/main" val="4157091252"/>
+      </p:ext>
+    </p:extLst>
+  </p:cSld>
+  <p:clrMapOvr>
+    <a:masterClrMapping/>
+  </p:clrMapOvr>
+</p:sld>
+</file>
+
+<file path=ppt/slides/slide25.xml><?xml version="1.0" encoding="utf-8"?>
+<p:sld xmlns:a="http://schemas.openxmlformats.org/drawingml/2006/main" xmlns:r="http://schemas.openxmlformats.org/officeDocument/2006/relationships" xmlns:p="http://schemas.openxmlformats.org/presentationml/2006/main">
+  <p:cSld>
+    <p:spTree>
+      <p:nvGrpSpPr>
+        <p:cNvPr id="1" name=""/>
+        <p:cNvGrpSpPr/>
+        <p:nvPr/>
+      </p:nvGrpSpPr>
+      <p:grpSpPr>
+        <a:xfrm>
+          <a:off x="0" y="0"/>
+          <a:ext cx="0" cy="0"/>
+          <a:chOff x="0" y="0"/>
+          <a:chExt cx="0" cy="0"/>
+        </a:xfrm>
+      </p:grpSpPr>
+      <p:sp>
+        <p:nvSpPr>
+          <p:cNvPr id="2" name="ZoneTexte 1">
+            <a:extLst>
+              <a:ext uri="{FF2B5EF4-FFF2-40B4-BE49-F238E27FC236}">
+                <a16:creationId xmlns:a16="http://schemas.microsoft.com/office/drawing/2014/main" id="{496E3F05-0C3B-4DE9-B6B6-9130A98D2EC2}"/>
+              </a:ext>
+            </a:extLst>
+          </p:cNvPr>
+          <p:cNvSpPr txBox="1"/>
+          <p:nvPr/>
+        </p:nvSpPr>
+        <p:spPr>
+          <a:xfrm>
+            <a:off x="1028700" y="933450"/>
+            <a:ext cx="914400" cy="371475"/>
+          </a:xfrm>
+          <a:prstGeom prst="rect">
+            <a:avLst/>
+          </a:prstGeom>
+          <a:noFill/>
+        </p:spPr>
+        <p:txBody>
+          <a:bodyPr wrap="square" rtlCol="0">
+            <a:spAutoFit/>
+          </a:bodyPr>
+          <a:lstStyle/>
+          <a:p>
+            <a:r>
+              <a:rPr lang="fr-FR" dirty="0"/>
+              <a:t>CSS</a:t>
+            </a:r>
+          </a:p>
+        </p:txBody>
+      </p:sp>
+      <p:pic>
+        <p:nvPicPr>
+          <p:cNvPr id="3" name="Image 2">
+            <a:extLst>
+              <a:ext uri="{FF2B5EF4-FFF2-40B4-BE49-F238E27FC236}">
+                <a16:creationId xmlns:a16="http://schemas.microsoft.com/office/drawing/2014/main" id="{0C79DDE8-21A4-4B6F-9248-979AF5079D84}"/>
+              </a:ext>
+            </a:extLst>
+          </p:cNvPr>
+          <p:cNvPicPr/>
+          <p:nvPr/>
+        </p:nvPicPr>
+        <p:blipFill>
+          <a:blip r:embed="rId2">
+            <a:extLst>
+              <a:ext uri="{28A0092B-C50C-407E-A947-70E740481C1C}">
+                <a14:useLocalDpi xmlns:a14="http://schemas.microsoft.com/office/drawing/2010/main" val="0"/>
+              </a:ext>
+            </a:extLst>
+          </a:blip>
+          <a:stretch>
+            <a:fillRect/>
+          </a:stretch>
+        </p:blipFill>
+        <p:spPr>
+          <a:xfrm>
+            <a:off x="1600200" y="1304925"/>
+            <a:ext cx="6438900" cy="2008822"/>
+          </a:xfrm>
+          <a:prstGeom prst="rect">
+            <a:avLst/>
+          </a:prstGeom>
+        </p:spPr>
+      </p:pic>
+      <p:pic>
+        <p:nvPicPr>
+          <p:cNvPr id="4" name="Image 3">
+            <a:extLst>
+              <a:ext uri="{FF2B5EF4-FFF2-40B4-BE49-F238E27FC236}">
+                <a16:creationId xmlns:a16="http://schemas.microsoft.com/office/drawing/2014/main" id="{B5D06394-FE91-432C-B83B-70C5018FF481}"/>
+              </a:ext>
+            </a:extLst>
+          </p:cNvPr>
+          <p:cNvPicPr/>
+          <p:nvPr/>
+        </p:nvPicPr>
+        <p:blipFill>
+          <a:blip r:embed="rId3">
+            <a:extLst>
+              <a:ext uri="{28A0092B-C50C-407E-A947-70E740481C1C}">
+                <a14:useLocalDpi xmlns:a14="http://schemas.microsoft.com/office/drawing/2010/main" val="0"/>
+              </a:ext>
+            </a:extLst>
+          </a:blip>
+          <a:stretch>
+            <a:fillRect/>
+          </a:stretch>
+        </p:blipFill>
+        <p:spPr>
+          <a:xfrm>
+            <a:off x="1600200" y="3439952"/>
+            <a:ext cx="6631940" cy="1477328"/>
+          </a:xfrm>
+          <a:prstGeom prst="rect">
+            <a:avLst/>
+          </a:prstGeom>
+        </p:spPr>
+      </p:pic>
+      <p:pic>
+        <p:nvPicPr>
+          <p:cNvPr id="5" name="Image 4">
+            <a:extLst>
+              <a:ext uri="{FF2B5EF4-FFF2-40B4-BE49-F238E27FC236}">
+                <a16:creationId xmlns:a16="http://schemas.microsoft.com/office/drawing/2014/main" id="{4BD24625-0067-4480-8BBB-A44856905F1B}"/>
+              </a:ext>
+            </a:extLst>
+          </p:cNvPr>
+          <p:cNvPicPr/>
+          <p:nvPr/>
+        </p:nvPicPr>
+        <p:blipFill>
+          <a:blip r:embed="rId4">
+            <a:extLst>
+              <a:ext uri="{28A0092B-C50C-407E-A947-70E740481C1C}">
+                <a14:useLocalDpi xmlns:a14="http://schemas.microsoft.com/office/drawing/2010/main" val="0"/>
+              </a:ext>
+            </a:extLst>
+          </a:blip>
+          <a:stretch>
+            <a:fillRect/>
+          </a:stretch>
+        </p:blipFill>
+        <p:spPr>
+          <a:xfrm>
+            <a:off x="1607185" y="5043486"/>
+            <a:ext cx="6631940" cy="558166"/>
+          </a:xfrm>
+          <a:prstGeom prst="rect">
+            <a:avLst/>
+          </a:prstGeom>
+        </p:spPr>
+      </p:pic>
+      <p:sp>
+        <p:nvSpPr>
+          <p:cNvPr id="7" name="ZoneTexte 6">
+            <a:extLst>
+              <a:ext uri="{FF2B5EF4-FFF2-40B4-BE49-F238E27FC236}">
+                <a16:creationId xmlns:a16="http://schemas.microsoft.com/office/drawing/2014/main" id="{51CBB26E-AC62-4530-87E0-98FAA5A092A2}"/>
+              </a:ext>
+            </a:extLst>
+          </p:cNvPr>
+          <p:cNvSpPr txBox="1"/>
+          <p:nvPr/>
+        </p:nvSpPr>
+        <p:spPr>
+          <a:xfrm>
+            <a:off x="8943975" y="3429000"/>
+            <a:ext cx="2695575" cy="954107"/>
+          </a:xfrm>
+          <a:prstGeom prst="rect">
+            <a:avLst/>
+          </a:prstGeom>
+          <a:noFill/>
+        </p:spPr>
+        <p:txBody>
+          <a:bodyPr wrap="square" rtlCol="0">
+            <a:spAutoFit/>
+          </a:bodyPr>
+          <a:lstStyle/>
+          <a:p>
+            <a:r>
+              <a:rPr lang="fr-FR" sz="1400" dirty="0">
+                <a:latin typeface="Calibri" panose="020F0502020204030204" pitchFamily="34" charset="0"/>
+                <a:cs typeface="Calibri" panose="020F0502020204030204" pitchFamily="34" charset="0"/>
+              </a:rPr>
+              <a:t>Les puces ont été supprimées et remplacées par des icones au format png.</a:t>
+            </a:r>
+          </a:p>
+          <a:p>
+            <a:r>
+              <a:rPr lang="fr-FR" sz="1400" dirty="0">
+                <a:latin typeface="Calibri" panose="020F0502020204030204" pitchFamily="34" charset="0"/>
+                <a:cs typeface="Calibri" panose="020F0502020204030204" pitchFamily="34" charset="0"/>
+              </a:rPr>
+              <a:t> </a:t>
+            </a:r>
+          </a:p>
+        </p:txBody>
+      </p:sp>
+    </p:spTree>
+    <p:extLst>
+      <p:ext uri="{BB962C8B-B14F-4D97-AF65-F5344CB8AC3E}">
+        <p14:creationId xmlns:p14="http://schemas.microsoft.com/office/powerpoint/2010/main" val="3684330369"/>
+      </p:ext>
+    </p:extLst>
+  </p:cSld>
+  <p:clrMapOvr>
+    <a:masterClrMapping/>
+  </p:clrMapOvr>
+</p:sld>
+</file>
+
+<file path=ppt/slides/slide26.xml><?xml version="1.0" encoding="utf-8"?>
+<p:sld xmlns:a="http://schemas.openxmlformats.org/drawingml/2006/main" xmlns:r="http://schemas.openxmlformats.org/officeDocument/2006/relationships" xmlns:p="http://schemas.openxmlformats.org/presentationml/2006/main">
+  <p:cSld>
+    <p:spTree>
+      <p:nvGrpSpPr>
+        <p:cNvPr id="1" name=""/>
+        <p:cNvGrpSpPr/>
+        <p:nvPr/>
+      </p:nvGrpSpPr>
+      <p:grpSpPr>
+        <a:xfrm>
+          <a:off x="0" y="0"/>
+          <a:ext cx="0" cy="0"/>
+          <a:chOff x="0" y="0"/>
+          <a:chExt cx="0" cy="0"/>
+        </a:xfrm>
+      </p:grpSpPr>
+      <p:pic>
+        <p:nvPicPr>
+          <p:cNvPr id="2" name="Image 1">
+            <a:extLst>
+              <a:ext uri="{FF2B5EF4-FFF2-40B4-BE49-F238E27FC236}">
+                <a16:creationId xmlns:a16="http://schemas.microsoft.com/office/drawing/2014/main" id="{E7364468-D8B0-4C14-ADD6-53E96D4248C3}"/>
+              </a:ext>
+            </a:extLst>
+          </p:cNvPr>
+          <p:cNvPicPr/>
+          <p:nvPr/>
+        </p:nvPicPr>
+        <p:blipFill>
+          <a:blip r:embed="rId2">
+            <a:extLst>
+              <a:ext uri="{28A0092B-C50C-407E-A947-70E740481C1C}">
+                <a14:useLocalDpi xmlns:a14="http://schemas.microsoft.com/office/drawing/2010/main" val="0"/>
+              </a:ext>
+            </a:extLst>
+          </a:blip>
+          <a:stretch>
+            <a:fillRect/>
+          </a:stretch>
+        </p:blipFill>
+        <p:spPr>
+          <a:xfrm>
+            <a:off x="1152525" y="921782"/>
+            <a:ext cx="7143750" cy="3050143"/>
+          </a:xfrm>
+          <a:prstGeom prst="rect">
+            <a:avLst/>
+          </a:prstGeom>
+        </p:spPr>
+      </p:pic>
+      <p:sp>
+        <p:nvSpPr>
+          <p:cNvPr id="3" name="ZoneTexte 2">
+            <a:extLst>
+              <a:ext uri="{FF2B5EF4-FFF2-40B4-BE49-F238E27FC236}">
+                <a16:creationId xmlns:a16="http://schemas.microsoft.com/office/drawing/2014/main" id="{A5D4289E-9BA5-4D53-95C5-A59DD0B646F4}"/>
+              </a:ext>
+            </a:extLst>
+          </p:cNvPr>
+          <p:cNvSpPr txBox="1"/>
+          <p:nvPr/>
+        </p:nvSpPr>
+        <p:spPr>
+          <a:xfrm>
+            <a:off x="1152525" y="552450"/>
+            <a:ext cx="2257425" cy="369332"/>
+          </a:xfrm>
+          <a:prstGeom prst="rect">
+            <a:avLst/>
+          </a:prstGeom>
+          <a:noFill/>
+        </p:spPr>
+        <p:txBody>
+          <a:bodyPr wrap="square" rtlCol="0">
+            <a:spAutoFit/>
+          </a:bodyPr>
+          <a:lstStyle/>
+          <a:p>
+            <a:r>
+              <a:rPr lang="fr-FR" dirty="0"/>
+              <a:t>CSS </a:t>
+            </a:r>
+          </a:p>
+        </p:txBody>
+      </p:sp>
+      <p:sp>
+        <p:nvSpPr>
+          <p:cNvPr id="4" name="ZoneTexte 3">
+            <a:extLst>
+              <a:ext uri="{FF2B5EF4-FFF2-40B4-BE49-F238E27FC236}">
+                <a16:creationId xmlns:a16="http://schemas.microsoft.com/office/drawing/2014/main" id="{6EF26057-455C-4FD9-ABFE-2D3DE7646A9D}"/>
+              </a:ext>
+            </a:extLst>
+          </p:cNvPr>
+          <p:cNvSpPr txBox="1"/>
+          <p:nvPr/>
+        </p:nvSpPr>
+        <p:spPr>
+          <a:xfrm>
+            <a:off x="1152525" y="4133850"/>
+            <a:ext cx="9077325" cy="3416320"/>
+          </a:xfrm>
+          <a:prstGeom prst="rect">
+            <a:avLst/>
+          </a:prstGeom>
+          <a:noFill/>
+        </p:spPr>
+        <p:txBody>
+          <a:bodyPr wrap="square" rtlCol="0">
+            <a:spAutoFit/>
+          </a:bodyPr>
+          <a:lstStyle/>
+          <a:p>
+            <a:r>
+              <a:rPr lang="fr-FR" sz="1200" dirty="0">
+                <a:latin typeface="Calibri" panose="020F0502020204030204" pitchFamily="34" charset="0"/>
+                <a:cs typeface="Calibri" panose="020F0502020204030204" pitchFamily="34" charset="0"/>
+              </a:rPr>
+              <a:t>Dans l’en tête du CSS la propriété Box-</a:t>
+            </a:r>
+            <a:r>
+              <a:rPr lang="fr-FR" sz="1200" dirty="0" err="1">
+                <a:latin typeface="Calibri" panose="020F0502020204030204" pitchFamily="34" charset="0"/>
+                <a:cs typeface="Calibri" panose="020F0502020204030204" pitchFamily="34" charset="0"/>
+              </a:rPr>
+              <a:t>sizing</a:t>
+            </a:r>
+            <a:r>
+              <a:rPr lang="fr-FR" sz="1200" dirty="0">
+                <a:latin typeface="Calibri" panose="020F0502020204030204" pitchFamily="34" charset="0"/>
+                <a:cs typeface="Calibri" panose="020F0502020204030204" pitchFamily="34" charset="0"/>
+              </a:rPr>
+              <a:t> : border-box signifie que le navigateur prendra en compte la bordure et le remplissage dans la valeur définie pour la largeur et la hauteur. En fonction des valeurs données à l’élément en hauteur et largeur, si du contenu est ajouté à l’intérieur, il sera compressé</a:t>
+            </a:r>
+            <a:r>
+              <a:rPr lang="fr-FR" dirty="0"/>
+              <a:t>. </a:t>
+            </a:r>
+          </a:p>
+          <a:p>
+            <a:r>
+              <a:rPr lang="fr-FR" sz="1200" dirty="0">
+                <a:latin typeface="Calibri" panose="020F0502020204030204" pitchFamily="34" charset="0"/>
+                <a:cs typeface="Calibri" panose="020F0502020204030204" pitchFamily="34" charset="0"/>
+              </a:rPr>
+              <a:t>-</a:t>
+            </a:r>
+            <a:r>
+              <a:rPr lang="fr-FR" sz="1200" dirty="0" err="1">
+                <a:latin typeface="Calibri" panose="020F0502020204030204" pitchFamily="34" charset="0"/>
+                <a:cs typeface="Calibri" panose="020F0502020204030204" pitchFamily="34" charset="0"/>
+              </a:rPr>
+              <a:t>webkit</a:t>
+            </a:r>
+            <a:r>
+              <a:rPr lang="fr-FR" sz="1200" dirty="0">
+                <a:latin typeface="Calibri" panose="020F0502020204030204" pitchFamily="34" charset="0"/>
+                <a:cs typeface="Calibri" panose="020F0502020204030204" pitchFamily="34" charset="0"/>
+              </a:rPr>
+              <a:t>-</a:t>
+            </a:r>
+            <a:r>
+              <a:rPr lang="fr-FR" sz="1200" dirty="0" err="1">
+                <a:latin typeface="Calibri" panose="020F0502020204030204" pitchFamily="34" charset="0"/>
+                <a:cs typeface="Calibri" panose="020F0502020204030204" pitchFamily="34" charset="0"/>
+              </a:rPr>
+              <a:t>tap</a:t>
+            </a:r>
+            <a:r>
+              <a:rPr lang="fr-FR" sz="1200" dirty="0">
+                <a:latin typeface="Calibri" panose="020F0502020204030204" pitchFamily="34" charset="0"/>
+                <a:cs typeface="Calibri" panose="020F0502020204030204" pitchFamily="34" charset="0"/>
+              </a:rPr>
+              <a:t>-highlight-</a:t>
+            </a:r>
+            <a:r>
+              <a:rPr lang="fr-FR" sz="1200" dirty="0" err="1">
+                <a:latin typeface="Calibri" panose="020F0502020204030204" pitchFamily="34" charset="0"/>
+                <a:cs typeface="Calibri" panose="020F0502020204030204" pitchFamily="34" charset="0"/>
+              </a:rPr>
+              <a:t>color</a:t>
+            </a:r>
+            <a:r>
+              <a:rPr lang="fr-FR" sz="1200" dirty="0">
+                <a:latin typeface="Calibri" panose="020F0502020204030204" pitchFamily="34" charset="0"/>
+                <a:cs typeface="Calibri" panose="020F0502020204030204" pitchFamily="34" charset="0"/>
+              </a:rPr>
+              <a:t> : signifie qu’en appuyant sur un lien, il n’y aura aucune surbrillance de couleur, </a:t>
+            </a:r>
+            <a:r>
+              <a:rPr lang="fr-FR" sz="1200" dirty="0" err="1">
+                <a:latin typeface="Calibri" panose="020F0502020204030204" pitchFamily="34" charset="0"/>
+                <a:cs typeface="Calibri" panose="020F0502020204030204" pitchFamily="34" charset="0"/>
+              </a:rPr>
+              <a:t>rgba</a:t>
+            </a:r>
+            <a:r>
+              <a:rPr lang="fr-FR" sz="1200" dirty="0">
+                <a:latin typeface="Calibri" panose="020F0502020204030204" pitchFamily="34" charset="0"/>
+                <a:cs typeface="Calibri" panose="020F0502020204030204" pitchFamily="34" charset="0"/>
+              </a:rPr>
+              <a:t>(0,0,0,0) indique la transparence.</a:t>
+            </a:r>
+          </a:p>
+          <a:p>
+            <a:r>
+              <a:rPr lang="fr-FR" sz="1200" dirty="0">
+                <a:latin typeface="Calibri" panose="020F0502020204030204" pitchFamily="34" charset="0"/>
+                <a:cs typeface="Calibri" panose="020F0502020204030204" pitchFamily="34" charset="0"/>
+              </a:rPr>
+              <a:t>-</a:t>
+            </a:r>
+            <a:r>
+              <a:rPr lang="fr-FR" sz="1200" dirty="0" err="1">
+                <a:latin typeface="Calibri" panose="020F0502020204030204" pitchFamily="34" charset="0"/>
+                <a:cs typeface="Calibri" panose="020F0502020204030204" pitchFamily="34" charset="0"/>
+              </a:rPr>
+              <a:t>webkit-touch-callout</a:t>
+            </a:r>
+            <a:r>
+              <a:rPr lang="fr-FR" sz="1200" dirty="0">
+                <a:latin typeface="Calibri" panose="020F0502020204030204" pitchFamily="34" charset="0"/>
+                <a:cs typeface="Calibri" panose="020F0502020204030204" pitchFamily="34" charset="0"/>
+              </a:rPr>
+              <a:t> : none indique la désactivation de bulle d’affichage ou d’option lorsque le doigt reste appuyé sur un élément.</a:t>
+            </a:r>
+          </a:p>
+          <a:p>
+            <a:r>
+              <a:rPr lang="fr-FR" sz="1200" dirty="0">
+                <a:latin typeface="Calibri" panose="020F0502020204030204" pitchFamily="34" charset="0"/>
+                <a:cs typeface="Calibri" panose="020F0502020204030204" pitchFamily="34" charset="0"/>
+              </a:rPr>
+              <a:t>-</a:t>
+            </a:r>
+            <a:r>
+              <a:rPr lang="fr-FR" sz="1200" dirty="0" err="1">
+                <a:latin typeface="Calibri" panose="020F0502020204030204" pitchFamily="34" charset="0"/>
+                <a:cs typeface="Calibri" panose="020F0502020204030204" pitchFamily="34" charset="0"/>
+              </a:rPr>
+              <a:t>webkit</a:t>
+            </a:r>
+            <a:r>
+              <a:rPr lang="fr-FR" sz="1200" dirty="0">
+                <a:latin typeface="Calibri" panose="020F0502020204030204" pitchFamily="34" charset="0"/>
+                <a:cs typeface="Calibri" panose="020F0502020204030204" pitchFamily="34" charset="0"/>
+              </a:rPr>
+              <a:t>-texte-size-</a:t>
+            </a:r>
+            <a:r>
+              <a:rPr lang="fr-FR" sz="1200" dirty="0" err="1">
+                <a:latin typeface="Calibri" panose="020F0502020204030204" pitchFamily="34" charset="0"/>
+                <a:cs typeface="Calibri" panose="020F0502020204030204" pitchFamily="34" charset="0"/>
+              </a:rPr>
+              <a:t>adjust</a:t>
+            </a:r>
+            <a:r>
+              <a:rPr lang="fr-FR" sz="1200" dirty="0">
+                <a:latin typeface="Calibri" panose="020F0502020204030204" pitchFamily="34" charset="0"/>
+                <a:cs typeface="Calibri" panose="020F0502020204030204" pitchFamily="34" charset="0"/>
+              </a:rPr>
+              <a:t> : none évite que le moteur du navigateur ne change la taille de la police pour s’insérer dans son conteneur.</a:t>
+            </a:r>
+          </a:p>
+          <a:p>
+            <a:r>
+              <a:rPr lang="fr-FR" sz="1200" dirty="0">
+                <a:latin typeface="Calibri" panose="020F0502020204030204" pitchFamily="34" charset="0"/>
+                <a:cs typeface="Calibri" panose="020F0502020204030204" pitchFamily="34" charset="0"/>
+              </a:rPr>
+              <a:t>-</a:t>
+            </a:r>
+            <a:r>
+              <a:rPr lang="fr-FR" sz="1200" dirty="0" err="1">
+                <a:latin typeface="Calibri" panose="020F0502020204030204" pitchFamily="34" charset="0"/>
+                <a:cs typeface="Calibri" panose="020F0502020204030204" pitchFamily="34" charset="0"/>
+              </a:rPr>
+              <a:t>webkit</a:t>
+            </a:r>
+            <a:r>
+              <a:rPr lang="fr-FR" sz="1200" dirty="0">
+                <a:latin typeface="Calibri" panose="020F0502020204030204" pitchFamily="34" charset="0"/>
+                <a:cs typeface="Calibri" panose="020F0502020204030204" pitchFamily="34" charset="0"/>
+              </a:rPr>
+              <a:t>-user-select :none empêche le copier coller, on ne pourra pas sélectionner du texte. </a:t>
+            </a:r>
+          </a:p>
+          <a:p>
+            <a:r>
+              <a:rPr lang="fr-FR" sz="1200" dirty="0" err="1">
+                <a:latin typeface="Calibri" panose="020F0502020204030204" pitchFamily="34" charset="0"/>
+                <a:cs typeface="Calibri" panose="020F0502020204030204" pitchFamily="34" charset="0"/>
+              </a:rPr>
+              <a:t>Padding</a:t>
+            </a:r>
+            <a:r>
+              <a:rPr lang="fr-FR" sz="1200" dirty="0">
+                <a:latin typeface="Calibri" panose="020F0502020204030204" pitchFamily="34" charset="0"/>
+                <a:cs typeface="Calibri" panose="020F0502020204030204" pitchFamily="34" charset="0"/>
+              </a:rPr>
+              <a:t> :</a:t>
+            </a:r>
+            <a:r>
+              <a:rPr lang="fr-FR" sz="1200" dirty="0" err="1">
+                <a:latin typeface="Calibri" panose="020F0502020204030204" pitchFamily="34" charset="0"/>
+                <a:cs typeface="Calibri" panose="020F0502020204030204" pitchFamily="34" charset="0"/>
+              </a:rPr>
+              <a:t>env</a:t>
+            </a:r>
+            <a:r>
+              <a:rPr lang="fr-FR" sz="1200" dirty="0">
+                <a:latin typeface="Calibri" panose="020F0502020204030204" pitchFamily="34" charset="0"/>
+                <a:cs typeface="Calibri" panose="020F0502020204030204" pitchFamily="34" charset="0"/>
+              </a:rPr>
+              <a:t>(</a:t>
+            </a:r>
+            <a:r>
+              <a:rPr lang="fr-FR" sz="1200" dirty="0" err="1">
+                <a:latin typeface="Calibri" panose="020F0502020204030204" pitchFamily="34" charset="0"/>
+                <a:cs typeface="Calibri" panose="020F0502020204030204" pitchFamily="34" charset="0"/>
+              </a:rPr>
+              <a:t>safe</a:t>
+            </a:r>
+            <a:r>
+              <a:rPr lang="fr-FR" sz="1200" dirty="0">
+                <a:latin typeface="Calibri" panose="020F0502020204030204" pitchFamily="34" charset="0"/>
+                <a:cs typeface="Calibri" panose="020F0502020204030204" pitchFamily="34" charset="0"/>
+              </a:rPr>
+              <a:t>-area… sont des variables d'environnement qui définissent un rectangle avec les décalages par rapport à chacun des côtés de la zone d'affichage (</a:t>
+            </a:r>
+            <a:r>
+              <a:rPr lang="fr-FR" sz="1200" dirty="0" err="1">
+                <a:latin typeface="Calibri" panose="020F0502020204030204" pitchFamily="34" charset="0"/>
+                <a:cs typeface="Calibri" panose="020F0502020204030204" pitchFamily="34" charset="0"/>
+              </a:rPr>
+              <a:t>viewport</a:t>
+            </a:r>
+            <a:r>
+              <a:rPr lang="fr-FR" sz="1200" dirty="0">
+                <a:latin typeface="Calibri" panose="020F0502020204030204" pitchFamily="34" charset="0"/>
+                <a:cs typeface="Calibri" panose="020F0502020204030204" pitchFamily="34" charset="0"/>
+              </a:rPr>
+              <a:t>) dans lequel on pourra placer du contenu sans que ce dernier puisse être rogné du fait de la forme non rectangulaire de l'affichage. (Les fameuse encoche sur les smartphones récent)</a:t>
+            </a:r>
+          </a:p>
+          <a:p>
+            <a:r>
+              <a:rPr lang="fr-FR" sz="1200" dirty="0">
+                <a:latin typeface="Calibri" panose="020F0502020204030204" pitchFamily="34" charset="0"/>
+                <a:cs typeface="Calibri" panose="020F0502020204030204" pitchFamily="34" charset="0"/>
+              </a:rPr>
+              <a:t>L’affichage principal est défini au format grille horizontalement avec 57 px pour la barre de titre, 35px pour la </a:t>
+            </a:r>
+            <a:r>
+              <a:rPr lang="fr-FR" sz="1200" dirty="0" err="1">
+                <a:latin typeface="Calibri" panose="020F0502020204030204" pitchFamily="34" charset="0"/>
+                <a:cs typeface="Calibri" panose="020F0502020204030204" pitchFamily="34" charset="0"/>
+              </a:rPr>
+              <a:t>navbar</a:t>
+            </a:r>
+            <a:r>
+              <a:rPr lang="fr-FR" sz="1200" dirty="0">
+                <a:latin typeface="Calibri" panose="020F0502020204030204" pitchFamily="34" charset="0"/>
+                <a:cs typeface="Calibri" panose="020F0502020204030204" pitchFamily="34" charset="0"/>
+              </a:rPr>
+              <a:t> dont 1fraction pour le reste de l’espace disponible</a:t>
+            </a:r>
+            <a:r>
+              <a:rPr lang="fr-FR" dirty="0"/>
+              <a:t>.</a:t>
+            </a:r>
+          </a:p>
+          <a:p>
+            <a:endParaRPr lang="fr-FR" dirty="0"/>
+          </a:p>
+          <a:p>
+            <a:endParaRPr lang="fr-FR" dirty="0"/>
+          </a:p>
+          <a:p>
+            <a:endParaRPr lang="fr-FR" dirty="0"/>
+          </a:p>
+        </p:txBody>
+      </p:sp>
+    </p:spTree>
+    <p:extLst>
+      <p:ext uri="{BB962C8B-B14F-4D97-AF65-F5344CB8AC3E}">
+        <p14:creationId xmlns:p14="http://schemas.microsoft.com/office/powerpoint/2010/main" val="655654043"/>
+      </p:ext>
+    </p:extLst>
+  </p:cSld>
+  <p:clrMapOvr>
+    <a:masterClrMapping/>
+  </p:clrMapOvr>
+</p:sld>
+</file>
+
+<file path=ppt/slides/slide27.xml><?xml version="1.0" encoding="utf-8"?>
+<p:sld xmlns:a="http://schemas.openxmlformats.org/drawingml/2006/main" xmlns:r="http://schemas.openxmlformats.org/officeDocument/2006/relationships" xmlns:p="http://schemas.openxmlformats.org/presentationml/2006/main">
+  <p:cSld>
+    <p:spTree>
+      <p:nvGrpSpPr>
+        <p:cNvPr id="1" name=""/>
+        <p:cNvGrpSpPr/>
+        <p:nvPr/>
+      </p:nvGrpSpPr>
+      <p:grpSpPr>
+        <a:xfrm>
+          <a:off x="0" y="0"/>
+          <a:ext cx="0" cy="0"/>
+          <a:chOff x="0" y="0"/>
+          <a:chExt cx="0" cy="0"/>
+        </a:xfrm>
+      </p:grpSpPr>
+      <p:sp>
+        <p:nvSpPr>
+          <p:cNvPr id="2" name="ZoneTexte 1">
+            <a:extLst>
+              <a:ext uri="{FF2B5EF4-FFF2-40B4-BE49-F238E27FC236}">
+                <a16:creationId xmlns:a16="http://schemas.microsoft.com/office/drawing/2014/main" id="{F96DBEBB-E8DF-4E6D-B255-FC2C25A4D1FF}"/>
+              </a:ext>
+            </a:extLst>
+          </p:cNvPr>
+          <p:cNvSpPr txBox="1"/>
+          <p:nvPr/>
+        </p:nvSpPr>
+        <p:spPr>
+          <a:xfrm>
+            <a:off x="914400" y="600075"/>
+            <a:ext cx="2228850" cy="369332"/>
+          </a:xfrm>
+          <a:prstGeom prst="rect">
+            <a:avLst/>
+          </a:prstGeom>
+          <a:noFill/>
+        </p:spPr>
+        <p:txBody>
+          <a:bodyPr wrap="square" rtlCol="0">
+            <a:spAutoFit/>
+          </a:bodyPr>
+          <a:lstStyle/>
+          <a:p>
+            <a:r>
+              <a:rPr lang="fr-FR" dirty="0"/>
+              <a:t>Les </a:t>
+            </a:r>
+            <a:r>
+              <a:rPr lang="fr-FR" dirty="0" err="1"/>
+              <a:t>medias</a:t>
+            </a:r>
+            <a:r>
+              <a:rPr lang="fr-FR" dirty="0"/>
+              <a:t> </a:t>
+            </a:r>
+            <a:r>
+              <a:rPr lang="fr-FR" dirty="0" err="1"/>
+              <a:t>queries</a:t>
+            </a:r>
+            <a:endParaRPr lang="fr-FR" dirty="0"/>
+          </a:p>
+        </p:txBody>
+      </p:sp>
+      <p:pic>
+        <p:nvPicPr>
+          <p:cNvPr id="4" name="Image 3">
+            <a:extLst>
+              <a:ext uri="{FF2B5EF4-FFF2-40B4-BE49-F238E27FC236}">
+                <a16:creationId xmlns:a16="http://schemas.microsoft.com/office/drawing/2014/main" id="{B43EFDB9-D67F-4F62-9942-268E4D2C96B1}"/>
+              </a:ext>
+            </a:extLst>
+          </p:cNvPr>
+          <p:cNvPicPr/>
+          <p:nvPr/>
+        </p:nvPicPr>
+        <p:blipFill>
+          <a:blip r:embed="rId2">
+            <a:extLst>
+              <a:ext uri="{28A0092B-C50C-407E-A947-70E740481C1C}">
+                <a14:useLocalDpi xmlns:a14="http://schemas.microsoft.com/office/drawing/2010/main" val="0"/>
+              </a:ext>
+            </a:extLst>
+          </a:blip>
+          <a:stretch>
+            <a:fillRect/>
+          </a:stretch>
+        </p:blipFill>
+        <p:spPr>
+          <a:xfrm>
+            <a:off x="914399" y="1393507"/>
+            <a:ext cx="8096251" cy="1721168"/>
+          </a:xfrm>
+          <a:prstGeom prst="rect">
+            <a:avLst/>
+          </a:prstGeom>
+        </p:spPr>
+      </p:pic>
+      <p:sp>
+        <p:nvSpPr>
+          <p:cNvPr id="5" name="ZoneTexte 4">
+            <a:extLst>
+              <a:ext uri="{FF2B5EF4-FFF2-40B4-BE49-F238E27FC236}">
+                <a16:creationId xmlns:a16="http://schemas.microsoft.com/office/drawing/2014/main" id="{88B40C18-076A-449E-979B-FA5D86D19D82}"/>
+              </a:ext>
+            </a:extLst>
+          </p:cNvPr>
+          <p:cNvSpPr txBox="1"/>
+          <p:nvPr/>
+        </p:nvSpPr>
+        <p:spPr>
+          <a:xfrm>
+            <a:off x="914399" y="3400275"/>
+            <a:ext cx="9648826" cy="1077218"/>
+          </a:xfrm>
+          <a:prstGeom prst="rect">
+            <a:avLst/>
+          </a:prstGeom>
+          <a:noFill/>
+        </p:spPr>
+        <p:txBody>
+          <a:bodyPr wrap="square" rtlCol="0">
+            <a:spAutoFit/>
+          </a:bodyPr>
+          <a:lstStyle/>
+          <a:p>
+            <a:r>
+              <a:rPr lang="fr-FR" sz="1200" dirty="0">
+                <a:latin typeface="Calibri" panose="020F0502020204030204" pitchFamily="34" charset="0"/>
+                <a:cs typeface="Calibri" panose="020F0502020204030204" pitchFamily="34" charset="0"/>
+              </a:rPr>
+              <a:t>Nous définissons des paramètres pour que l’application s’adapte en fonction des différentes taille d’écran</a:t>
+            </a:r>
+          </a:p>
+          <a:p>
+            <a:endParaRPr lang="fr-FR" sz="1200" dirty="0">
+              <a:latin typeface="Calibri" panose="020F0502020204030204" pitchFamily="34" charset="0"/>
+              <a:cs typeface="Calibri" panose="020F0502020204030204" pitchFamily="34" charset="0"/>
+            </a:endParaRPr>
+          </a:p>
+          <a:p>
+            <a:r>
+              <a:rPr lang="fr-FR" sz="1400" i="1" dirty="0">
+                <a:latin typeface="Calibri" panose="020F0502020204030204" pitchFamily="34" charset="0"/>
+                <a:cs typeface="Calibri" panose="020F0502020204030204" pitchFamily="34" charset="0"/>
+              </a:rPr>
+              <a:t>Pour les écrans ayant une largeur max de 320px la sidebar ou fenêtre latérale occupera 80% de la largeur de l’écran au-delà de cette largeur elle occupera 310px. </a:t>
+            </a:r>
+            <a:endParaRPr lang="fr-FR" sz="1400" dirty="0">
+              <a:latin typeface="Calibri" panose="020F0502020204030204" pitchFamily="34" charset="0"/>
+              <a:cs typeface="Calibri" panose="020F0502020204030204" pitchFamily="34" charset="0"/>
+            </a:endParaRPr>
+          </a:p>
+          <a:p>
+            <a:endParaRPr lang="fr-FR" sz="1200" dirty="0">
+              <a:latin typeface="Calibri" panose="020F0502020204030204" pitchFamily="34" charset="0"/>
+              <a:cs typeface="Calibri" panose="020F0502020204030204" pitchFamily="34" charset="0"/>
+            </a:endParaRPr>
+          </a:p>
+        </p:txBody>
+      </p:sp>
+    </p:spTree>
+    <p:extLst>
+      <p:ext uri="{BB962C8B-B14F-4D97-AF65-F5344CB8AC3E}">
+        <p14:creationId xmlns:p14="http://schemas.microsoft.com/office/powerpoint/2010/main" val="3656674175"/>
+      </p:ext>
+    </p:extLst>
+  </p:cSld>
+  <p:clrMapOvr>
+    <a:masterClrMapping/>
+  </p:clrMapOvr>
+</p:sld>
+</file>
+
+<file path=ppt/slides/slide28.xml><?xml version="1.0" encoding="utf-8"?>
+<p:sld xmlns:a="http://schemas.openxmlformats.org/drawingml/2006/main" xmlns:r="http://schemas.openxmlformats.org/officeDocument/2006/relationships" xmlns:p="http://schemas.openxmlformats.org/presentationml/2006/main">
+  <p:cSld>
+    <p:spTree>
+      <p:nvGrpSpPr>
+        <p:cNvPr id="1" name=""/>
+        <p:cNvGrpSpPr/>
+        <p:nvPr/>
+      </p:nvGrpSpPr>
+      <p:grpSpPr>
+        <a:xfrm>
+          <a:off x="0" y="0"/>
+          <a:ext cx="0" cy="0"/>
+          <a:chOff x="0" y="0"/>
+          <a:chExt cx="0" cy="0"/>
+        </a:xfrm>
+      </p:grpSpPr>
+      <p:sp>
+        <p:nvSpPr>
+          <p:cNvPr id="2" name="ZoneTexte 1">
+            <a:extLst>
+              <a:ext uri="{FF2B5EF4-FFF2-40B4-BE49-F238E27FC236}">
+                <a16:creationId xmlns:a16="http://schemas.microsoft.com/office/drawing/2014/main" id="{95EFC8A3-6805-40DB-9EF0-854958FC6CD9}"/>
+              </a:ext>
+            </a:extLst>
+          </p:cNvPr>
+          <p:cNvSpPr txBox="1"/>
+          <p:nvPr/>
+        </p:nvSpPr>
+        <p:spPr>
+          <a:xfrm>
+            <a:off x="800100" y="590550"/>
+            <a:ext cx="2333625" cy="369332"/>
+          </a:xfrm>
+          <a:prstGeom prst="rect">
+            <a:avLst/>
+          </a:prstGeom>
+          <a:noFill/>
+        </p:spPr>
+        <p:txBody>
+          <a:bodyPr wrap="square" rtlCol="0">
+            <a:spAutoFit/>
+          </a:bodyPr>
+          <a:lstStyle/>
+          <a:p>
+            <a:r>
+              <a:rPr lang="fr-FR" dirty="0"/>
+              <a:t>RENDU</a:t>
+            </a:r>
+          </a:p>
+        </p:txBody>
+      </p:sp>
+    </p:spTree>
+    <p:extLst>
+      <p:ext uri="{BB962C8B-B14F-4D97-AF65-F5344CB8AC3E}">
+        <p14:creationId xmlns:p14="http://schemas.microsoft.com/office/powerpoint/2010/main" val="1798087416"/>
+      </p:ext>
+    </p:extLst>
+  </p:cSld>
+  <p:clrMapOvr>
+    <a:masterClrMapping/>
+  </p:clrMapOvr>
+</p:sld>
+</file>
+
+<file path=ppt/slides/slide29.xml><?xml version="1.0" encoding="utf-8"?>
+<p:sld xmlns:a="http://schemas.openxmlformats.org/drawingml/2006/main" xmlns:r="http://schemas.openxmlformats.org/officeDocument/2006/relationships" xmlns:p="http://schemas.openxmlformats.org/presentationml/2006/main">
+  <p:cSld>
+    <p:spTree>
+      <p:nvGrpSpPr>
+        <p:cNvPr id="1" name=""/>
+        <p:cNvGrpSpPr/>
+        <p:nvPr/>
+      </p:nvGrpSpPr>
+      <p:grpSpPr>
+        <a:xfrm>
+          <a:off x="0" y="0"/>
+          <a:ext cx="0" cy="0"/>
+          <a:chOff x="0" y="0"/>
+          <a:chExt cx="0" cy="0"/>
+        </a:xfrm>
+      </p:grpSpPr>
+      <p:sp>
+        <p:nvSpPr>
+          <p:cNvPr id="4" name="Titre 3">
+            <a:extLst>
+              <a:ext uri="{FF2B5EF4-FFF2-40B4-BE49-F238E27FC236}">
+                <a16:creationId xmlns:a16="http://schemas.microsoft.com/office/drawing/2014/main" id="{AE16352C-1417-4DA3-A4E6-E3A6AAE0C1D4}"/>
+              </a:ext>
+            </a:extLst>
+          </p:cNvPr>
+          <p:cNvSpPr>
+            <a:spLocks noGrp="1"/>
+          </p:cNvSpPr>
+          <p:nvPr>
+            <p:ph type="title"/>
+          </p:nvPr>
+        </p:nvSpPr>
+        <p:spPr/>
+        <p:txBody>
+          <a:bodyPr/>
+          <a:lstStyle/>
+          <a:p>
+            <a:r>
+              <a:rPr lang="fr-FR" dirty="0"/>
+              <a:t>En Conclusion</a:t>
+            </a:r>
+          </a:p>
+        </p:txBody>
+      </p:sp>
+      <p:sp>
+        <p:nvSpPr>
+          <p:cNvPr id="8" name="Espace réservé du contenu 7">
+            <a:extLst>
+              <a:ext uri="{FF2B5EF4-FFF2-40B4-BE49-F238E27FC236}">
+                <a16:creationId xmlns:a16="http://schemas.microsoft.com/office/drawing/2014/main" id="{46878D28-284F-4FA0-9258-E5BFE2A8ED1A}"/>
+              </a:ext>
+            </a:extLst>
+          </p:cNvPr>
+          <p:cNvSpPr>
+            <a:spLocks noGrp="1"/>
+          </p:cNvSpPr>
+          <p:nvPr>
+            <p:ph idx="1"/>
+          </p:nvPr>
+        </p:nvSpPr>
+        <p:spPr/>
+        <p:txBody>
+          <a:bodyPr>
+            <a:normAutofit fontScale="70000" lnSpcReduction="20000"/>
+          </a:bodyPr>
+          <a:lstStyle/>
+          <a:p>
+            <a:pPr lvl="0"/>
+            <a:r>
+              <a:rPr lang="fr-FR" dirty="0"/>
+              <a:t>Pour l’application News Antilles nous n’avons pas pu intégrer la fonction de notifications car c’est au-delà de nos compétences.</a:t>
+            </a:r>
+          </a:p>
+          <a:p>
+            <a:pPr marL="0" indent="0">
+              <a:buNone/>
+            </a:pPr>
+            <a:r>
+              <a:rPr lang="fr-FR" dirty="0"/>
+              <a:t> </a:t>
+            </a:r>
+          </a:p>
+          <a:p>
+            <a:pPr lvl="0"/>
+            <a:r>
+              <a:rPr lang="fr-FR" dirty="0"/>
+              <a:t> A cause d’un problème de flux RSS sur le site web, la rubrique regroupant tous les récents articles de chaque catégorie de news n’a pu être ajouter.</a:t>
+            </a:r>
+          </a:p>
+          <a:p>
+            <a:pPr marL="0" indent="0">
+              <a:buNone/>
+            </a:pPr>
+            <a:endParaRPr lang="fr-FR" u="sng" dirty="0"/>
+          </a:p>
+          <a:p>
+            <a:pPr marL="0" indent="0">
+              <a:buNone/>
+            </a:pPr>
+            <a:r>
+              <a:rPr lang="fr-FR" u="sng" dirty="0"/>
+              <a:t>Perspective</a:t>
+            </a:r>
+          </a:p>
+          <a:p>
+            <a:pPr marL="0" indent="0">
+              <a:buNone/>
+            </a:pPr>
+            <a:r>
+              <a:rPr lang="fr-FR" u="sng" dirty="0"/>
+              <a:t> </a:t>
+            </a:r>
+            <a:endParaRPr lang="fr-FR" dirty="0"/>
+          </a:p>
+          <a:p>
+            <a:r>
+              <a:rPr lang="fr-FR" dirty="0"/>
+              <a:t>Une version plus aboutie de l’application avant sa disponibilité sur le store Android est prévue, une version IOS de l’application sera disponible par la suite, le site News Antilles subira une refonte et de nouvelle possibilité d’interaction comme la possibilité de laissé des commentaires à partir de l’application mobile est envisagé.</a:t>
+            </a:r>
+          </a:p>
+          <a:p>
+            <a:pPr marL="0" indent="0">
+              <a:buNone/>
+            </a:pPr>
+            <a:r>
+              <a:rPr lang="fr-FR" dirty="0"/>
+              <a:t> </a:t>
+            </a:r>
+          </a:p>
+          <a:p>
+            <a:endParaRPr lang="fr-FR" dirty="0"/>
+          </a:p>
+        </p:txBody>
+      </p:sp>
+    </p:spTree>
+    <p:extLst>
+      <p:ext uri="{BB962C8B-B14F-4D97-AF65-F5344CB8AC3E}">
+        <p14:creationId xmlns:p14="http://schemas.microsoft.com/office/powerpoint/2010/main" val="4005294129"/>
       </p:ext>
     </p:extLst>
   </p:cSld>
@@ -9778,7 +14115,7 @@
           <a:p>
             <a:r>
               <a:rPr lang="fr-FR" dirty="0"/>
-              <a:t>ASSOCIATION NEWS ANTILLES</a:t>
+              <a:t>PRESENTATION DE L’ENTREPRISE</a:t>
             </a:r>
           </a:p>
         </p:txBody>
@@ -9804,7 +14141,7 @@
           <a:bodyPr/>
           <a:lstStyle/>
           <a:p>
-            <a:endParaRPr lang="fr-FR"/>
+            <a:endParaRPr lang="fr-FR" dirty="0"/>
           </a:p>
         </p:txBody>
       </p:sp>
@@ -9812,6 +14149,294 @@
     <p:extLst>
       <p:ext uri="{BB962C8B-B14F-4D97-AF65-F5344CB8AC3E}">
         <p14:creationId xmlns:p14="http://schemas.microsoft.com/office/powerpoint/2010/main" val="1147603187"/>
+      </p:ext>
+    </p:extLst>
+  </p:cSld>
+  <p:clrMapOvr>
+    <a:masterClrMapping/>
+  </p:clrMapOvr>
+</p:sld>
+</file>
+
+<file path=ppt/slides/slide30.xml><?xml version="1.0" encoding="utf-8"?>
+<p:sld xmlns:a="http://schemas.openxmlformats.org/drawingml/2006/main" xmlns:r="http://schemas.openxmlformats.org/officeDocument/2006/relationships" xmlns:p="http://schemas.openxmlformats.org/presentationml/2006/main">
+  <p:cSld>
+    <p:spTree>
+      <p:nvGrpSpPr>
+        <p:cNvPr id="1" name=""/>
+        <p:cNvGrpSpPr/>
+        <p:nvPr/>
+      </p:nvGrpSpPr>
+      <p:grpSpPr>
+        <a:xfrm>
+          <a:off x="0" y="0"/>
+          <a:ext cx="0" cy="0"/>
+          <a:chOff x="0" y="0"/>
+          <a:chExt cx="0" cy="0"/>
+        </a:xfrm>
+      </p:grpSpPr>
+      <p:sp>
+        <p:nvSpPr>
+          <p:cNvPr id="2" name="Titre 1">
+            <a:extLst>
+              <a:ext uri="{FF2B5EF4-FFF2-40B4-BE49-F238E27FC236}">
+                <a16:creationId xmlns:a16="http://schemas.microsoft.com/office/drawing/2014/main" id="{37C83DC5-5724-47EB-A252-A0B3CAF63E3E}"/>
+              </a:ext>
+            </a:extLst>
+          </p:cNvPr>
+          <p:cNvSpPr>
+            <a:spLocks noGrp="1"/>
+          </p:cNvSpPr>
+          <p:nvPr>
+            <p:ph type="title"/>
+          </p:nvPr>
+        </p:nvSpPr>
+        <p:spPr/>
+        <p:txBody>
+          <a:bodyPr/>
+          <a:lstStyle/>
+          <a:p>
+            <a:r>
+              <a:rPr lang="fr-FR" dirty="0"/>
+              <a:t>REMERCIEMENTS</a:t>
+            </a:r>
+          </a:p>
+        </p:txBody>
+      </p:sp>
+      <p:sp>
+        <p:nvSpPr>
+          <p:cNvPr id="3" name="Espace réservé du contenu 2">
+            <a:extLst>
+              <a:ext uri="{FF2B5EF4-FFF2-40B4-BE49-F238E27FC236}">
+                <a16:creationId xmlns:a16="http://schemas.microsoft.com/office/drawing/2014/main" id="{C3719DAD-D4AC-48A7-A17D-DCEEE12BF5BC}"/>
+              </a:ext>
+            </a:extLst>
+          </p:cNvPr>
+          <p:cNvSpPr>
+            <a:spLocks noGrp="1"/>
+          </p:cNvSpPr>
+          <p:nvPr>
+            <p:ph idx="1"/>
+          </p:nvPr>
+        </p:nvSpPr>
+        <p:spPr>
+          <a:xfrm>
+            <a:off x="680321" y="2336872"/>
+            <a:ext cx="9613861" cy="3892477"/>
+          </a:xfrm>
+        </p:spPr>
+        <p:txBody>
+          <a:bodyPr>
+            <a:normAutofit fontScale="92500" lnSpcReduction="20000"/>
+          </a:bodyPr>
+          <a:lstStyle/>
+          <a:p>
+            <a:pPr marL="0" indent="0">
+              <a:buNone/>
+            </a:pPr>
+            <a:r>
+              <a:rPr lang="fr-FR" dirty="0"/>
+              <a:t>Je tiens tout d’abord à remercier Fore Alternance</a:t>
+            </a:r>
+          </a:p>
+          <a:p>
+            <a:pPr marL="0" indent="0">
+              <a:buNone/>
+            </a:pPr>
+            <a:r>
+              <a:rPr lang="fr-FR" dirty="0"/>
+              <a:t>pour m’avoir permis de faire cette formation.</a:t>
+            </a:r>
+          </a:p>
+          <a:p>
+            <a:pPr marL="0" indent="0">
+              <a:buNone/>
+            </a:pPr>
+            <a:r>
+              <a:rPr lang="fr-FR" dirty="0"/>
+              <a:t>								</a:t>
+            </a:r>
+          </a:p>
+          <a:p>
+            <a:pPr marL="0" indent="0">
+              <a:buNone/>
+            </a:pPr>
+            <a:r>
+              <a:rPr lang="fr-FR" dirty="0"/>
+              <a:t>La Région Guadeloupe pour avoir financer la </a:t>
+            </a:r>
+          </a:p>
+          <a:p>
+            <a:pPr marL="0" indent="0">
+              <a:buNone/>
+            </a:pPr>
+            <a:r>
+              <a:rPr lang="fr-FR" dirty="0"/>
+              <a:t>formation.  </a:t>
+            </a:r>
+          </a:p>
+          <a:p>
+            <a:pPr marL="0" indent="0">
+              <a:buNone/>
+            </a:pPr>
+            <a:endParaRPr lang="fr-FR" dirty="0"/>
+          </a:p>
+          <a:p>
+            <a:pPr marL="0" indent="0">
+              <a:buNone/>
+            </a:pPr>
+            <a:r>
+              <a:rPr lang="fr-FR" dirty="0"/>
+              <a:t>Mr Jean Marie </a:t>
+            </a:r>
+            <a:r>
+              <a:rPr lang="fr-FR" dirty="0" err="1"/>
+              <a:t>Azede</a:t>
+            </a:r>
+            <a:r>
+              <a:rPr lang="fr-FR" dirty="0"/>
+              <a:t> de l’association</a:t>
+            </a:r>
+          </a:p>
+          <a:p>
+            <a:pPr marL="0" indent="0">
+              <a:buNone/>
+            </a:pPr>
+            <a:r>
+              <a:rPr lang="fr-FR" dirty="0" err="1"/>
+              <a:t>NewsAntilles</a:t>
+            </a:r>
+            <a:r>
+              <a:rPr lang="fr-FR" dirty="0"/>
+              <a:t>.                     </a:t>
+            </a:r>
+          </a:p>
+          <a:p>
+            <a:pPr marL="0" indent="0">
+              <a:buNone/>
+            </a:pPr>
+            <a:r>
+              <a:rPr lang="fr-FR" dirty="0"/>
+              <a:t> </a:t>
+            </a:r>
+          </a:p>
+          <a:p>
+            <a:pPr marL="0" indent="0">
+              <a:buNone/>
+            </a:pPr>
+            <a:r>
+              <a:rPr lang="fr-FR" dirty="0" err="1"/>
+              <a:t>Luidgi</a:t>
+            </a:r>
+            <a:r>
+              <a:rPr lang="fr-FR" dirty="0"/>
+              <a:t> </a:t>
+            </a:r>
+            <a:r>
+              <a:rPr lang="fr-FR" dirty="0" err="1"/>
+              <a:t>Boromee</a:t>
+            </a:r>
+            <a:r>
+              <a:rPr lang="fr-FR" dirty="0"/>
+              <a:t> pour sa collaboration au projet.</a:t>
+            </a:r>
+          </a:p>
+        </p:txBody>
+      </p:sp>
+      <p:pic>
+        <p:nvPicPr>
+          <p:cNvPr id="5" name="Image 4">
+            <a:extLst>
+              <a:ext uri="{FF2B5EF4-FFF2-40B4-BE49-F238E27FC236}">
+                <a16:creationId xmlns:a16="http://schemas.microsoft.com/office/drawing/2014/main" id="{863BB10E-EC2B-42C2-B66E-64CA93851AFA}"/>
+              </a:ext>
+            </a:extLst>
+          </p:cNvPr>
+          <p:cNvPicPr>
+            <a:picLocks noChangeAspect="1"/>
+          </p:cNvPicPr>
+          <p:nvPr/>
+        </p:nvPicPr>
+        <p:blipFill>
+          <a:blip r:embed="rId2"/>
+          <a:stretch>
+            <a:fillRect/>
+          </a:stretch>
+        </p:blipFill>
+        <p:spPr>
+          <a:xfrm>
+            <a:off x="8474905" y="1960601"/>
+            <a:ext cx="1345369" cy="1210432"/>
+          </a:xfrm>
+          <a:prstGeom prst="rect">
+            <a:avLst/>
+          </a:prstGeom>
+        </p:spPr>
+      </p:pic>
+      <p:pic>
+        <p:nvPicPr>
+          <p:cNvPr id="7" name="Image 6">
+            <a:extLst>
+              <a:ext uri="{FF2B5EF4-FFF2-40B4-BE49-F238E27FC236}">
+                <a16:creationId xmlns:a16="http://schemas.microsoft.com/office/drawing/2014/main" id="{863EFC6C-0AC8-468E-B968-8AA38B0E6922}"/>
+              </a:ext>
+            </a:extLst>
+          </p:cNvPr>
+          <p:cNvPicPr>
+            <a:picLocks noChangeAspect="1"/>
+          </p:cNvPicPr>
+          <p:nvPr/>
+        </p:nvPicPr>
+        <p:blipFill>
+          <a:blip r:embed="rId3"/>
+          <a:stretch>
+            <a:fillRect/>
+          </a:stretch>
+        </p:blipFill>
+        <p:spPr>
+          <a:xfrm>
+            <a:off x="8522530" y="3258981"/>
+            <a:ext cx="1219202" cy="1094243"/>
+          </a:xfrm>
+          <a:prstGeom prst="rect">
+            <a:avLst/>
+          </a:prstGeom>
+        </p:spPr>
+      </p:pic>
+      <p:pic>
+        <p:nvPicPr>
+          <p:cNvPr id="9" name="Image 8">
+            <a:extLst>
+              <a:ext uri="{FF2B5EF4-FFF2-40B4-BE49-F238E27FC236}">
+                <a16:creationId xmlns:a16="http://schemas.microsoft.com/office/drawing/2014/main" id="{2048690A-3863-474E-8384-1C3DF7C8F062}"/>
+              </a:ext>
+            </a:extLst>
+          </p:cNvPr>
+          <p:cNvPicPr>
+            <a:picLocks noChangeAspect="1"/>
+          </p:cNvPicPr>
+          <p:nvPr/>
+        </p:nvPicPr>
+        <p:blipFill>
+          <a:blip r:embed="rId4"/>
+          <a:stretch>
+            <a:fillRect/>
+          </a:stretch>
+        </p:blipFill>
+        <p:spPr>
+          <a:xfrm>
+            <a:off x="6931857" y="4479659"/>
+            <a:ext cx="2809875" cy="732891"/>
+          </a:xfrm>
+          <a:prstGeom prst="rect">
+            <a:avLst/>
+          </a:prstGeom>
+        </p:spPr>
+      </p:pic>
+    </p:spTree>
+    <p:extLst>
+      <p:ext uri="{BB962C8B-B14F-4D97-AF65-F5344CB8AC3E}">
+        <p14:creationId xmlns:p14="http://schemas.microsoft.com/office/powerpoint/2010/main" val="124816334"/>
       </p:ext>
     </p:extLst>
   </p:cSld>
@@ -11211,19 +15836,19 @@
           <a:p>
             <a:r>
               <a:rPr lang="fr-FR" dirty="0"/>
+              <a:t>Outils technologiques</a:t>
+            </a:r>
+          </a:p>
+          <a:p>
+            <a:r>
+              <a:rPr lang="fr-FR" dirty="0"/>
               <a:t>Maquettage/Prototypage</a:t>
             </a:r>
           </a:p>
           <a:p>
             <a:r>
               <a:rPr lang="fr-FR" dirty="0"/>
-              <a:t>Dévelloppement/Conception</a:t>
-            </a:r>
-          </a:p>
-          <a:p>
-            <a:r>
-              <a:rPr lang="fr-FR" dirty="0"/>
-              <a:t>Phase de test </a:t>
+              <a:t>Conception</a:t>
             </a:r>
           </a:p>
           <a:p>

--- a/DEVELLOPEUR WEB ET WEB MOBILE.pptx
+++ b/DEVELLOPEUR WEB ET WEB MOBILE.pptx
@@ -1923,7 +1923,7 @@
           <a:p>
             <a:fld id="{48A87A34-81AB-432B-8DAE-1953F412C126}" type="datetimeFigureOut">
               <a:rPr lang="en-US" smtClean="0"/>
-              <a:t>10/17/2019</a:t>
+              <a:t>10/18/2019</a:t>
             </a:fld>
             <a:endParaRPr lang="en-US" dirty="0"/>
           </a:p>
@@ -2338,7 +2338,7 @@
             <a:fld id="{48A87A34-81AB-432B-8DAE-1953F412C126}" type="datetimeFigureOut">
               <a:rPr lang="en-US" smtClean="0"/>
               <a:pPr/>
-              <a:t>10/17/2019</a:t>
+              <a:t>10/18/2019</a:t>
             </a:fld>
             <a:endParaRPr lang="en-US" dirty="0"/>
           </a:p>
@@ -2676,7 +2676,7 @@
             <a:fld id="{48A87A34-81AB-432B-8DAE-1953F412C126}" type="datetimeFigureOut">
               <a:rPr lang="en-US" smtClean="0"/>
               <a:pPr/>
-              <a:t>10/17/2019</a:t>
+              <a:t>10/18/2019</a:t>
             </a:fld>
             <a:endParaRPr lang="en-US" dirty="0"/>
           </a:p>
@@ -3083,7 +3083,7 @@
             <a:fld id="{48A87A34-81AB-432B-8DAE-1953F412C126}" type="datetimeFigureOut">
               <a:rPr lang="en-US" smtClean="0"/>
               <a:pPr/>
-              <a:t>10/17/2019</a:t>
+              <a:t>10/18/2019</a:t>
             </a:fld>
             <a:endParaRPr lang="en-US" dirty="0"/>
           </a:p>
@@ -3653,7 +3653,7 @@
             <a:fld id="{48A87A34-81AB-432B-8DAE-1953F412C126}" type="datetimeFigureOut">
               <a:rPr lang="en-US" smtClean="0"/>
               <a:pPr/>
-              <a:t>10/17/2019</a:t>
+              <a:t>10/18/2019</a:t>
             </a:fld>
             <a:endParaRPr lang="en-US" dirty="0"/>
           </a:p>
@@ -4336,7 +4336,7 @@
             <a:fld id="{48A87A34-81AB-432B-8DAE-1953F412C126}" type="datetimeFigureOut">
               <a:rPr lang="en-US" smtClean="0"/>
               <a:pPr/>
-              <a:t>10/17/2019</a:t>
+              <a:t>10/18/2019</a:t>
             </a:fld>
             <a:endParaRPr lang="en-US" dirty="0"/>
           </a:p>
@@ -5251,7 +5251,7 @@
             <a:fld id="{48A87A34-81AB-432B-8DAE-1953F412C126}" type="datetimeFigureOut">
               <a:rPr lang="en-US" smtClean="0"/>
               <a:pPr/>
-              <a:t>10/17/2019</a:t>
+              <a:t>10/18/2019</a:t>
             </a:fld>
             <a:endParaRPr lang="en-US" dirty="0"/>
           </a:p>
@@ -5566,7 +5566,7 @@
             <a:fld id="{48A87A34-81AB-432B-8DAE-1953F412C126}" type="datetimeFigureOut">
               <a:rPr lang="en-US" smtClean="0"/>
               <a:pPr/>
-              <a:t>10/17/2019</a:t>
+              <a:t>10/18/2019</a:t>
             </a:fld>
             <a:endParaRPr lang="en-US" dirty="0"/>
           </a:p>
@@ -5832,7 +5832,7 @@
             <a:fld id="{48A87A34-81AB-432B-8DAE-1953F412C126}" type="datetimeFigureOut">
               <a:rPr lang="en-US" smtClean="0"/>
               <a:pPr/>
-              <a:t>10/17/2019</a:t>
+              <a:t>10/18/2019</a:t>
             </a:fld>
             <a:endParaRPr lang="en-US" dirty="0"/>
           </a:p>
@@ -6022,7 +6022,7 @@
           <a:p>
             <a:fld id="{48A87A34-81AB-432B-8DAE-1953F412C126}" type="datetimeFigureOut">
               <a:rPr lang="en-US" dirty="0"/>
-              <a:t>10/17/2019</a:t>
+              <a:t>10/18/2019</a:t>
             </a:fld>
             <a:endParaRPr lang="en-US" dirty="0"/>
           </a:p>
@@ -6332,7 +6332,7 @@
             <a:fld id="{48A87A34-81AB-432B-8DAE-1953F412C126}" type="datetimeFigureOut">
               <a:rPr lang="en-US" smtClean="0"/>
               <a:pPr/>
-              <a:t>10/17/2019</a:t>
+              <a:t>10/18/2019</a:t>
             </a:fld>
             <a:endParaRPr lang="en-US" dirty="0"/>
           </a:p>
@@ -6722,7 +6722,7 @@
           <a:p>
             <a:fld id="{48A87A34-81AB-432B-8DAE-1953F412C126}" type="datetimeFigureOut">
               <a:rPr lang="en-US" smtClean="0"/>
-              <a:t>10/17/2019</a:t>
+              <a:t>10/18/2019</a:t>
             </a:fld>
             <a:endParaRPr lang="en-US" dirty="0"/>
           </a:p>
@@ -7099,7 +7099,7 @@
             <a:fld id="{48A87A34-81AB-432B-8DAE-1953F412C126}" type="datetimeFigureOut">
               <a:rPr lang="en-US" smtClean="0"/>
               <a:pPr/>
-              <a:t>10/17/2019</a:t>
+              <a:t>10/18/2019</a:t>
             </a:fld>
             <a:endParaRPr lang="en-US" dirty="0"/>
           </a:p>
@@ -7607,7 +7607,7 @@
             <a:fld id="{48A87A34-81AB-432B-8DAE-1953F412C126}" type="datetimeFigureOut">
               <a:rPr lang="en-US" smtClean="0"/>
               <a:pPr/>
-              <a:t>10/17/2019</a:t>
+              <a:t>10/18/2019</a:t>
             </a:fld>
             <a:endParaRPr lang="en-US" dirty="0"/>
           </a:p>
@@ -7865,7 +7865,7 @@
           <a:p>
             <a:fld id="{48A87A34-81AB-432B-8DAE-1953F412C126}" type="datetimeFigureOut">
               <a:rPr lang="en-US" smtClean="0"/>
-              <a:t>10/17/2019</a:t>
+              <a:t>10/18/2019</a:t>
             </a:fld>
             <a:endParaRPr lang="en-US" dirty="0"/>
           </a:p>
@@ -8028,7 +8028,7 @@
           <a:p>
             <a:fld id="{48A87A34-81AB-432B-8DAE-1953F412C126}" type="datetimeFigureOut">
               <a:rPr lang="en-US" smtClean="0"/>
-              <a:t>10/17/2019</a:t>
+              <a:t>10/18/2019</a:t>
             </a:fld>
             <a:endParaRPr lang="en-US" dirty="0"/>
           </a:p>
@@ -8419,7 +8419,7 @@
             <a:fld id="{48A87A34-81AB-432B-8DAE-1953F412C126}" type="datetimeFigureOut">
               <a:rPr lang="en-US" smtClean="0"/>
               <a:pPr/>
-              <a:t>10/17/2019</a:t>
+              <a:t>10/18/2019</a:t>
             </a:fld>
             <a:endParaRPr lang="en-US" dirty="0"/>
           </a:p>
@@ -8829,7 +8829,7 @@
           <a:p>
             <a:fld id="{48A87A34-81AB-432B-8DAE-1953F412C126}" type="datetimeFigureOut">
               <a:rPr lang="en-US" smtClean="0"/>
-              <a:t>10/17/2019</a:t>
+              <a:t>10/18/2019</a:t>
             </a:fld>
             <a:endParaRPr lang="en-US" dirty="0"/>
           </a:p>
@@ -9074,7 +9074,7 @@
             <a:fld id="{48A87A34-81AB-432B-8DAE-1953F412C126}" type="datetimeFigureOut">
               <a:rPr lang="en-US" smtClean="0"/>
               <a:pPr/>
-              <a:t>10/17/2019</a:t>
+              <a:t>10/18/2019</a:t>
             </a:fld>
             <a:endParaRPr lang="en-US" dirty="0"/>
           </a:p>
@@ -10580,7 +10580,7 @@
         <p:spPr>
           <a:xfrm>
             <a:off x="276225" y="539750"/>
-            <a:ext cx="9613900" cy="6301020"/>
+            <a:ext cx="9613900" cy="5951181"/>
           </a:xfrm>
           <a:prstGeom prst="rect">
             <a:avLst/>
@@ -10801,21 +10801,7 @@
                 <a:latin typeface="Calibri" panose="020F0502020204030204" pitchFamily="34" charset="0"/>
                 <a:cs typeface="Calibri" panose="020F0502020204030204" pitchFamily="34" charset="0"/>
               </a:rPr>
-              <a:t> » pour être la même que la taille de l'écran de l'appareil utilisé pour afficher le site. L'échelle d'affichage du site sera 100 % et l'échelle maximum également de 100</a:t>
-            </a:r>
-            <a:endParaRPr lang="fr-FR" sz="1600" i="1" dirty="0">
-              <a:latin typeface="Calibri" panose="020F0502020204030204" pitchFamily="34" charset="0"/>
-              <a:ea typeface="Calibri" panose="020F0502020204030204" pitchFamily="34" charset="0"/>
-              <a:cs typeface="Calibri" panose="020F0502020204030204" pitchFamily="34" charset="0"/>
-            </a:endParaRPr>
-          </a:p>
-          <a:p>
-            <a:r>
-              <a:rPr lang="fr-FR" sz="1600" dirty="0">
-                <a:latin typeface="Calibri" panose="020F0502020204030204" pitchFamily="34" charset="0"/>
-                <a:cs typeface="Calibri" panose="020F0502020204030204" pitchFamily="34" charset="0"/>
-              </a:rPr>
-              <a:t>%.</a:t>
+              <a:t> » pour être la même que la taille de l'écran de l'appareil utilisé pour afficher le site. L'échelle d'affichage du site sera 100 % et l'échelle maximum également de 100 %.</a:t>
             </a:r>
           </a:p>
           <a:p>

--- a/DEVELLOPEUR WEB ET WEB MOBILE.pptx
+++ b/DEVELLOPEUR WEB ET WEB MOBILE.pptx
@@ -1923,7 +1923,7 @@
           <a:p>
             <a:fld id="{48A87A34-81AB-432B-8DAE-1953F412C126}" type="datetimeFigureOut">
               <a:rPr lang="en-US" smtClean="0"/>
-              <a:t>10/18/2019</a:t>
+              <a:t>10/21/2019</a:t>
             </a:fld>
             <a:endParaRPr lang="en-US" dirty="0"/>
           </a:p>
@@ -2338,7 +2338,7 @@
             <a:fld id="{48A87A34-81AB-432B-8DAE-1953F412C126}" type="datetimeFigureOut">
               <a:rPr lang="en-US" smtClean="0"/>
               <a:pPr/>
-              <a:t>10/18/2019</a:t>
+              <a:t>10/21/2019</a:t>
             </a:fld>
             <a:endParaRPr lang="en-US" dirty="0"/>
           </a:p>
@@ -2676,7 +2676,7 @@
             <a:fld id="{48A87A34-81AB-432B-8DAE-1953F412C126}" type="datetimeFigureOut">
               <a:rPr lang="en-US" smtClean="0"/>
               <a:pPr/>
-              <a:t>10/18/2019</a:t>
+              <a:t>10/21/2019</a:t>
             </a:fld>
             <a:endParaRPr lang="en-US" dirty="0"/>
           </a:p>
@@ -3083,7 +3083,7 @@
             <a:fld id="{48A87A34-81AB-432B-8DAE-1953F412C126}" type="datetimeFigureOut">
               <a:rPr lang="en-US" smtClean="0"/>
               <a:pPr/>
-              <a:t>10/18/2019</a:t>
+              <a:t>10/21/2019</a:t>
             </a:fld>
             <a:endParaRPr lang="en-US" dirty="0"/>
           </a:p>
@@ -3653,7 +3653,7 @@
             <a:fld id="{48A87A34-81AB-432B-8DAE-1953F412C126}" type="datetimeFigureOut">
               <a:rPr lang="en-US" smtClean="0"/>
               <a:pPr/>
-              <a:t>10/18/2019</a:t>
+              <a:t>10/21/2019</a:t>
             </a:fld>
             <a:endParaRPr lang="en-US" dirty="0"/>
           </a:p>
@@ -4336,7 +4336,7 @@
             <a:fld id="{48A87A34-81AB-432B-8DAE-1953F412C126}" type="datetimeFigureOut">
               <a:rPr lang="en-US" smtClean="0"/>
               <a:pPr/>
-              <a:t>10/18/2019</a:t>
+              <a:t>10/21/2019</a:t>
             </a:fld>
             <a:endParaRPr lang="en-US" dirty="0"/>
           </a:p>
@@ -5251,7 +5251,7 @@
             <a:fld id="{48A87A34-81AB-432B-8DAE-1953F412C126}" type="datetimeFigureOut">
               <a:rPr lang="en-US" smtClean="0"/>
               <a:pPr/>
-              <a:t>10/18/2019</a:t>
+              <a:t>10/21/2019</a:t>
             </a:fld>
             <a:endParaRPr lang="en-US" dirty="0"/>
           </a:p>
@@ -5566,7 +5566,7 @@
             <a:fld id="{48A87A34-81AB-432B-8DAE-1953F412C126}" type="datetimeFigureOut">
               <a:rPr lang="en-US" smtClean="0"/>
               <a:pPr/>
-              <a:t>10/18/2019</a:t>
+              <a:t>10/21/2019</a:t>
             </a:fld>
             <a:endParaRPr lang="en-US" dirty="0"/>
           </a:p>
@@ -5832,7 +5832,7 @@
             <a:fld id="{48A87A34-81AB-432B-8DAE-1953F412C126}" type="datetimeFigureOut">
               <a:rPr lang="en-US" smtClean="0"/>
               <a:pPr/>
-              <a:t>10/18/2019</a:t>
+              <a:t>10/21/2019</a:t>
             </a:fld>
             <a:endParaRPr lang="en-US" dirty="0"/>
           </a:p>
@@ -6022,7 +6022,7 @@
           <a:p>
             <a:fld id="{48A87A34-81AB-432B-8DAE-1953F412C126}" type="datetimeFigureOut">
               <a:rPr lang="en-US" dirty="0"/>
-              <a:t>10/18/2019</a:t>
+              <a:t>10/21/2019</a:t>
             </a:fld>
             <a:endParaRPr lang="en-US" dirty="0"/>
           </a:p>
@@ -6332,7 +6332,7 @@
             <a:fld id="{48A87A34-81AB-432B-8DAE-1953F412C126}" type="datetimeFigureOut">
               <a:rPr lang="en-US" smtClean="0"/>
               <a:pPr/>
-              <a:t>10/18/2019</a:t>
+              <a:t>10/21/2019</a:t>
             </a:fld>
             <a:endParaRPr lang="en-US" dirty="0"/>
           </a:p>
@@ -6722,7 +6722,7 @@
           <a:p>
             <a:fld id="{48A87A34-81AB-432B-8DAE-1953F412C126}" type="datetimeFigureOut">
               <a:rPr lang="en-US" smtClean="0"/>
-              <a:t>10/18/2019</a:t>
+              <a:t>10/21/2019</a:t>
             </a:fld>
             <a:endParaRPr lang="en-US" dirty="0"/>
           </a:p>
@@ -7099,7 +7099,7 @@
             <a:fld id="{48A87A34-81AB-432B-8DAE-1953F412C126}" type="datetimeFigureOut">
               <a:rPr lang="en-US" smtClean="0"/>
               <a:pPr/>
-              <a:t>10/18/2019</a:t>
+              <a:t>10/21/2019</a:t>
             </a:fld>
             <a:endParaRPr lang="en-US" dirty="0"/>
           </a:p>
@@ -7607,7 +7607,7 @@
             <a:fld id="{48A87A34-81AB-432B-8DAE-1953F412C126}" type="datetimeFigureOut">
               <a:rPr lang="en-US" smtClean="0"/>
               <a:pPr/>
-              <a:t>10/18/2019</a:t>
+              <a:t>10/21/2019</a:t>
             </a:fld>
             <a:endParaRPr lang="en-US" dirty="0"/>
           </a:p>
@@ -7865,7 +7865,7 @@
           <a:p>
             <a:fld id="{48A87A34-81AB-432B-8DAE-1953F412C126}" type="datetimeFigureOut">
               <a:rPr lang="en-US" smtClean="0"/>
-              <a:t>10/18/2019</a:t>
+              <a:t>10/21/2019</a:t>
             </a:fld>
             <a:endParaRPr lang="en-US" dirty="0"/>
           </a:p>
@@ -8028,7 +8028,7 @@
           <a:p>
             <a:fld id="{48A87A34-81AB-432B-8DAE-1953F412C126}" type="datetimeFigureOut">
               <a:rPr lang="en-US" smtClean="0"/>
-              <a:t>10/18/2019</a:t>
+              <a:t>10/21/2019</a:t>
             </a:fld>
             <a:endParaRPr lang="en-US" dirty="0"/>
           </a:p>
@@ -8419,7 +8419,7 @@
             <a:fld id="{48A87A34-81AB-432B-8DAE-1953F412C126}" type="datetimeFigureOut">
               <a:rPr lang="en-US" smtClean="0"/>
               <a:pPr/>
-              <a:t>10/18/2019</a:t>
+              <a:t>10/21/2019</a:t>
             </a:fld>
             <a:endParaRPr lang="en-US" dirty="0"/>
           </a:p>
@@ -8829,7 +8829,7 @@
           <a:p>
             <a:fld id="{48A87A34-81AB-432B-8DAE-1953F412C126}" type="datetimeFigureOut">
               <a:rPr lang="en-US" smtClean="0"/>
-              <a:t>10/18/2019</a:t>
+              <a:t>10/21/2019</a:t>
             </a:fld>
             <a:endParaRPr lang="en-US" dirty="0"/>
           </a:p>
@@ -9074,7 +9074,7 @@
             <a:fld id="{48A87A34-81AB-432B-8DAE-1953F412C126}" type="datetimeFigureOut">
               <a:rPr lang="en-US" smtClean="0"/>
               <a:pPr/>
-              <a:t>10/18/2019</a:t>
+              <a:t>10/21/2019</a:t>
             </a:fld>
             <a:endParaRPr lang="en-US" dirty="0"/>
           </a:p>
@@ -14943,7 +14943,7 @@
         </p:blipFill>
         <p:spPr>
           <a:xfrm>
-            <a:off x="8474905" y="1960601"/>
+            <a:off x="8459446" y="1960601"/>
             <a:ext cx="1345369" cy="1210432"/>
           </a:xfrm>
           <a:prstGeom prst="rect">
